--- a/Приложение для робота_Жильцов Иван.pptx
+++ b/Приложение для робота_Жильцов Иван.pptx
@@ -5393,7 +5393,7 @@
             </a:spcAft>
           </a:pPr>
           <a:r>
-            <a:rPr lang="ru-RU" sz="3600" dirty="0" smtClean="0"/>
+            <a:rPr lang="ru-RU" sz="3600" dirty="0"/>
             <a:t>Разработать приложение </a:t>
           </a:r>
         </a:p>
@@ -5407,7 +5407,7 @@
             </a:spcAft>
           </a:pPr>
           <a:r>
-            <a:rPr lang="ru-RU" sz="3600" dirty="0" smtClean="0"/>
+            <a:rPr lang="ru-RU" sz="3600" dirty="0"/>
             <a:t>для обмена данными с роботом</a:t>
           </a:r>
           <a:endParaRPr lang="ru-RU" sz="3600" dirty="0">
@@ -5450,7 +5450,7 @@
         <a:lstStyle/>
         <a:p>
           <a:r>
-            <a:rPr lang="ru-RU" sz="6000" dirty="0" smtClean="0">
+            <a:rPr lang="ru-RU" sz="6000" dirty="0">
               <a:solidFill>
                 <a:schemeClr val="tx1"/>
               </a:solidFill>
@@ -5458,12 +5458,6 @@
             </a:rPr>
             <a:t>Цель</a:t>
           </a:r>
-          <a:endParaRPr lang="ru-RU" sz="6000" dirty="0">
-            <a:solidFill>
-              <a:schemeClr val="tx1"/>
-            </a:solidFill>
-            <a:latin typeface="+mj-lt"/>
-          </a:endParaRPr>
         </a:p>
       </dgm:t>
     </dgm:pt>
@@ -5503,13 +5497,6 @@
         </dgm:presLayoutVars>
       </dgm:prSet>
       <dgm:spPr/>
-      <dgm:t>
-        <a:bodyPr/>
-        <a:lstStyle/>
-        <a:p>
-          <a:endParaRPr lang="ru-RU"/>
-        </a:p>
-      </dgm:t>
     </dgm:pt>
     <dgm:pt modelId="{1078FB7B-F188-459C-924D-CC4284C9A3D4}" type="pres">
       <dgm:prSet presAssocID="{F339CFCD-4E54-41FD-98FE-D8B968C24652}" presName="horFlow" presStyleCnt="0"/>
@@ -5518,13 +5505,6 @@
     <dgm:pt modelId="{C4609D89-8416-4925-B130-52072B0C3251}" type="pres">
       <dgm:prSet presAssocID="{F339CFCD-4E54-41FD-98FE-D8B968C24652}" presName="bigChev" presStyleLbl="node1" presStyleIdx="0" presStyleCnt="1"/>
       <dgm:spPr/>
-      <dgm:t>
-        <a:bodyPr/>
-        <a:lstStyle/>
-        <a:p>
-          <a:endParaRPr lang="ru-RU"/>
-        </a:p>
-      </dgm:t>
     </dgm:pt>
     <dgm:pt modelId="{6941D99F-7295-4B3B-8813-F54DDC3B2C34}" type="pres">
       <dgm:prSet presAssocID="{D88DB565-9BBF-4558-91D7-3A4DEA702551}" presName="parTrans" presStyleCnt="0"/>
@@ -5537,20 +5517,13 @@
         </dgm:presLayoutVars>
       </dgm:prSet>
       <dgm:spPr/>
-      <dgm:t>
-        <a:bodyPr/>
-        <a:lstStyle/>
-        <a:p>
-          <a:endParaRPr lang="ru-RU"/>
-        </a:p>
-      </dgm:t>
     </dgm:pt>
   </dgm:ptLst>
   <dgm:cxnLst>
+    <dgm:cxn modelId="{659FE85D-D7A1-4E3E-861B-E72CA6026399}" type="presOf" srcId="{F339CFCD-4E54-41FD-98FE-D8B968C24652}" destId="{C4609D89-8416-4925-B130-52072B0C3251}" srcOrd="0" destOrd="0" presId="urn:microsoft.com/office/officeart/2005/8/layout/lProcess3"/>
+    <dgm:cxn modelId="{0D53C241-4A3C-4B1C-B0A6-4B9C266DAD99}" srcId="{F339CFCD-4E54-41FD-98FE-D8B968C24652}" destId="{8B29BD39-4057-4025-BA93-583B10C33BAE}" srcOrd="0" destOrd="0" parTransId="{D88DB565-9BBF-4558-91D7-3A4DEA702551}" sibTransId="{231C76FB-1F2F-4814-A270-7C4460ED1C26}"/>
     <dgm:cxn modelId="{77DFABB6-91F9-44D8-8347-3B6FC2594D68}" type="presOf" srcId="{8B29BD39-4057-4025-BA93-583B10C33BAE}" destId="{F0C6BF9C-8781-40D3-8237-CA01A70F039A}" srcOrd="0" destOrd="0" presId="urn:microsoft.com/office/officeart/2005/8/layout/lProcess3"/>
     <dgm:cxn modelId="{4BC761DE-D815-4526-B94E-649497E0CE9F}" type="presOf" srcId="{BC9237CB-90AA-4F09-9544-7F1F6F32D255}" destId="{47341395-3C3B-4702-AE44-7D34BC187AAD}" srcOrd="0" destOrd="0" presId="urn:microsoft.com/office/officeart/2005/8/layout/lProcess3"/>
-    <dgm:cxn modelId="{0D53C241-4A3C-4B1C-B0A6-4B9C266DAD99}" srcId="{F339CFCD-4E54-41FD-98FE-D8B968C24652}" destId="{8B29BD39-4057-4025-BA93-583B10C33BAE}" srcOrd="0" destOrd="0" parTransId="{D88DB565-9BBF-4558-91D7-3A4DEA702551}" sibTransId="{231C76FB-1F2F-4814-A270-7C4460ED1C26}"/>
-    <dgm:cxn modelId="{659FE85D-D7A1-4E3E-861B-E72CA6026399}" type="presOf" srcId="{F339CFCD-4E54-41FD-98FE-D8B968C24652}" destId="{C4609D89-8416-4925-B130-52072B0C3251}" srcOrd="0" destOrd="0" presId="urn:microsoft.com/office/officeart/2005/8/layout/lProcess3"/>
     <dgm:cxn modelId="{208A60EE-F13F-4D77-97F0-00CC8DA1CB56}" srcId="{BC9237CB-90AA-4F09-9544-7F1F6F32D255}" destId="{F339CFCD-4E54-41FD-98FE-D8B968C24652}" srcOrd="0" destOrd="0" parTransId="{C7E9175D-3FBD-4194-A458-2B455BC7437E}" sibTransId="{D1D1E065-392D-4DC1-A523-95D873E2131F}"/>
     <dgm:cxn modelId="{AFF4CAB6-7D3F-414E-8D7B-EAE8933EAF20}" type="presParOf" srcId="{47341395-3C3B-4702-AE44-7D34BC187AAD}" destId="{1078FB7B-F188-459C-924D-CC4284C9A3D4}" srcOrd="0" destOrd="0" presId="urn:microsoft.com/office/officeart/2005/8/layout/lProcess3"/>
     <dgm:cxn modelId="{2CECB959-F0AD-4133-975A-B6C437FC2700}" type="presParOf" srcId="{1078FB7B-F188-459C-924D-CC4284C9A3D4}" destId="{C4609D89-8416-4925-B130-52072B0C3251}" srcOrd="0" destOrd="0" presId="urn:microsoft.com/office/officeart/2005/8/layout/lProcess3"/>
@@ -5589,7 +5562,7 @@
         <a:lstStyle/>
         <a:p>
           <a:r>
-            <a:rPr lang="ru-RU" dirty="0" smtClean="0">
+            <a:rPr lang="ru-RU" dirty="0">
               <a:solidFill>
                 <a:schemeClr val="bg1"/>
               </a:solidFill>
@@ -5597,12 +5570,6 @@
             </a:rPr>
             <a:t>Задачи</a:t>
           </a:r>
-          <a:endParaRPr lang="ru-RU" dirty="0">
-            <a:solidFill>
-              <a:schemeClr val="bg1"/>
-            </a:solidFill>
-            <a:latin typeface="+mj-lt"/>
-          </a:endParaRPr>
         </a:p>
       </dgm:t>
     </dgm:pt>
@@ -5640,7 +5607,7 @@
         <a:lstStyle/>
         <a:p>
           <a:r>
-            <a:rPr lang="ru-RU" dirty="0" smtClean="0">
+            <a:rPr lang="ru-RU" dirty="0">
               <a:solidFill>
                 <a:schemeClr val="bg1"/>
               </a:solidFill>
@@ -5648,12 +5615,6 @@
             </a:rPr>
             <a:t>Технологии</a:t>
           </a:r>
-          <a:endParaRPr lang="ru-RU" dirty="0">
-            <a:solidFill>
-              <a:schemeClr val="bg1"/>
-            </a:solidFill>
-            <a:latin typeface="+mj-lt"/>
-          </a:endParaRPr>
         </a:p>
       </dgm:t>
     </dgm:pt>
@@ -5692,13 +5653,13 @@
         <a:p>
           <a:pPr algn="l"/>
           <a:r>
-            <a:rPr lang="ru-RU" sz="2000" dirty="0" smtClean="0">
+            <a:rPr lang="ru-RU" sz="2000" dirty="0">
               <a:latin typeface="+mj-lt"/>
             </a:rPr>
             <a:t>Язык программирования </a:t>
           </a:r>
           <a:r>
-            <a:rPr lang="en-US" sz="2000" dirty="0" smtClean="0">
+            <a:rPr lang="en-US" sz="2000" dirty="0">
               <a:latin typeface="+mj-lt"/>
             </a:rPr>
             <a:t>Python</a:t>
@@ -5744,25 +5705,25 @@
         <a:p>
           <a:pPr algn="l"/>
           <a:r>
-            <a:rPr lang="ru-RU" sz="2000" dirty="0" smtClean="0">
+            <a:rPr lang="ru-RU" sz="2000" dirty="0">
               <a:latin typeface="+mj-lt"/>
             </a:rPr>
             <a:t>Библиотека </a:t>
           </a:r>
           <a:r>
-            <a:rPr lang="en-US" sz="2000" dirty="0" smtClean="0">
+            <a:rPr lang="en-US" sz="2000" dirty="0">
               <a:latin typeface="+mj-lt"/>
             </a:rPr>
             <a:t>PyQt6 </a:t>
           </a:r>
           <a:r>
-            <a:rPr lang="ru-RU" sz="2000" dirty="0" smtClean="0">
+            <a:rPr lang="ru-RU" sz="2000" dirty="0">
               <a:latin typeface="+mj-lt"/>
             </a:rPr>
             <a:t>и </a:t>
           </a:r>
           <a:r>
-            <a:rPr lang="en-US" sz="2000" dirty="0" err="1" smtClean="0">
+            <a:rPr lang="en-US" sz="2000" dirty="0" err="1">
               <a:latin typeface="+mj-lt"/>
             </a:rPr>
             <a:t>QtWebEngine</a:t>
@@ -5808,7 +5769,7 @@
         <a:p>
           <a:pPr algn="l"/>
           <a:r>
-            <a:rPr lang="ru-RU" sz="2000" dirty="0" smtClean="0">
+            <a:rPr lang="ru-RU" sz="2000" dirty="0">
               <a:solidFill>
                 <a:schemeClr val="tx1"/>
               </a:solidFill>
@@ -5817,7 +5778,7 @@
             <a:t>Подготовить</a:t>
           </a:r>
           <a:r>
-            <a:rPr lang="en-US" sz="2000" dirty="0" smtClean="0">
+            <a:rPr lang="en-US" sz="2000" dirty="0">
               <a:solidFill>
                 <a:schemeClr val="tx1"/>
               </a:solidFill>
@@ -5826,7 +5787,7 @@
             <a:t> UI-</a:t>
           </a:r>
           <a:r>
-            <a:rPr lang="ru-RU" sz="2000" dirty="0" smtClean="0">
+            <a:rPr lang="ru-RU" sz="2000" dirty="0">
               <a:solidFill>
                 <a:schemeClr val="tx1"/>
               </a:solidFill>
@@ -5834,12 +5795,6 @@
             </a:rPr>
             <a:t>шаблоны окон</a:t>
           </a:r>
-          <a:endParaRPr lang="ru-RU" sz="2000" dirty="0">
-            <a:solidFill>
-              <a:schemeClr val="tx1"/>
-            </a:solidFill>
-            <a:latin typeface="+mj-lt"/>
-          </a:endParaRPr>
         </a:p>
       </dgm:t>
     </dgm:pt>
@@ -5878,37 +5833,37 @@
         <a:p>
           <a:pPr algn="l"/>
           <a:r>
-            <a:rPr lang="ru-RU" sz="2000" dirty="0" smtClean="0">
+            <a:rPr lang="ru-RU" sz="2000" dirty="0">
               <a:latin typeface="+mj-lt"/>
             </a:rPr>
             <a:t>Создать классы для реализации окон</a:t>
           </a:r>
           <a:r>
-            <a:rPr lang="en-US" sz="2000" dirty="0" smtClean="0">
+            <a:rPr lang="en-US" sz="2000" dirty="0">
               <a:latin typeface="+mj-lt"/>
             </a:rPr>
             <a:t>,</a:t>
           </a:r>
           <a:r>
-            <a:rPr lang="ru-RU" sz="2000" dirty="0" smtClean="0">
+            <a:rPr lang="ru-RU" sz="2000" dirty="0">
               <a:latin typeface="+mj-lt"/>
             </a:rPr>
             <a:t> карты</a:t>
           </a:r>
           <a:r>
-            <a:rPr lang="en-US" sz="2000" dirty="0" smtClean="0">
+            <a:rPr lang="en-US" sz="2000" dirty="0">
               <a:latin typeface="+mj-lt"/>
             </a:rPr>
             <a:t> </a:t>
           </a:r>
           <a:r>
-            <a:rPr lang="ru-RU" sz="2000" dirty="0" smtClean="0">
+            <a:rPr lang="ru-RU" sz="2000" dirty="0">
               <a:latin typeface="+mj-lt"/>
             </a:rPr>
             <a:t>и </a:t>
           </a:r>
           <a:r>
-            <a:rPr lang="en-US" sz="2000" dirty="0" err="1" smtClean="0">
+            <a:rPr lang="en-US" sz="2000" dirty="0" err="1">
               <a:latin typeface="+mj-lt"/>
             </a:rPr>
             <a:t>bluetooth</a:t>
@@ -5954,13 +5909,13 @@
         <a:p>
           <a:pPr algn="l"/>
           <a:r>
-            <a:rPr lang="ru-RU" sz="2000" dirty="0" smtClean="0">
+            <a:rPr lang="ru-RU" sz="2000" dirty="0">
               <a:latin typeface="+mj-lt"/>
             </a:rPr>
             <a:t>Протестировать</a:t>
           </a:r>
           <a:r>
-            <a:rPr lang="ru-RU" sz="2000" baseline="0" dirty="0" smtClean="0">
+            <a:rPr lang="ru-RU" sz="2000" baseline="0" dirty="0">
               <a:latin typeface="+mj-lt"/>
             </a:rPr>
             <a:t> работу приложения</a:t>
@@ -6006,14 +5961,11 @@
         <a:p>
           <a:pPr algn="l"/>
           <a:r>
-            <a:rPr lang="ru-RU" sz="2000" dirty="0" smtClean="0">
+            <a:rPr lang="ru-RU" sz="2000" dirty="0">
               <a:latin typeface="+mj-lt"/>
             </a:rPr>
             <a:t>Определить необходимый функционал приложения</a:t>
           </a:r>
-          <a:endParaRPr lang="ru-RU" sz="2000" dirty="0">
-            <a:latin typeface="+mj-lt"/>
-          </a:endParaRPr>
         </a:p>
       </dgm:t>
     </dgm:pt>
@@ -6052,67 +6004,55 @@
         <a:p>
           <a:pPr algn="l"/>
           <a:r>
-            <a:rPr lang="ru-RU" sz="2000" dirty="0" smtClean="0">
+            <a:rPr lang="ru-RU" sz="2000" dirty="0">
               <a:latin typeface="+mj-lt"/>
             </a:rPr>
             <a:t>Язык </a:t>
           </a:r>
           <a:r>
-            <a:rPr lang="en-US" sz="2000" dirty="0" smtClean="0">
+            <a:rPr lang="en-US" sz="2000" dirty="0">
               <a:latin typeface="+mj-lt"/>
             </a:rPr>
-            <a:t>HTML, </a:t>
+            <a:t>HTML, JavaScript </a:t>
           </a:r>
           <a:r>
-            <a:rPr lang="en-US" sz="2000" dirty="0" smtClean="0">
-              <a:latin typeface="+mj-lt"/>
-            </a:rPr>
-            <a:t>JavaScript </a:t>
-          </a:r>
-          <a:r>
-            <a:rPr lang="ru-RU" sz="2000" dirty="0" smtClean="0">
+            <a:rPr lang="ru-RU" sz="2000" dirty="0">
               <a:latin typeface="+mj-lt"/>
             </a:rPr>
             <a:t>и </a:t>
           </a:r>
           <a:r>
-            <a:rPr lang="en-US" sz="2000" dirty="0" smtClean="0">
+            <a:rPr lang="en-US" sz="2000" dirty="0">
               <a:latin typeface="+mj-lt"/>
             </a:rPr>
             <a:t>API </a:t>
           </a:r>
           <a:r>
-            <a:rPr lang="ru-RU" sz="2000" dirty="0" smtClean="0">
+            <a:rPr lang="ru-RU" sz="2000" dirty="0">
               <a:latin typeface="+mj-lt"/>
             </a:rPr>
-            <a:t>Яндекс </a:t>
+            <a:t>Яндекс Карт</a:t>
           </a:r>
           <a:r>
-            <a:rPr lang="ru-RU" sz="2000" dirty="0" smtClean="0">
-              <a:latin typeface="+mj-lt"/>
-            </a:rPr>
-            <a:t>Карт</a:t>
-          </a:r>
-          <a:r>
-            <a:rPr lang="en-US" sz="2000" dirty="0" smtClean="0">
+            <a:rPr lang="en-US" sz="2000" dirty="0">
               <a:latin typeface="+mj-lt"/>
             </a:rPr>
             <a:t>,</a:t>
           </a:r>
           <a:r>
-            <a:rPr lang="ru-RU" sz="2000" dirty="0" smtClean="0">
+            <a:rPr lang="ru-RU" sz="2000" dirty="0">
               <a:latin typeface="+mj-lt"/>
             </a:rPr>
             <a:t> библиотека </a:t>
           </a:r>
           <a:r>
-            <a:rPr lang="en-US" sz="2000" dirty="0" err="1" smtClean="0">
+            <a:rPr lang="en-US" sz="2000" dirty="0" err="1">
               <a:latin typeface="+mj-lt"/>
             </a:rPr>
             <a:t>Json</a:t>
           </a:r>
           <a:r>
-            <a:rPr lang="en-US" sz="2000" dirty="0" smtClean="0">
+            <a:rPr lang="en-US" sz="2000" dirty="0">
               <a:latin typeface="+mj-lt"/>
             </a:rPr>
             <a:t> </a:t>
@@ -6158,19 +6098,19 @@
         <a:p>
           <a:pPr algn="l"/>
           <a:r>
-            <a:rPr lang="ru-RU" sz="2000" dirty="0" smtClean="0">
+            <a:rPr lang="ru-RU" sz="2000" dirty="0">
               <a:latin typeface="+mj-lt"/>
             </a:rPr>
             <a:t>Библиотека</a:t>
           </a:r>
           <a:r>
-            <a:rPr lang="en-US" sz="2000" dirty="0" smtClean="0">
+            <a:rPr lang="en-US" sz="2000" dirty="0">
               <a:latin typeface="+mj-lt"/>
             </a:rPr>
             <a:t> </a:t>
           </a:r>
           <a:r>
-            <a:rPr lang="en-US" sz="2000" dirty="0" err="1" smtClean="0">
+            <a:rPr lang="en-US" sz="2000" dirty="0" err="1">
               <a:latin typeface="+mj-lt"/>
             </a:rPr>
             <a:t>QtBluetooth</a:t>
@@ -6212,13 +6152,13 @@
         <a:p>
           <a:pPr algn="l"/>
           <a:r>
-            <a:rPr lang="ru-RU" sz="2000" dirty="0" smtClean="0">
+            <a:rPr lang="ru-RU" sz="2000" dirty="0">
               <a:latin typeface="+mj-lt"/>
             </a:rPr>
             <a:t>Среда программирования </a:t>
           </a:r>
           <a:r>
-            <a:rPr lang="en-US" sz="2000" dirty="0" err="1" smtClean="0">
+            <a:rPr lang="en-US" sz="2000" dirty="0" err="1">
               <a:latin typeface="+mj-lt"/>
             </a:rPr>
             <a:t>PyCharm</a:t>
@@ -6260,26 +6200,23 @@
         <a:p>
           <a:pPr algn="l"/>
           <a:r>
-            <a:rPr lang="en-US" sz="2000" dirty="0" err="1" smtClean="0">
+            <a:rPr lang="en-US" sz="2000" dirty="0" err="1">
               <a:latin typeface="+mj-lt"/>
             </a:rPr>
             <a:t>QtDesigner</a:t>
           </a:r>
           <a:r>
-            <a:rPr lang="en-US" sz="2000" dirty="0" smtClean="0">
+            <a:rPr lang="en-US" sz="2000" dirty="0">
               <a:latin typeface="+mj-lt"/>
             </a:rPr>
             <a:t> </a:t>
           </a:r>
           <a:r>
-            <a:rPr lang="ru-RU" sz="2000" dirty="0" smtClean="0">
+            <a:rPr lang="ru-RU" sz="2000" dirty="0">
               <a:latin typeface="+mj-lt"/>
             </a:rPr>
             <a:t>для создания интерфейса</a:t>
           </a:r>
-          <a:endParaRPr lang="ru-RU" sz="2000" dirty="0">
-            <a:latin typeface="+mj-lt"/>
-          </a:endParaRPr>
         </a:p>
       </dgm:t>
     </dgm:pt>
@@ -6314,13 +6251,13 @@
         <a:p>
           <a:pPr algn="l"/>
           <a:r>
-            <a:rPr lang="ru-RU" sz="2000" dirty="0" smtClean="0">
+            <a:rPr lang="ru-RU" sz="2000" dirty="0">
               <a:latin typeface="+mj-lt"/>
             </a:rPr>
             <a:t>Подготовить</a:t>
           </a:r>
           <a:r>
-            <a:rPr lang="ru-RU" sz="2000" baseline="0" dirty="0" smtClean="0">
+            <a:rPr lang="ru-RU" sz="2000" baseline="0" dirty="0">
               <a:latin typeface="+mj-lt"/>
             </a:rPr>
             <a:t> структуру приложения</a:t>
@@ -6362,13 +6299,13 @@
         <a:p>
           <a:pPr algn="l"/>
           <a:r>
-            <a:rPr lang="ru-RU" sz="2000" dirty="0" smtClean="0">
+            <a:rPr lang="ru-RU" sz="2000" dirty="0">
               <a:latin typeface="+mj-lt"/>
             </a:rPr>
             <a:t>Технологии </a:t>
           </a:r>
           <a:r>
-            <a:rPr lang="en-US" sz="2000" dirty="0" err="1" smtClean="0">
+            <a:rPr lang="en-US" sz="2000" dirty="0" err="1">
               <a:latin typeface="+mj-lt"/>
             </a:rPr>
             <a:t>Git</a:t>
@@ -6410,38 +6347,35 @@
         <a:p>
           <a:pPr algn="l"/>
           <a:r>
-            <a:rPr lang="ru-RU" sz="2000" dirty="0" smtClean="0">
+            <a:rPr lang="ru-RU" sz="2000" dirty="0">
               <a:latin typeface="+mj-lt"/>
             </a:rPr>
             <a:t>Разработать код</a:t>
           </a:r>
           <a:r>
-            <a:rPr lang="en-US" sz="2000" dirty="0" smtClean="0">
+            <a:rPr lang="en-US" sz="2000" dirty="0">
               <a:latin typeface="+mj-lt"/>
             </a:rPr>
             <a:t> HTML</a:t>
           </a:r>
           <a:r>
-            <a:rPr lang="ru-RU" sz="2000" dirty="0" smtClean="0">
+            <a:rPr lang="ru-RU" sz="2000" dirty="0">
               <a:latin typeface="+mj-lt"/>
             </a:rPr>
             <a:t> и </a:t>
           </a:r>
           <a:r>
-            <a:rPr lang="en-US" sz="2000" dirty="0" smtClean="0">
+            <a:rPr lang="en-US" sz="2000" dirty="0">
               <a:latin typeface="+mj-lt"/>
             </a:rPr>
             <a:t>JavaScript </a:t>
           </a:r>
           <a:r>
-            <a:rPr lang="ru-RU" sz="2000" dirty="0" smtClean="0">
+            <a:rPr lang="ru-RU" sz="2000" dirty="0">
               <a:latin typeface="+mj-lt"/>
             </a:rPr>
             <a:t>для реализации Яндекс Карты </a:t>
           </a:r>
-          <a:endParaRPr lang="ru-RU" sz="2000" dirty="0">
-            <a:latin typeface="+mj-lt"/>
-          </a:endParaRPr>
         </a:p>
       </dgm:t>
     </dgm:pt>
@@ -6478,79 +6412,30 @@
         </dgm:presLayoutVars>
       </dgm:prSet>
       <dgm:spPr/>
-      <dgm:t>
-        <a:bodyPr/>
-        <a:lstStyle/>
-        <a:p>
-          <a:endParaRPr lang="ru-RU"/>
-        </a:p>
-      </dgm:t>
     </dgm:pt>
     <dgm:pt modelId="{F46B08BF-CB8D-4EF0-8878-757AE4C78038}" type="pres">
       <dgm:prSet presAssocID="{1541EFDC-C611-4AC2-A1FD-56152CDEF0F8}" presName="root" presStyleCnt="0"/>
       <dgm:spPr/>
-      <dgm:t>
-        <a:bodyPr/>
-        <a:lstStyle/>
-        <a:p>
-          <a:endParaRPr lang="ru-RU"/>
-        </a:p>
-      </dgm:t>
     </dgm:pt>
     <dgm:pt modelId="{B0F025CD-1027-4698-8D14-D5EEE42F339D}" type="pres">
       <dgm:prSet presAssocID="{1541EFDC-C611-4AC2-A1FD-56152CDEF0F8}" presName="rootComposite" presStyleCnt="0"/>
       <dgm:spPr/>
-      <dgm:t>
-        <a:bodyPr/>
-        <a:lstStyle/>
-        <a:p>
-          <a:endParaRPr lang="ru-RU"/>
-        </a:p>
-      </dgm:t>
     </dgm:pt>
     <dgm:pt modelId="{44119F6D-007C-4223-AF07-678E9D68AA61}" type="pres">
       <dgm:prSet presAssocID="{1541EFDC-C611-4AC2-A1FD-56152CDEF0F8}" presName="rootText" presStyleLbl="node1" presStyleIdx="0" presStyleCnt="2" custScaleX="534523"/>
       <dgm:spPr/>
-      <dgm:t>
-        <a:bodyPr/>
-        <a:lstStyle/>
-        <a:p>
-          <a:endParaRPr lang="ru-RU"/>
-        </a:p>
-      </dgm:t>
     </dgm:pt>
     <dgm:pt modelId="{812225CE-28B7-4D35-8E4E-D8FC9364D1F9}" type="pres">
       <dgm:prSet presAssocID="{1541EFDC-C611-4AC2-A1FD-56152CDEF0F8}" presName="rootConnector" presStyleLbl="node1" presStyleIdx="0" presStyleCnt="2"/>
       <dgm:spPr/>
-      <dgm:t>
-        <a:bodyPr/>
-        <a:lstStyle/>
-        <a:p>
-          <a:endParaRPr lang="ru-RU"/>
-        </a:p>
-      </dgm:t>
     </dgm:pt>
     <dgm:pt modelId="{DE29907D-B02C-4DC8-AB35-A32FAB9C50C8}" type="pres">
       <dgm:prSet presAssocID="{1541EFDC-C611-4AC2-A1FD-56152CDEF0F8}" presName="childShape" presStyleCnt="0"/>
       <dgm:spPr/>
-      <dgm:t>
-        <a:bodyPr/>
-        <a:lstStyle/>
-        <a:p>
-          <a:endParaRPr lang="ru-RU"/>
-        </a:p>
-      </dgm:t>
     </dgm:pt>
     <dgm:pt modelId="{E97F6A05-7D7E-42CF-A025-783C256FF1A4}" type="pres">
       <dgm:prSet presAssocID="{1DE56A76-4993-4887-8460-65FA8A5AA490}" presName="Name13" presStyleLbl="parChTrans1D2" presStyleIdx="0" presStyleCnt="13"/>
       <dgm:spPr/>
-      <dgm:t>
-        <a:bodyPr/>
-        <a:lstStyle/>
-        <a:p>
-          <a:endParaRPr lang="ru-RU"/>
-        </a:p>
-      </dgm:t>
     </dgm:pt>
     <dgm:pt modelId="{997AEA4A-0E44-40E5-A385-7D114752559D}" type="pres">
       <dgm:prSet presAssocID="{B0EF90B9-B7AC-41F4-A8E4-2C416D7BC666}" presName="childText" presStyleLbl="bgAcc1" presStyleIdx="0" presStyleCnt="13" custScaleX="521924">
@@ -6559,24 +6444,10 @@
         </dgm:presLayoutVars>
       </dgm:prSet>
       <dgm:spPr/>
-      <dgm:t>
-        <a:bodyPr/>
-        <a:lstStyle/>
-        <a:p>
-          <a:endParaRPr lang="ru-RU"/>
-        </a:p>
-      </dgm:t>
     </dgm:pt>
     <dgm:pt modelId="{A95987E4-1E09-47F4-818D-61FCF22EA304}" type="pres">
       <dgm:prSet presAssocID="{83C34117-5989-4AB6-9190-294A6E7CAFE6}" presName="Name13" presStyleLbl="parChTrans1D2" presStyleIdx="1" presStyleCnt="13"/>
       <dgm:spPr/>
-      <dgm:t>
-        <a:bodyPr/>
-        <a:lstStyle/>
-        <a:p>
-          <a:endParaRPr lang="ru-RU"/>
-        </a:p>
-      </dgm:t>
     </dgm:pt>
     <dgm:pt modelId="{AF7B4ADA-0B7F-410D-8FB4-FFABE0DAD0D7}" type="pres">
       <dgm:prSet presAssocID="{EE0DFAAC-5A62-4ED8-B612-3AA5DC383093}" presName="childText" presStyleLbl="bgAcc1" presStyleIdx="1" presStyleCnt="13" custScaleX="521924">
@@ -6585,24 +6456,10 @@
         </dgm:presLayoutVars>
       </dgm:prSet>
       <dgm:spPr/>
-      <dgm:t>
-        <a:bodyPr/>
-        <a:lstStyle/>
-        <a:p>
-          <a:endParaRPr lang="ru-RU"/>
-        </a:p>
-      </dgm:t>
     </dgm:pt>
     <dgm:pt modelId="{6BCDF554-0152-4C23-811D-A6805B9A61D1}" type="pres">
       <dgm:prSet presAssocID="{F80C2213-5E35-4A5E-A639-1985843B4620}" presName="Name13" presStyleLbl="parChTrans1D2" presStyleIdx="2" presStyleCnt="13"/>
       <dgm:spPr/>
-      <dgm:t>
-        <a:bodyPr/>
-        <a:lstStyle/>
-        <a:p>
-          <a:endParaRPr lang="ru-RU"/>
-        </a:p>
-      </dgm:t>
     </dgm:pt>
     <dgm:pt modelId="{B20D87AF-4F2B-4280-BC55-B6F24CE01CDA}" type="pres">
       <dgm:prSet presAssocID="{FD596EAD-5791-4489-9534-0C8D06D45B86}" presName="childText" presStyleLbl="bgAcc1" presStyleIdx="2" presStyleCnt="13" custScaleX="521924">
@@ -6611,24 +6468,10 @@
         </dgm:presLayoutVars>
       </dgm:prSet>
       <dgm:spPr/>
-      <dgm:t>
-        <a:bodyPr/>
-        <a:lstStyle/>
-        <a:p>
-          <a:endParaRPr lang="ru-RU"/>
-        </a:p>
-      </dgm:t>
     </dgm:pt>
     <dgm:pt modelId="{9D657C63-8E28-41F3-AFF5-73484B85CBD7}" type="pres">
       <dgm:prSet presAssocID="{865C9671-5A51-4972-A9C9-B2C8B4218D2B}" presName="Name13" presStyleLbl="parChTrans1D2" presStyleIdx="3" presStyleCnt="13"/>
       <dgm:spPr/>
-      <dgm:t>
-        <a:bodyPr/>
-        <a:lstStyle/>
-        <a:p>
-          <a:endParaRPr lang="ru-RU"/>
-        </a:p>
-      </dgm:t>
     </dgm:pt>
     <dgm:pt modelId="{0901AA30-00C1-4691-8DB7-2F73B4AEEC93}" type="pres">
       <dgm:prSet presAssocID="{F4CBF2E8-080E-4CA8-9F44-0CF3CE429045}" presName="childText" presStyleLbl="bgAcc1" presStyleIdx="3" presStyleCnt="13" custScaleX="521924">
@@ -6637,13 +6480,6 @@
         </dgm:presLayoutVars>
       </dgm:prSet>
       <dgm:spPr/>
-      <dgm:t>
-        <a:bodyPr/>
-        <a:lstStyle/>
-        <a:p>
-          <a:endParaRPr lang="ru-RU"/>
-        </a:p>
-      </dgm:t>
     </dgm:pt>
     <dgm:pt modelId="{33716FCF-5EA7-4D7A-81A0-9C8B7D341B61}" type="pres">
       <dgm:prSet presAssocID="{E07A0852-3737-428E-93D3-17495D3D376D}" presName="Name13" presStyleLbl="parChTrans1D2" presStyleIdx="4" presStyleCnt="13"/>
@@ -6656,24 +6492,10 @@
         </dgm:presLayoutVars>
       </dgm:prSet>
       <dgm:spPr/>
-      <dgm:t>
-        <a:bodyPr/>
-        <a:lstStyle/>
-        <a:p>
-          <a:endParaRPr lang="ru-RU"/>
-        </a:p>
-      </dgm:t>
     </dgm:pt>
     <dgm:pt modelId="{74E993EC-8E18-4068-ACB4-AC69DB249FBA}" type="pres">
       <dgm:prSet presAssocID="{0092653F-4BED-441E-9656-A3CFC2B96A1C}" presName="Name13" presStyleLbl="parChTrans1D2" presStyleIdx="5" presStyleCnt="13"/>
       <dgm:spPr/>
-      <dgm:t>
-        <a:bodyPr/>
-        <a:lstStyle/>
-        <a:p>
-          <a:endParaRPr lang="ru-RU"/>
-        </a:p>
-      </dgm:t>
     </dgm:pt>
     <dgm:pt modelId="{8109E108-7674-4463-A2EF-68C823D0F069}" type="pres">
       <dgm:prSet presAssocID="{1A649D24-6AD6-41F4-ABC3-A53F27A41A8C}" presName="childText" presStyleLbl="bgAcc1" presStyleIdx="5" presStyleCnt="13" custScaleX="521924">
@@ -6682,79 +6504,30 @@
         </dgm:presLayoutVars>
       </dgm:prSet>
       <dgm:spPr/>
-      <dgm:t>
-        <a:bodyPr/>
-        <a:lstStyle/>
-        <a:p>
-          <a:endParaRPr lang="ru-RU"/>
-        </a:p>
-      </dgm:t>
     </dgm:pt>
     <dgm:pt modelId="{E1B3FE26-C7F1-40F1-8C91-5637E1BFFE04}" type="pres">
       <dgm:prSet presAssocID="{0608BFA7-546A-4CF3-8009-3600A672D044}" presName="root" presStyleCnt="0"/>
       <dgm:spPr/>
-      <dgm:t>
-        <a:bodyPr/>
-        <a:lstStyle/>
-        <a:p>
-          <a:endParaRPr lang="ru-RU"/>
-        </a:p>
-      </dgm:t>
     </dgm:pt>
     <dgm:pt modelId="{9F62F3DF-6AD6-4194-A466-E7F4043FC817}" type="pres">
       <dgm:prSet presAssocID="{0608BFA7-546A-4CF3-8009-3600A672D044}" presName="rootComposite" presStyleCnt="0"/>
       <dgm:spPr/>
-      <dgm:t>
-        <a:bodyPr/>
-        <a:lstStyle/>
-        <a:p>
-          <a:endParaRPr lang="ru-RU"/>
-        </a:p>
-      </dgm:t>
     </dgm:pt>
     <dgm:pt modelId="{4C89AFA7-F26A-4743-AD14-61CA329241AC}" type="pres">
       <dgm:prSet presAssocID="{0608BFA7-546A-4CF3-8009-3600A672D044}" presName="rootText" presStyleLbl="node1" presStyleIdx="1" presStyleCnt="2" custScaleX="534523"/>
       <dgm:spPr/>
-      <dgm:t>
-        <a:bodyPr/>
-        <a:lstStyle/>
-        <a:p>
-          <a:endParaRPr lang="ru-RU"/>
-        </a:p>
-      </dgm:t>
     </dgm:pt>
     <dgm:pt modelId="{E20CD2B4-896C-49C9-999B-87A2063D2FD2}" type="pres">
       <dgm:prSet presAssocID="{0608BFA7-546A-4CF3-8009-3600A672D044}" presName="rootConnector" presStyleLbl="node1" presStyleIdx="1" presStyleCnt="2"/>
       <dgm:spPr/>
-      <dgm:t>
-        <a:bodyPr/>
-        <a:lstStyle/>
-        <a:p>
-          <a:endParaRPr lang="ru-RU"/>
-        </a:p>
-      </dgm:t>
     </dgm:pt>
     <dgm:pt modelId="{63A27C28-1034-4635-BD44-8CCE9E5421E2}" type="pres">
       <dgm:prSet presAssocID="{0608BFA7-546A-4CF3-8009-3600A672D044}" presName="childShape" presStyleCnt="0"/>
       <dgm:spPr/>
-      <dgm:t>
-        <a:bodyPr/>
-        <a:lstStyle/>
-        <a:p>
-          <a:endParaRPr lang="ru-RU"/>
-        </a:p>
-      </dgm:t>
     </dgm:pt>
     <dgm:pt modelId="{F4119F7C-9096-42B4-9EA4-97AAE22CF2C5}" type="pres">
       <dgm:prSet presAssocID="{CFDACBEE-4D40-45CC-8127-242B04675DB1}" presName="Name13" presStyleLbl="parChTrans1D2" presStyleIdx="6" presStyleCnt="13"/>
       <dgm:spPr/>
-      <dgm:t>
-        <a:bodyPr/>
-        <a:lstStyle/>
-        <a:p>
-          <a:endParaRPr lang="ru-RU"/>
-        </a:p>
-      </dgm:t>
     </dgm:pt>
     <dgm:pt modelId="{F9DB4D29-4244-435C-85B4-B866B31F1410}" type="pres">
       <dgm:prSet presAssocID="{7722B5AD-B946-4ED0-BA15-3D792EC09303}" presName="childText" presStyleLbl="bgAcc1" presStyleIdx="6" presStyleCnt="13" custScaleX="521924">
@@ -6763,24 +6536,10 @@
         </dgm:presLayoutVars>
       </dgm:prSet>
       <dgm:spPr/>
-      <dgm:t>
-        <a:bodyPr/>
-        <a:lstStyle/>
-        <a:p>
-          <a:endParaRPr lang="ru-RU"/>
-        </a:p>
-      </dgm:t>
     </dgm:pt>
     <dgm:pt modelId="{6F8EC973-2E21-432C-9D2E-DA333D8DDB44}" type="pres">
       <dgm:prSet presAssocID="{1F265768-5D48-46A7-857A-4AECA5182E22}" presName="Name13" presStyleLbl="parChTrans1D2" presStyleIdx="7" presStyleCnt="13"/>
       <dgm:spPr/>
-      <dgm:t>
-        <a:bodyPr/>
-        <a:lstStyle/>
-        <a:p>
-          <a:endParaRPr lang="ru-RU"/>
-        </a:p>
-      </dgm:t>
     </dgm:pt>
     <dgm:pt modelId="{3D4DFE44-5669-4C29-8ADB-A6789EA566FF}" type="pres">
       <dgm:prSet presAssocID="{46A17209-CAC3-49E0-84E7-5B5553101876}" presName="childText" presStyleLbl="bgAcc1" presStyleIdx="7" presStyleCnt="13" custScaleX="521924">
@@ -6789,24 +6548,10 @@
         </dgm:presLayoutVars>
       </dgm:prSet>
       <dgm:spPr/>
-      <dgm:t>
-        <a:bodyPr/>
-        <a:lstStyle/>
-        <a:p>
-          <a:endParaRPr lang="ru-RU"/>
-        </a:p>
-      </dgm:t>
     </dgm:pt>
     <dgm:pt modelId="{C6C927BA-03AC-4749-867B-1F230314957A}" type="pres">
       <dgm:prSet presAssocID="{78A58EB8-C136-410B-A326-9B882EA889DF}" presName="Name13" presStyleLbl="parChTrans1D2" presStyleIdx="8" presStyleCnt="13"/>
       <dgm:spPr/>
-      <dgm:t>
-        <a:bodyPr/>
-        <a:lstStyle/>
-        <a:p>
-          <a:endParaRPr lang="ru-RU"/>
-        </a:p>
-      </dgm:t>
     </dgm:pt>
     <dgm:pt modelId="{F83FC73D-D7D3-4048-8885-9BC1C7E65738}" type="pres">
       <dgm:prSet presAssocID="{6AC5DFD2-6BDA-4267-AEF6-E395C1133D56}" presName="childText" presStyleLbl="bgAcc1" presStyleIdx="8" presStyleCnt="13" custScaleX="521924">
@@ -6815,24 +6560,10 @@
         </dgm:presLayoutVars>
       </dgm:prSet>
       <dgm:spPr/>
-      <dgm:t>
-        <a:bodyPr/>
-        <a:lstStyle/>
-        <a:p>
-          <a:endParaRPr lang="ru-RU"/>
-        </a:p>
-      </dgm:t>
     </dgm:pt>
     <dgm:pt modelId="{1CAA8E40-1203-46F3-9FE8-C2DC06D068C8}" type="pres">
       <dgm:prSet presAssocID="{3EF98487-6336-46D6-96AF-140DBD2EA2E1}" presName="Name13" presStyleLbl="parChTrans1D2" presStyleIdx="9" presStyleCnt="13"/>
       <dgm:spPr/>
-      <dgm:t>
-        <a:bodyPr/>
-        <a:lstStyle/>
-        <a:p>
-          <a:endParaRPr lang="ru-RU"/>
-        </a:p>
-      </dgm:t>
     </dgm:pt>
     <dgm:pt modelId="{97384D9F-C2E5-416C-A216-AFB19D60F022}" type="pres">
       <dgm:prSet presAssocID="{C0706AC6-204D-49B1-8B23-140258D9F2CA}" presName="childText" presStyleLbl="bgAcc1" presStyleIdx="9" presStyleCnt="13" custScaleX="521924">
@@ -6841,24 +6572,10 @@
         </dgm:presLayoutVars>
       </dgm:prSet>
       <dgm:spPr/>
-      <dgm:t>
-        <a:bodyPr/>
-        <a:lstStyle/>
-        <a:p>
-          <a:endParaRPr lang="ru-RU"/>
-        </a:p>
-      </dgm:t>
     </dgm:pt>
     <dgm:pt modelId="{5CAFBE8B-CE8D-4340-B5D9-0E9DAC83A672}" type="pres">
       <dgm:prSet presAssocID="{B2C84507-54B7-4A58-9E2E-CD5606929DA7}" presName="Name13" presStyleLbl="parChTrans1D2" presStyleIdx="10" presStyleCnt="13"/>
       <dgm:spPr/>
-      <dgm:t>
-        <a:bodyPr/>
-        <a:lstStyle/>
-        <a:p>
-          <a:endParaRPr lang="ru-RU"/>
-        </a:p>
-      </dgm:t>
     </dgm:pt>
     <dgm:pt modelId="{489B5C8D-3D94-4F4C-A418-66314CA66898}" type="pres">
       <dgm:prSet presAssocID="{48FE0DCC-80ED-4DFE-BD44-53AE53EE6D79}" presName="childText" presStyleLbl="bgAcc1" presStyleIdx="10" presStyleCnt="13" custScaleX="521924">
@@ -6867,24 +6584,10 @@
         </dgm:presLayoutVars>
       </dgm:prSet>
       <dgm:spPr/>
-      <dgm:t>
-        <a:bodyPr/>
-        <a:lstStyle/>
-        <a:p>
-          <a:endParaRPr lang="ru-RU"/>
-        </a:p>
-      </dgm:t>
     </dgm:pt>
     <dgm:pt modelId="{EC47FCF6-2AB3-46B9-AB74-F75F42BCEBCC}" type="pres">
       <dgm:prSet presAssocID="{8BD46942-9234-41D7-96B0-70573E5111FF}" presName="Name13" presStyleLbl="parChTrans1D2" presStyleIdx="11" presStyleCnt="13"/>
       <dgm:spPr/>
-      <dgm:t>
-        <a:bodyPr/>
-        <a:lstStyle/>
-        <a:p>
-          <a:endParaRPr lang="ru-RU"/>
-        </a:p>
-      </dgm:t>
     </dgm:pt>
     <dgm:pt modelId="{4BE9D80D-BC24-4A67-B6C2-8151A2B77A8D}" type="pres">
       <dgm:prSet presAssocID="{367E3734-BA88-4922-B5CB-821E4D37E4B1}" presName="childText" presStyleLbl="bgAcc1" presStyleIdx="11" presStyleCnt="13" custScaleX="521924">
@@ -6893,24 +6596,10 @@
         </dgm:presLayoutVars>
       </dgm:prSet>
       <dgm:spPr/>
-      <dgm:t>
-        <a:bodyPr/>
-        <a:lstStyle/>
-        <a:p>
-          <a:endParaRPr lang="ru-RU"/>
-        </a:p>
-      </dgm:t>
     </dgm:pt>
     <dgm:pt modelId="{47F1C868-E714-48E5-A477-0D72E57E04F4}" type="pres">
       <dgm:prSet presAssocID="{4EF75ABC-274C-47A6-B9B6-596DB02A3614}" presName="Name13" presStyleLbl="parChTrans1D2" presStyleIdx="12" presStyleCnt="13"/>
       <dgm:spPr/>
-      <dgm:t>
-        <a:bodyPr/>
-        <a:lstStyle/>
-        <a:p>
-          <a:endParaRPr lang="ru-RU"/>
-        </a:p>
-      </dgm:t>
     </dgm:pt>
     <dgm:pt modelId="{3ADF5969-E152-4803-8A8B-E692DC6F4EFB}" type="pres">
       <dgm:prSet presAssocID="{87081720-6BEB-4C9F-9035-948AE9320343}" presName="childText" presStyleLbl="bgAcc1" presStyleIdx="12" presStyleCnt="13" custScaleX="521924">
@@ -6919,62 +6608,55 @@
         </dgm:presLayoutVars>
       </dgm:prSet>
       <dgm:spPr/>
-      <dgm:t>
-        <a:bodyPr/>
-        <a:lstStyle/>
-        <a:p>
-          <a:endParaRPr lang="ru-RU"/>
-        </a:p>
-      </dgm:t>
     </dgm:pt>
   </dgm:ptLst>
   <dgm:cxnLst>
+    <dgm:cxn modelId="{C228DF0B-6E52-43B3-B3F3-18DB4797E071}" type="presOf" srcId="{0608BFA7-546A-4CF3-8009-3600A672D044}" destId="{4C89AFA7-F26A-4743-AD14-61CA329241AC}" srcOrd="0" destOrd="0" presId="urn:microsoft.com/office/officeart/2005/8/layout/hierarchy3"/>
+    <dgm:cxn modelId="{58C65011-D78E-4120-8002-6288363B2F3F}" type="presOf" srcId="{CFDACBEE-4D40-45CC-8127-242B04675DB1}" destId="{F4119F7C-9096-42B4-9EA4-97AAE22CF2C5}" srcOrd="0" destOrd="0" presId="urn:microsoft.com/office/officeart/2005/8/layout/hierarchy3"/>
+    <dgm:cxn modelId="{68BAB412-F815-4240-AB55-32754E9E7422}" srcId="{1541EFDC-C611-4AC2-A1FD-56152CDEF0F8}" destId="{F4CBF2E8-080E-4CA8-9F44-0CF3CE429045}" srcOrd="3" destOrd="0" parTransId="{865C9671-5A51-4972-A9C9-B2C8B4218D2B}" sibTransId="{B366A1A2-FE71-4183-ABFD-A9F9D1EF0E86}"/>
+    <dgm:cxn modelId="{278F951A-AE85-4675-A1C5-F373CD77B950}" srcId="{0608BFA7-546A-4CF3-8009-3600A672D044}" destId="{87081720-6BEB-4C9F-9035-948AE9320343}" srcOrd="6" destOrd="0" parTransId="{4EF75ABC-274C-47A6-B9B6-596DB02A3614}" sibTransId="{274DF409-6C35-4EFC-AF6D-B97AD8274810}"/>
+    <dgm:cxn modelId="{79B1811D-32F6-4E86-ACF5-23CDF5D89C04}" type="presOf" srcId="{87081720-6BEB-4C9F-9035-948AE9320343}" destId="{3ADF5969-E152-4803-8A8B-E692DC6F4EFB}" srcOrd="0" destOrd="0" presId="urn:microsoft.com/office/officeart/2005/8/layout/hierarchy3"/>
+    <dgm:cxn modelId="{77083124-A697-4093-BA7E-55C25814D629}" type="presOf" srcId="{1A649D24-6AD6-41F4-ABC3-A53F27A41A8C}" destId="{8109E108-7674-4463-A2EF-68C823D0F069}" srcOrd="0" destOrd="0" presId="urn:microsoft.com/office/officeart/2005/8/layout/hierarchy3"/>
+    <dgm:cxn modelId="{77796425-4B9A-44F3-A470-1F9A9710903A}" type="presOf" srcId="{EE0DFAAC-5A62-4ED8-B612-3AA5DC383093}" destId="{AF7B4ADA-0B7F-410D-8FB4-FFABE0DAD0D7}" srcOrd="0" destOrd="0" presId="urn:microsoft.com/office/officeart/2005/8/layout/hierarchy3"/>
+    <dgm:cxn modelId="{387C3E33-8339-4EBB-AA8B-A87A1532EA3F}" type="presOf" srcId="{1DE56A76-4993-4887-8460-65FA8A5AA490}" destId="{E97F6A05-7D7E-42CF-A025-783C256FF1A4}" srcOrd="0" destOrd="0" presId="urn:microsoft.com/office/officeart/2005/8/layout/hierarchy3"/>
     <dgm:cxn modelId="{80C77338-C66E-4C4C-895B-A8A554FB8FB4}" type="presOf" srcId="{865C9671-5A51-4972-A9C9-B2C8B4218D2B}" destId="{9D657C63-8E28-41F3-AFF5-73484B85CBD7}" srcOrd="0" destOrd="0" presId="urn:microsoft.com/office/officeart/2005/8/layout/hierarchy3"/>
-    <dgm:cxn modelId="{F7F125C1-C9E8-4D2B-9EDC-CAF4DC418F76}" type="presOf" srcId="{1541EFDC-C611-4AC2-A1FD-56152CDEF0F8}" destId="{812225CE-28B7-4D35-8E4E-D8FC9364D1F9}" srcOrd="1" destOrd="0" presId="urn:microsoft.com/office/officeart/2005/8/layout/hierarchy3"/>
-    <dgm:cxn modelId="{42457FA5-9E0D-4576-A69E-436F53B032D6}" type="presOf" srcId="{B0EF90B9-B7AC-41F4-A8E4-2C416D7BC666}" destId="{997AEA4A-0E44-40E5-A385-7D114752559D}" srcOrd="0" destOrd="0" presId="urn:microsoft.com/office/officeart/2005/8/layout/hierarchy3"/>
-    <dgm:cxn modelId="{387C3E33-8339-4EBB-AA8B-A87A1532EA3F}" type="presOf" srcId="{1DE56A76-4993-4887-8460-65FA8A5AA490}" destId="{E97F6A05-7D7E-42CF-A025-783C256FF1A4}" srcOrd="0" destOrd="0" presId="urn:microsoft.com/office/officeart/2005/8/layout/hierarchy3"/>
+    <dgm:cxn modelId="{64DF5438-1D1C-4814-95AD-CA150E3365B7}" srcId="{1541EFDC-C611-4AC2-A1FD-56152CDEF0F8}" destId="{B0EF90B9-B7AC-41F4-A8E4-2C416D7BC666}" srcOrd="0" destOrd="0" parTransId="{1DE56A76-4993-4887-8460-65FA8A5AA490}" sibTransId="{63BC5514-881D-4F68-B769-8E8A73172FBF}"/>
+    <dgm:cxn modelId="{499DE03A-0E9D-439E-B705-5EA801869CD9}" srcId="{0608BFA7-546A-4CF3-8009-3600A672D044}" destId="{C0706AC6-204D-49B1-8B23-140258D9F2CA}" srcOrd="3" destOrd="0" parTransId="{3EF98487-6336-46D6-96AF-140DBD2EA2E1}" sibTransId="{84233D2A-472B-4F83-92EF-FA8CBC58B6E2}"/>
+    <dgm:cxn modelId="{4CAF4C3F-0E94-4192-8C29-0BADADD6E744}" type="presOf" srcId="{1F265768-5D48-46A7-857A-4AECA5182E22}" destId="{6F8EC973-2E21-432C-9D2E-DA333D8DDB44}" srcOrd="0" destOrd="0" presId="urn:microsoft.com/office/officeart/2005/8/layout/hierarchy3"/>
+    <dgm:cxn modelId="{1FE07060-22DD-414B-8FD5-11F37EBCC88B}" type="presOf" srcId="{7722B5AD-B946-4ED0-BA15-3D792EC09303}" destId="{F9DB4D29-4244-435C-85B4-B866B31F1410}" srcOrd="0" destOrd="0" presId="urn:microsoft.com/office/officeart/2005/8/layout/hierarchy3"/>
+    <dgm:cxn modelId="{382F3A43-1785-4DA8-BD24-F816FA387933}" type="presOf" srcId="{8BD46942-9234-41D7-96B0-70573E5111FF}" destId="{EC47FCF6-2AB3-46B9-AB74-F75F42BCEBCC}" srcOrd="0" destOrd="0" presId="urn:microsoft.com/office/officeart/2005/8/layout/hierarchy3"/>
+    <dgm:cxn modelId="{819A2D45-8D97-4FD4-97A0-91D248AB135D}" srcId="{1541EFDC-C611-4AC2-A1FD-56152CDEF0F8}" destId="{EE0DFAAC-5A62-4ED8-B612-3AA5DC383093}" srcOrd="1" destOrd="0" parTransId="{83C34117-5989-4AB6-9190-294A6E7CAFE6}" sibTransId="{7F513EC4-F831-48AD-B7D9-51BFDCA8999E}"/>
+    <dgm:cxn modelId="{B92B0A67-64E1-4E81-A4C7-B554261A2E6E}" type="presOf" srcId="{0608BFA7-546A-4CF3-8009-3600A672D044}" destId="{E20CD2B4-896C-49C9-999B-87A2063D2FD2}" srcOrd="1" destOrd="0" presId="urn:microsoft.com/office/officeart/2005/8/layout/hierarchy3"/>
+    <dgm:cxn modelId="{563DCD4A-701F-45CD-ABF4-BF0DE122D105}" type="presOf" srcId="{1541EFDC-C611-4AC2-A1FD-56152CDEF0F8}" destId="{44119F6D-007C-4223-AF07-678E9D68AA61}" srcOrd="0" destOrd="0" presId="urn:microsoft.com/office/officeart/2005/8/layout/hierarchy3"/>
+    <dgm:cxn modelId="{84DBFA4C-ACA7-43BE-BDB8-C98217AF1B39}" srcId="{0608BFA7-546A-4CF3-8009-3600A672D044}" destId="{6AC5DFD2-6BDA-4267-AEF6-E395C1133D56}" srcOrd="2" destOrd="0" parTransId="{78A58EB8-C136-410B-A326-9B882EA889DF}" sibTransId="{8952444B-B8C6-4178-BFE3-D18D47F4977D}"/>
+    <dgm:cxn modelId="{527B1C4F-D206-4D30-AAC4-A1E59CC5D3A6}" srcId="{1541EFDC-C611-4AC2-A1FD-56152CDEF0F8}" destId="{1A649D24-6AD6-41F4-ABC3-A53F27A41A8C}" srcOrd="5" destOrd="0" parTransId="{0092653F-4BED-441E-9656-A3CFC2B96A1C}" sibTransId="{FD5B262F-ED7C-4C70-97A4-FABDA67D2ABA}"/>
+    <dgm:cxn modelId="{4EC66674-117A-4B81-B8DE-C9159D842F02}" srcId="{1541EFDC-C611-4AC2-A1FD-56152CDEF0F8}" destId="{FD596EAD-5791-4489-9534-0C8D06D45B86}" srcOrd="2" destOrd="0" parTransId="{F80C2213-5E35-4A5E-A639-1985843B4620}" sibTransId="{385135A1-769B-4F5A-811C-FF8765AFAA2C}"/>
+    <dgm:cxn modelId="{64B3A555-2463-4732-88E2-FF26414F12BA}" type="presOf" srcId="{C0706AC6-204D-49B1-8B23-140258D9F2CA}" destId="{97384D9F-C2E5-416C-A216-AFB19D60F022}" srcOrd="0" destOrd="0" presId="urn:microsoft.com/office/officeart/2005/8/layout/hierarchy3"/>
+    <dgm:cxn modelId="{4893CF7E-FB4D-4E4D-AB53-2824E8EF7BFD}" type="presOf" srcId="{0092653F-4BED-441E-9656-A3CFC2B96A1C}" destId="{74E993EC-8E18-4068-ACB4-AC69DB249FBA}" srcOrd="0" destOrd="0" presId="urn:microsoft.com/office/officeart/2005/8/layout/hierarchy3"/>
+    <dgm:cxn modelId="{66C77582-992E-4612-89D3-CAAF08E2D92F}" srcId="{1FBAAE81-7E69-4AE2-B4B2-47511EA554A0}" destId="{1541EFDC-C611-4AC2-A1FD-56152CDEF0F8}" srcOrd="0" destOrd="0" parTransId="{8B0DF067-769D-4CC8-8423-3739B10A62D9}" sibTransId="{ABB71E48-6B30-4A1D-8EF9-A2791E953CCA}"/>
+    <dgm:cxn modelId="{0687B288-DA8A-4CCC-ABF0-16104631F48F}" type="presOf" srcId="{FD596EAD-5791-4489-9534-0C8D06D45B86}" destId="{B20D87AF-4F2B-4280-BC55-B6F24CE01CDA}" srcOrd="0" destOrd="0" presId="urn:microsoft.com/office/officeart/2005/8/layout/hierarchy3"/>
+    <dgm:cxn modelId="{68E6418B-2216-425F-8546-B8B27D86FD89}" srcId="{1FBAAE81-7E69-4AE2-B4B2-47511EA554A0}" destId="{0608BFA7-546A-4CF3-8009-3600A672D044}" srcOrd="1" destOrd="0" parTransId="{9D4E72F0-76A6-48A7-9FCA-4491CBECE334}" sibTransId="{396C8332-91F9-420D-B511-C3A9CA02F970}"/>
+    <dgm:cxn modelId="{DD71018C-D7E6-4815-B89F-9D7F0D71963D}" type="presOf" srcId="{367E3734-BA88-4922-B5CB-821E4D37E4B1}" destId="{4BE9D80D-BC24-4A67-B6C2-8151A2B77A8D}" srcOrd="0" destOrd="0" presId="urn:microsoft.com/office/officeart/2005/8/layout/hierarchy3"/>
+    <dgm:cxn modelId="{71947E8E-A8E2-40EA-AAD4-76E3029779F9}" srcId="{1541EFDC-C611-4AC2-A1FD-56152CDEF0F8}" destId="{CB5AAB2F-6AB9-4CAB-864C-2AD64C02DB99}" srcOrd="4" destOrd="0" parTransId="{E07A0852-3737-428E-93D3-17495D3D376D}" sibTransId="{BBDE9305-2AB9-4170-8E71-E386AC433F86}"/>
+    <dgm:cxn modelId="{C5810F91-63B8-41FC-B4B2-CB7C9CFC136F}" type="presOf" srcId="{F4CBF2E8-080E-4CA8-9F44-0CF3CE429045}" destId="{0901AA30-00C1-4691-8DB7-2F73B4AEEC93}" srcOrd="0" destOrd="0" presId="urn:microsoft.com/office/officeart/2005/8/layout/hierarchy3"/>
+    <dgm:cxn modelId="{9575D492-6F76-42BC-8A08-232ADB669BFC}" type="presOf" srcId="{3EF98487-6336-46D6-96AF-140DBD2EA2E1}" destId="{1CAA8E40-1203-46F3-9FE8-C2DC06D068C8}" srcOrd="0" destOrd="0" presId="urn:microsoft.com/office/officeart/2005/8/layout/hierarchy3"/>
     <dgm:cxn modelId="{D6D79C96-27B3-4940-B514-009D01ED28B9}" srcId="{0608BFA7-546A-4CF3-8009-3600A672D044}" destId="{7722B5AD-B946-4ED0-BA15-3D792EC09303}" srcOrd="0" destOrd="0" parTransId="{CFDACBEE-4D40-45CC-8127-242B04675DB1}" sibTransId="{ACC3B016-9AAE-4C02-991B-253EFCE7337D}"/>
     <dgm:cxn modelId="{A8E3A996-4D8C-4884-A9E8-90A4A6460697}" type="presOf" srcId="{83C34117-5989-4AB6-9190-294A6E7CAFE6}" destId="{A95987E4-1E09-47F4-818D-61FCF22EA304}" srcOrd="0" destOrd="0" presId="urn:microsoft.com/office/officeart/2005/8/layout/hierarchy3"/>
-    <dgm:cxn modelId="{563DCD4A-701F-45CD-ABF4-BF0DE122D105}" type="presOf" srcId="{1541EFDC-C611-4AC2-A1FD-56152CDEF0F8}" destId="{44119F6D-007C-4223-AF07-678E9D68AA61}" srcOrd="0" destOrd="0" presId="urn:microsoft.com/office/officeart/2005/8/layout/hierarchy3"/>
+    <dgm:cxn modelId="{4273F398-5E04-4CAB-9EB6-9FEF1B0E9597}" type="presOf" srcId="{46A17209-CAC3-49E0-84E7-5B5553101876}" destId="{3D4DFE44-5669-4C29-8ADB-A6789EA566FF}" srcOrd="0" destOrd="0" presId="urn:microsoft.com/office/officeart/2005/8/layout/hierarchy3"/>
+    <dgm:cxn modelId="{B8DFFE9A-BB2B-48EB-9EC8-34616905AD77}" srcId="{0608BFA7-546A-4CF3-8009-3600A672D044}" destId="{367E3734-BA88-4922-B5CB-821E4D37E4B1}" srcOrd="5" destOrd="0" parTransId="{8BD46942-9234-41D7-96B0-70573E5111FF}" sibTransId="{0AE4630A-7502-49D4-8870-65160E6FE180}"/>
+    <dgm:cxn modelId="{42457FA5-9E0D-4576-A69E-436F53B032D6}" type="presOf" srcId="{B0EF90B9-B7AC-41F4-A8E4-2C416D7BC666}" destId="{997AEA4A-0E44-40E5-A385-7D114752559D}" srcOrd="0" destOrd="0" presId="urn:microsoft.com/office/officeart/2005/8/layout/hierarchy3"/>
+    <dgm:cxn modelId="{8219E6A5-2925-4DD2-AF8D-A49E11918013}" type="presOf" srcId="{48FE0DCC-80ED-4DFE-BD44-53AE53EE6D79}" destId="{489B5C8D-3D94-4F4C-A418-66314CA66898}" srcOrd="0" destOrd="0" presId="urn:microsoft.com/office/officeart/2005/8/layout/hierarchy3"/>
+    <dgm:cxn modelId="{06AD1AA8-4C5A-4D56-B885-FE841928CE62}" type="presOf" srcId="{78A58EB8-C136-410B-A326-9B882EA889DF}" destId="{C6C927BA-03AC-4749-867B-1F230314957A}" srcOrd="0" destOrd="0" presId="urn:microsoft.com/office/officeart/2005/8/layout/hierarchy3"/>
+    <dgm:cxn modelId="{763825B0-A284-4266-B60B-11B0FC98FFD0}" type="presOf" srcId="{E07A0852-3737-428E-93D3-17495D3D376D}" destId="{33716FCF-5EA7-4D7A-81A0-9C8B7D341B61}" srcOrd="0" destOrd="0" presId="urn:microsoft.com/office/officeart/2005/8/layout/hierarchy3"/>
+    <dgm:cxn modelId="{F31815BE-BD06-4356-B6C6-475592D9F77B}" srcId="{0608BFA7-546A-4CF3-8009-3600A672D044}" destId="{46A17209-CAC3-49E0-84E7-5B5553101876}" srcOrd="1" destOrd="0" parTransId="{1F265768-5D48-46A7-857A-4AECA5182E22}" sibTransId="{045B69BB-E537-4AA1-80FB-96C4F06BF516}"/>
+    <dgm:cxn modelId="{F7F125C1-C9E8-4D2B-9EDC-CAF4DC418F76}" type="presOf" srcId="{1541EFDC-C611-4AC2-A1FD-56152CDEF0F8}" destId="{812225CE-28B7-4D35-8E4E-D8FC9364D1F9}" srcOrd="1" destOrd="0" presId="urn:microsoft.com/office/officeart/2005/8/layout/hierarchy3"/>
+    <dgm:cxn modelId="{0083E3C3-8AC3-418E-8507-BA946A579AA8}" type="presOf" srcId="{B2C84507-54B7-4A58-9E2E-CD5606929DA7}" destId="{5CAFBE8B-CE8D-4340-B5D9-0E9DAC83A672}" srcOrd="0" destOrd="0" presId="urn:microsoft.com/office/officeart/2005/8/layout/hierarchy3"/>
+    <dgm:cxn modelId="{F0B764C6-2FCE-463D-9FC6-673FF7CD4624}" type="presOf" srcId="{F80C2213-5E35-4A5E-A639-1985843B4620}" destId="{6BCDF554-0152-4C23-811D-A6805B9A61D1}" srcOrd="0" destOrd="0" presId="urn:microsoft.com/office/officeart/2005/8/layout/hierarchy3"/>
+    <dgm:cxn modelId="{1FE850CB-D459-4AF2-B0D0-649AF461D696}" type="presOf" srcId="{4EF75ABC-274C-47A6-B9B6-596DB02A3614}" destId="{47F1C868-E714-48E5-A477-0D72E57E04F4}" srcOrd="0" destOrd="0" presId="urn:microsoft.com/office/officeart/2005/8/layout/hierarchy3"/>
+    <dgm:cxn modelId="{75D56CEC-EFDC-4564-9850-4818C3D33A5F}" type="presOf" srcId="{6AC5DFD2-6BDA-4267-AEF6-E395C1133D56}" destId="{F83FC73D-D7D3-4048-8885-9BC1C7E65738}" srcOrd="0" destOrd="0" presId="urn:microsoft.com/office/officeart/2005/8/layout/hierarchy3"/>
+    <dgm:cxn modelId="{D58A04F4-957E-487A-B144-D50F27FDB7F2}" type="presOf" srcId="{CB5AAB2F-6AB9-4CAB-864C-2AD64C02DB99}" destId="{83D00923-E1F5-4056-B0D4-77F0DD390DF8}" srcOrd="0" destOrd="0" presId="urn:microsoft.com/office/officeart/2005/8/layout/hierarchy3"/>
     <dgm:cxn modelId="{7EC327F5-DA58-4B28-AB44-CED1E18D09C1}" type="presOf" srcId="{1FBAAE81-7E69-4AE2-B4B2-47511EA554A0}" destId="{6D02269B-5E4A-4628-9EAD-36D338D56642}" srcOrd="0" destOrd="0" presId="urn:microsoft.com/office/officeart/2005/8/layout/hierarchy3"/>
-    <dgm:cxn modelId="{71947E8E-A8E2-40EA-AAD4-76E3029779F9}" srcId="{1541EFDC-C611-4AC2-A1FD-56152CDEF0F8}" destId="{CB5AAB2F-6AB9-4CAB-864C-2AD64C02DB99}" srcOrd="4" destOrd="0" parTransId="{E07A0852-3737-428E-93D3-17495D3D376D}" sibTransId="{BBDE9305-2AB9-4170-8E71-E386AC433F86}"/>
-    <dgm:cxn modelId="{B8DFFE9A-BB2B-48EB-9EC8-34616905AD77}" srcId="{0608BFA7-546A-4CF3-8009-3600A672D044}" destId="{367E3734-BA88-4922-B5CB-821E4D37E4B1}" srcOrd="5" destOrd="0" parTransId="{8BD46942-9234-41D7-96B0-70573E5111FF}" sibTransId="{0AE4630A-7502-49D4-8870-65160E6FE180}"/>
-    <dgm:cxn modelId="{819A2D45-8D97-4FD4-97A0-91D248AB135D}" srcId="{1541EFDC-C611-4AC2-A1FD-56152CDEF0F8}" destId="{EE0DFAAC-5A62-4ED8-B612-3AA5DC383093}" srcOrd="1" destOrd="0" parTransId="{83C34117-5989-4AB6-9190-294A6E7CAFE6}" sibTransId="{7F513EC4-F831-48AD-B7D9-51BFDCA8999E}"/>
-    <dgm:cxn modelId="{0687B288-DA8A-4CCC-ABF0-16104631F48F}" type="presOf" srcId="{FD596EAD-5791-4489-9534-0C8D06D45B86}" destId="{B20D87AF-4F2B-4280-BC55-B6F24CE01CDA}" srcOrd="0" destOrd="0" presId="urn:microsoft.com/office/officeart/2005/8/layout/hierarchy3"/>
-    <dgm:cxn modelId="{527B1C4F-D206-4D30-AAC4-A1E59CC5D3A6}" srcId="{1541EFDC-C611-4AC2-A1FD-56152CDEF0F8}" destId="{1A649D24-6AD6-41F4-ABC3-A53F27A41A8C}" srcOrd="5" destOrd="0" parTransId="{0092653F-4BED-441E-9656-A3CFC2B96A1C}" sibTransId="{FD5B262F-ED7C-4C70-97A4-FABDA67D2ABA}"/>
-    <dgm:cxn modelId="{75D56CEC-EFDC-4564-9850-4818C3D33A5F}" type="presOf" srcId="{6AC5DFD2-6BDA-4267-AEF6-E395C1133D56}" destId="{F83FC73D-D7D3-4048-8885-9BC1C7E65738}" srcOrd="0" destOrd="0" presId="urn:microsoft.com/office/officeart/2005/8/layout/hierarchy3"/>
-    <dgm:cxn modelId="{278F951A-AE85-4675-A1C5-F373CD77B950}" srcId="{0608BFA7-546A-4CF3-8009-3600A672D044}" destId="{87081720-6BEB-4C9F-9035-948AE9320343}" srcOrd="6" destOrd="0" parTransId="{4EF75ABC-274C-47A6-B9B6-596DB02A3614}" sibTransId="{274DF409-6C35-4EFC-AF6D-B97AD8274810}"/>
-    <dgm:cxn modelId="{382F3A43-1785-4DA8-BD24-F816FA387933}" type="presOf" srcId="{8BD46942-9234-41D7-96B0-70573E5111FF}" destId="{EC47FCF6-2AB3-46B9-AB74-F75F42BCEBCC}" srcOrd="0" destOrd="0" presId="urn:microsoft.com/office/officeart/2005/8/layout/hierarchy3"/>
-    <dgm:cxn modelId="{06AD1AA8-4C5A-4D56-B885-FE841928CE62}" type="presOf" srcId="{78A58EB8-C136-410B-A326-9B882EA889DF}" destId="{C6C927BA-03AC-4749-867B-1F230314957A}" srcOrd="0" destOrd="0" presId="urn:microsoft.com/office/officeart/2005/8/layout/hierarchy3"/>
-    <dgm:cxn modelId="{77796425-4B9A-44F3-A470-1F9A9710903A}" type="presOf" srcId="{EE0DFAAC-5A62-4ED8-B612-3AA5DC383093}" destId="{AF7B4ADA-0B7F-410D-8FB4-FFABE0DAD0D7}" srcOrd="0" destOrd="0" presId="urn:microsoft.com/office/officeart/2005/8/layout/hierarchy3"/>
-    <dgm:cxn modelId="{68E6418B-2216-425F-8546-B8B27D86FD89}" srcId="{1FBAAE81-7E69-4AE2-B4B2-47511EA554A0}" destId="{0608BFA7-546A-4CF3-8009-3600A672D044}" srcOrd="1" destOrd="0" parTransId="{9D4E72F0-76A6-48A7-9FCA-4491CBECE334}" sibTransId="{396C8332-91F9-420D-B511-C3A9CA02F970}"/>
-    <dgm:cxn modelId="{77083124-A697-4093-BA7E-55C25814D629}" type="presOf" srcId="{1A649D24-6AD6-41F4-ABC3-A53F27A41A8C}" destId="{8109E108-7674-4463-A2EF-68C823D0F069}" srcOrd="0" destOrd="0" presId="urn:microsoft.com/office/officeart/2005/8/layout/hierarchy3"/>
-    <dgm:cxn modelId="{4EC66674-117A-4B81-B8DE-C9159D842F02}" srcId="{1541EFDC-C611-4AC2-A1FD-56152CDEF0F8}" destId="{FD596EAD-5791-4489-9534-0C8D06D45B86}" srcOrd="2" destOrd="0" parTransId="{F80C2213-5E35-4A5E-A639-1985843B4620}" sibTransId="{385135A1-769B-4F5A-811C-FF8765AFAA2C}"/>
-    <dgm:cxn modelId="{8219E6A5-2925-4DD2-AF8D-A49E11918013}" type="presOf" srcId="{48FE0DCC-80ED-4DFE-BD44-53AE53EE6D79}" destId="{489B5C8D-3D94-4F4C-A418-66314CA66898}" srcOrd="0" destOrd="0" presId="urn:microsoft.com/office/officeart/2005/8/layout/hierarchy3"/>
-    <dgm:cxn modelId="{1FE07060-22DD-414B-8FD5-11F37EBCC88B}" type="presOf" srcId="{7722B5AD-B946-4ED0-BA15-3D792EC09303}" destId="{F9DB4D29-4244-435C-85B4-B866B31F1410}" srcOrd="0" destOrd="0" presId="urn:microsoft.com/office/officeart/2005/8/layout/hierarchy3"/>
-    <dgm:cxn modelId="{4893CF7E-FB4D-4E4D-AB53-2824E8EF7BFD}" type="presOf" srcId="{0092653F-4BED-441E-9656-A3CFC2B96A1C}" destId="{74E993EC-8E18-4068-ACB4-AC69DB249FBA}" srcOrd="0" destOrd="0" presId="urn:microsoft.com/office/officeart/2005/8/layout/hierarchy3"/>
-    <dgm:cxn modelId="{DD71018C-D7E6-4815-B89F-9D7F0D71963D}" type="presOf" srcId="{367E3734-BA88-4922-B5CB-821E4D37E4B1}" destId="{4BE9D80D-BC24-4A67-B6C2-8151A2B77A8D}" srcOrd="0" destOrd="0" presId="urn:microsoft.com/office/officeart/2005/8/layout/hierarchy3"/>
-    <dgm:cxn modelId="{D58A04F4-957E-487A-B144-D50F27FDB7F2}" type="presOf" srcId="{CB5AAB2F-6AB9-4CAB-864C-2AD64C02DB99}" destId="{83D00923-E1F5-4056-B0D4-77F0DD390DF8}" srcOrd="0" destOrd="0" presId="urn:microsoft.com/office/officeart/2005/8/layout/hierarchy3"/>
-    <dgm:cxn modelId="{84DBFA4C-ACA7-43BE-BDB8-C98217AF1B39}" srcId="{0608BFA7-546A-4CF3-8009-3600A672D044}" destId="{6AC5DFD2-6BDA-4267-AEF6-E395C1133D56}" srcOrd="2" destOrd="0" parTransId="{78A58EB8-C136-410B-A326-9B882EA889DF}" sibTransId="{8952444B-B8C6-4178-BFE3-D18D47F4977D}"/>
-    <dgm:cxn modelId="{0083E3C3-8AC3-418E-8507-BA946A579AA8}" type="presOf" srcId="{B2C84507-54B7-4A58-9E2E-CD5606929DA7}" destId="{5CAFBE8B-CE8D-4340-B5D9-0E9DAC83A672}" srcOrd="0" destOrd="0" presId="urn:microsoft.com/office/officeart/2005/8/layout/hierarchy3"/>
     <dgm:cxn modelId="{AFCAF5F7-1612-4F31-B83E-5F43B5B31F00}" srcId="{0608BFA7-546A-4CF3-8009-3600A672D044}" destId="{48FE0DCC-80ED-4DFE-BD44-53AE53EE6D79}" srcOrd="4" destOrd="0" parTransId="{B2C84507-54B7-4A58-9E2E-CD5606929DA7}" sibTransId="{E499CC5C-1DA1-454F-9074-0FF2B425BA3C}"/>
-    <dgm:cxn modelId="{F31815BE-BD06-4356-B6C6-475592D9F77B}" srcId="{0608BFA7-546A-4CF3-8009-3600A672D044}" destId="{46A17209-CAC3-49E0-84E7-5B5553101876}" srcOrd="1" destOrd="0" parTransId="{1F265768-5D48-46A7-857A-4AECA5182E22}" sibTransId="{045B69BB-E537-4AA1-80FB-96C4F06BF516}"/>
-    <dgm:cxn modelId="{64B3A555-2463-4732-88E2-FF26414F12BA}" type="presOf" srcId="{C0706AC6-204D-49B1-8B23-140258D9F2CA}" destId="{97384D9F-C2E5-416C-A216-AFB19D60F022}" srcOrd="0" destOrd="0" presId="urn:microsoft.com/office/officeart/2005/8/layout/hierarchy3"/>
-    <dgm:cxn modelId="{79B1811D-32F6-4E86-ACF5-23CDF5D89C04}" type="presOf" srcId="{87081720-6BEB-4C9F-9035-948AE9320343}" destId="{3ADF5969-E152-4803-8A8B-E692DC6F4EFB}" srcOrd="0" destOrd="0" presId="urn:microsoft.com/office/officeart/2005/8/layout/hierarchy3"/>
-    <dgm:cxn modelId="{9575D492-6F76-42BC-8A08-232ADB669BFC}" type="presOf" srcId="{3EF98487-6336-46D6-96AF-140DBD2EA2E1}" destId="{1CAA8E40-1203-46F3-9FE8-C2DC06D068C8}" srcOrd="0" destOrd="0" presId="urn:microsoft.com/office/officeart/2005/8/layout/hierarchy3"/>
-    <dgm:cxn modelId="{4CAF4C3F-0E94-4192-8C29-0BADADD6E744}" type="presOf" srcId="{1F265768-5D48-46A7-857A-4AECA5182E22}" destId="{6F8EC973-2E21-432C-9D2E-DA333D8DDB44}" srcOrd="0" destOrd="0" presId="urn:microsoft.com/office/officeart/2005/8/layout/hierarchy3"/>
-    <dgm:cxn modelId="{F0B764C6-2FCE-463D-9FC6-673FF7CD4624}" type="presOf" srcId="{F80C2213-5E35-4A5E-A639-1985843B4620}" destId="{6BCDF554-0152-4C23-811D-A6805B9A61D1}" srcOrd="0" destOrd="0" presId="urn:microsoft.com/office/officeart/2005/8/layout/hierarchy3"/>
-    <dgm:cxn modelId="{499DE03A-0E9D-439E-B705-5EA801869CD9}" srcId="{0608BFA7-546A-4CF3-8009-3600A672D044}" destId="{C0706AC6-204D-49B1-8B23-140258D9F2CA}" srcOrd="3" destOrd="0" parTransId="{3EF98487-6336-46D6-96AF-140DBD2EA2E1}" sibTransId="{84233D2A-472B-4F83-92EF-FA8CBC58B6E2}"/>
-    <dgm:cxn modelId="{66C77582-992E-4612-89D3-CAAF08E2D92F}" srcId="{1FBAAE81-7E69-4AE2-B4B2-47511EA554A0}" destId="{1541EFDC-C611-4AC2-A1FD-56152CDEF0F8}" srcOrd="0" destOrd="0" parTransId="{8B0DF067-769D-4CC8-8423-3739B10A62D9}" sibTransId="{ABB71E48-6B30-4A1D-8EF9-A2791E953CCA}"/>
-    <dgm:cxn modelId="{1FE850CB-D459-4AF2-B0D0-649AF461D696}" type="presOf" srcId="{4EF75ABC-274C-47A6-B9B6-596DB02A3614}" destId="{47F1C868-E714-48E5-A477-0D72E57E04F4}" srcOrd="0" destOrd="0" presId="urn:microsoft.com/office/officeart/2005/8/layout/hierarchy3"/>
-    <dgm:cxn modelId="{4273F398-5E04-4CAB-9EB6-9FEF1B0E9597}" type="presOf" srcId="{46A17209-CAC3-49E0-84E7-5B5553101876}" destId="{3D4DFE44-5669-4C29-8ADB-A6789EA566FF}" srcOrd="0" destOrd="0" presId="urn:microsoft.com/office/officeart/2005/8/layout/hierarchy3"/>
-    <dgm:cxn modelId="{C228DF0B-6E52-43B3-B3F3-18DB4797E071}" type="presOf" srcId="{0608BFA7-546A-4CF3-8009-3600A672D044}" destId="{4C89AFA7-F26A-4743-AD14-61CA329241AC}" srcOrd="0" destOrd="0" presId="urn:microsoft.com/office/officeart/2005/8/layout/hierarchy3"/>
-    <dgm:cxn modelId="{B92B0A67-64E1-4E81-A4C7-B554261A2E6E}" type="presOf" srcId="{0608BFA7-546A-4CF3-8009-3600A672D044}" destId="{E20CD2B4-896C-49C9-999B-87A2063D2FD2}" srcOrd="1" destOrd="0" presId="urn:microsoft.com/office/officeart/2005/8/layout/hierarchy3"/>
-    <dgm:cxn modelId="{763825B0-A284-4266-B60B-11B0FC98FFD0}" type="presOf" srcId="{E07A0852-3737-428E-93D3-17495D3D376D}" destId="{33716FCF-5EA7-4D7A-81A0-9C8B7D341B61}" srcOrd="0" destOrd="0" presId="urn:microsoft.com/office/officeart/2005/8/layout/hierarchy3"/>
-    <dgm:cxn modelId="{C5810F91-63B8-41FC-B4B2-CB7C9CFC136F}" type="presOf" srcId="{F4CBF2E8-080E-4CA8-9F44-0CF3CE429045}" destId="{0901AA30-00C1-4691-8DB7-2F73B4AEEC93}" srcOrd="0" destOrd="0" presId="urn:microsoft.com/office/officeart/2005/8/layout/hierarchy3"/>
-    <dgm:cxn modelId="{58C65011-D78E-4120-8002-6288363B2F3F}" type="presOf" srcId="{CFDACBEE-4D40-45CC-8127-242B04675DB1}" destId="{F4119F7C-9096-42B4-9EA4-97AAE22CF2C5}" srcOrd="0" destOrd="0" presId="urn:microsoft.com/office/officeart/2005/8/layout/hierarchy3"/>
-    <dgm:cxn modelId="{68BAB412-F815-4240-AB55-32754E9E7422}" srcId="{1541EFDC-C611-4AC2-A1FD-56152CDEF0F8}" destId="{F4CBF2E8-080E-4CA8-9F44-0CF3CE429045}" srcOrd="3" destOrd="0" parTransId="{865C9671-5A51-4972-A9C9-B2C8B4218D2B}" sibTransId="{B366A1A2-FE71-4183-ABFD-A9F9D1EF0E86}"/>
-    <dgm:cxn modelId="{64DF5438-1D1C-4814-95AD-CA150E3365B7}" srcId="{1541EFDC-C611-4AC2-A1FD-56152CDEF0F8}" destId="{B0EF90B9-B7AC-41F4-A8E4-2C416D7BC666}" srcOrd="0" destOrd="0" parTransId="{1DE56A76-4993-4887-8460-65FA8A5AA490}" sibTransId="{63BC5514-881D-4F68-B769-8E8A73172FBF}"/>
     <dgm:cxn modelId="{E311E061-64C7-49A8-A550-3B5A5A87240F}" type="presParOf" srcId="{6D02269B-5E4A-4628-9EAD-36D338D56642}" destId="{F46B08BF-CB8D-4EF0-8878-757AE4C78038}" srcOrd="0" destOrd="0" presId="urn:microsoft.com/office/officeart/2005/8/layout/hierarchy3"/>
     <dgm:cxn modelId="{32F8C7AF-8618-4CCD-9AC5-1C6A527789E7}" type="presParOf" srcId="{F46B08BF-CB8D-4EF0-8878-757AE4C78038}" destId="{B0F025CD-1027-4698-8D14-D5EEE42F339D}" srcOrd="0" destOrd="0" presId="urn:microsoft.com/office/officeart/2005/8/layout/hierarchy3"/>
     <dgm:cxn modelId="{6CE8152B-8F6A-469C-AFAE-9DC6AF3459E2}" type="presParOf" srcId="{B0F025CD-1027-4698-8D14-D5EEE42F339D}" destId="{44119F6D-007C-4223-AF07-678E9D68AA61}" srcOrd="0" destOrd="0" presId="urn:microsoft.com/office/officeart/2005/8/layout/hierarchy3"/>
@@ -7058,7 +6740,7 @@
         <a:p>
           <a:pPr rtl="0"/>
           <a:r>
-            <a:rPr lang="ru-RU" sz="2200" b="0" i="0" dirty="0" smtClean="0"/>
+            <a:rPr lang="ru-RU" sz="2200" b="0" i="0" dirty="0"/>
             <a:t>Получение от робота данных (точки с найденным металлом), отображение их на карте и сохранение</a:t>
           </a:r>
           <a:endParaRPr lang="ru-RU" sz="2200" dirty="0">
@@ -7115,15 +6797,15 @@
         <a:p>
           <a:pPr algn="l" rtl="0"/>
           <a:r>
-            <a:rPr lang="ru-RU" sz="2200" b="0" i="0" dirty="0" smtClean="0"/>
+            <a:rPr lang="ru-RU" sz="2200" b="0" i="0" dirty="0"/>
             <a:t>Установка связи с роботом через </a:t>
           </a:r>
           <a:r>
-            <a:rPr lang="ru-RU" sz="2200" b="0" i="0" dirty="0" err="1" smtClean="0"/>
+            <a:rPr lang="ru-RU" sz="2200" b="0" i="0" dirty="0" err="1"/>
             <a:t>Bluetooth</a:t>
           </a:r>
           <a:r>
-            <a:rPr lang="ru-RU" sz="2200" b="0" i="0" dirty="0" smtClean="0"/>
+            <a:rPr lang="ru-RU" sz="2200" b="0" i="0" dirty="0"/>
             <a:t> для обмена данными</a:t>
           </a:r>
           <a:endParaRPr lang="ru-RU" sz="2200" dirty="0">
@@ -7180,7 +6862,7 @@
         <a:p>
           <a:pPr rtl="0"/>
           <a:r>
-            <a:rPr lang="ru-RU" sz="2200" b="0" i="0" dirty="0" smtClean="0"/>
+            <a:rPr lang="ru-RU" sz="2200" b="0" i="0" dirty="0"/>
             <a:t>Отображение текущего состояние робота: заряд батареи, режим робота, информация о проделанной работе</a:t>
           </a:r>
           <a:endParaRPr lang="ru-RU" sz="2200" dirty="0">
@@ -7233,7 +6915,7 @@
         <a:p>
           <a:pPr rtl="0"/>
           <a:r>
-            <a:rPr lang="ru-RU" sz="2200" b="0" i="0" dirty="0" smtClean="0"/>
+            <a:rPr lang="ru-RU" sz="2200" b="0" i="0" dirty="0"/>
             <a:t>Моделирование области поиска, отображение её на карте в удобном для человека формате и сохранение в компьютере</a:t>
           </a:r>
           <a:endParaRPr lang="ru-RU" sz="2200" dirty="0">
@@ -7286,18 +6968,17 @@
         <a:p>
           <a:pPr rtl="0"/>
           <a:r>
-            <a:rPr lang="ru-RU" sz="2200" b="0" i="0" dirty="0" smtClean="0"/>
+            <a:rPr lang="ru-RU" sz="2200" b="0" i="0" dirty="0"/>
             <a:t>Отправка</a:t>
           </a:r>
           <a:r>
-            <a:rPr lang="ru-RU" sz="3600" b="0" i="0" dirty="0" smtClean="0"/>
+            <a:rPr lang="ru-RU" sz="3600" b="0" i="0" dirty="0"/>
             <a:t> </a:t>
           </a:r>
           <a:r>
-            <a:rPr lang="ru-RU" sz="2200" b="0" i="0" dirty="0" smtClean="0"/>
+            <a:rPr lang="ru-RU" sz="2200" b="0" i="0" dirty="0"/>
             <a:t>роботу области поиска</a:t>
           </a:r>
-          <a:endParaRPr lang="ru-RU" sz="2200" b="0" i="0" dirty="0"/>
         </a:p>
       </dgm:t>
     </dgm:pt>
@@ -7332,13 +7013,6 @@
         </dgm:presLayoutVars>
       </dgm:prSet>
       <dgm:spPr/>
-      <dgm:t>
-        <a:bodyPr/>
-        <a:lstStyle/>
-        <a:p>
-          <a:endParaRPr lang="ru-RU"/>
-        </a:p>
-      </dgm:t>
     </dgm:pt>
     <dgm:pt modelId="{AB4EA71F-B109-41C5-A6D4-3C66DDAEF71C}" type="pres">
       <dgm:prSet presAssocID="{9DA1D051-CD9B-49AC-842A-2E269F069342}" presName="Name1" presStyleCnt="0"/>
@@ -7355,13 +7029,6 @@
     <dgm:pt modelId="{A2484AB9-2C5D-4FD3-A020-30CEDEDD4D37}" type="pres">
       <dgm:prSet presAssocID="{9DA1D051-CD9B-49AC-842A-2E269F069342}" presName="conn" presStyleLbl="parChTrans1D2" presStyleIdx="0" presStyleCnt="1"/>
       <dgm:spPr/>
-      <dgm:t>
-        <a:bodyPr/>
-        <a:lstStyle/>
-        <a:p>
-          <a:endParaRPr lang="ru-RU"/>
-        </a:p>
-      </dgm:t>
     </dgm:pt>
     <dgm:pt modelId="{550D255A-1609-4CD9-BF78-3EDE06655AF1}" type="pres">
       <dgm:prSet presAssocID="{9DA1D051-CD9B-49AC-842A-2E269F069342}" presName="extraNode" presStyleLbl="node1" presStyleIdx="0" presStyleCnt="5"/>
@@ -7378,13 +7045,6 @@
         </dgm:presLayoutVars>
       </dgm:prSet>
       <dgm:spPr/>
-      <dgm:t>
-        <a:bodyPr/>
-        <a:lstStyle/>
-        <a:p>
-          <a:endParaRPr lang="ru-RU"/>
-        </a:p>
-      </dgm:t>
     </dgm:pt>
     <dgm:pt modelId="{7153B89F-4E65-46AF-B699-ADCFFA00FADD}" type="pres">
       <dgm:prSet presAssocID="{D00BB42C-2E4A-4FD4-A71C-8152C2AB6099}" presName="accent_1" presStyleCnt="0"/>
@@ -7405,13 +7065,6 @@
         </dgm:presLayoutVars>
       </dgm:prSet>
       <dgm:spPr/>
-      <dgm:t>
-        <a:bodyPr/>
-        <a:lstStyle/>
-        <a:p>
-          <a:endParaRPr lang="ru-RU"/>
-        </a:p>
-      </dgm:t>
     </dgm:pt>
     <dgm:pt modelId="{A9FEA722-FCBC-4244-96C6-162585D79223}" type="pres">
       <dgm:prSet presAssocID="{F96296B4-8DA5-4D12-9048-BF4EF77FFB5E}" presName="accent_2" presStyleCnt="0"/>
@@ -7432,13 +7085,6 @@
         </dgm:presLayoutVars>
       </dgm:prSet>
       <dgm:spPr/>
-      <dgm:t>
-        <a:bodyPr/>
-        <a:lstStyle/>
-        <a:p>
-          <a:endParaRPr lang="ru-RU"/>
-        </a:p>
-      </dgm:t>
     </dgm:pt>
     <dgm:pt modelId="{8C666CD3-68D3-4675-8E51-123F7F9EF6D2}" type="pres">
       <dgm:prSet presAssocID="{11CD6C49-1DB4-4928-BC53-855D2D994123}" presName="accent_3" presStyleCnt="0"/>
@@ -7459,13 +7105,6 @@
         </dgm:presLayoutVars>
       </dgm:prSet>
       <dgm:spPr/>
-      <dgm:t>
-        <a:bodyPr/>
-        <a:lstStyle/>
-        <a:p>
-          <a:endParaRPr lang="ru-RU"/>
-        </a:p>
-      </dgm:t>
     </dgm:pt>
     <dgm:pt modelId="{FA02A535-4042-4138-9F90-A5252F5650E8}" type="pres">
       <dgm:prSet presAssocID="{72ED61BE-F3C3-49C1-8FDB-EC83285111C1}" presName="accent_4" presStyleCnt="0"/>
@@ -7486,13 +7125,6 @@
         </dgm:presLayoutVars>
       </dgm:prSet>
       <dgm:spPr/>
-      <dgm:t>
-        <a:bodyPr/>
-        <a:lstStyle/>
-        <a:p>
-          <a:endParaRPr lang="ru-RU"/>
-        </a:p>
-      </dgm:t>
     </dgm:pt>
     <dgm:pt modelId="{88A53E03-09C2-45B8-832E-15E310C69879}" type="pres">
       <dgm:prSet presAssocID="{AE4B741E-42B9-4802-AB40-2D06E6C8E4A1}" presName="accent_5" presStyleCnt="0"/>
@@ -7508,18 +7140,18 @@
     </dgm:pt>
   </dgm:ptLst>
   <dgm:cxnLst>
+    <dgm:cxn modelId="{1171DD10-9494-4E2A-A0C2-B8A7711896DB}" srcId="{9DA1D051-CD9B-49AC-842A-2E269F069342}" destId="{F96296B4-8DA5-4D12-9048-BF4EF77FFB5E}" srcOrd="1" destOrd="0" parTransId="{903879A0-8FA1-4D99-9005-5266CA213557}" sibTransId="{0A80869F-56AA-4044-A267-872671459367}"/>
+    <dgm:cxn modelId="{92EC402F-7636-485B-8F62-C17652C1F6A2}" srcId="{9DA1D051-CD9B-49AC-842A-2E269F069342}" destId="{AE4B741E-42B9-4802-AB40-2D06E6C8E4A1}" srcOrd="4" destOrd="0" parTransId="{6B324159-370D-4BEE-BD21-1E5EFBA67E30}" sibTransId="{99B1A064-44CF-48C5-92F8-5F1058A861F7}"/>
+    <dgm:cxn modelId="{35BAE031-9322-4FE3-98FE-B090B1EB6DAF}" type="presOf" srcId="{F96296B4-8DA5-4D12-9048-BF4EF77FFB5E}" destId="{7CBD543A-3759-4AE2-963F-DA1A41DEFAB5}" srcOrd="0" destOrd="0" presId="urn:microsoft.com/office/officeart/2008/layout/VerticalCurvedList"/>
+    <dgm:cxn modelId="{A4B4A538-BBBD-4BA6-BCAF-818D56F393A1}" srcId="{9DA1D051-CD9B-49AC-842A-2E269F069342}" destId="{72ED61BE-F3C3-49C1-8FDB-EC83285111C1}" srcOrd="3" destOrd="0" parTransId="{6327192D-2DFC-457D-8F50-55ADEDD077A8}" sibTransId="{E2C8A6AC-4441-43C5-98A1-CE269DA02E46}"/>
+    <dgm:cxn modelId="{DFD81C42-5589-4F67-B089-E040B826A6E5}" srcId="{9DA1D051-CD9B-49AC-842A-2E269F069342}" destId="{D00BB42C-2E4A-4FD4-A71C-8152C2AB6099}" srcOrd="0" destOrd="0" parTransId="{4AA19B5A-F97F-48B8-9A65-DE6C1F0AFC9B}" sibTransId="{56F8773B-C60B-452D-814B-3C4964D4EBB7}"/>
+    <dgm:cxn modelId="{D727A44E-71A7-417B-8EBF-8ACEBA617373}" type="presOf" srcId="{D00BB42C-2E4A-4FD4-A71C-8152C2AB6099}" destId="{4E838CF3-9F64-42B7-9563-6E9BB2255DED}" srcOrd="0" destOrd="0" presId="urn:microsoft.com/office/officeart/2008/layout/VerticalCurvedList"/>
+    <dgm:cxn modelId="{B6955A97-2BFC-477D-A1EA-CA57760E03D6}" type="presOf" srcId="{72ED61BE-F3C3-49C1-8FDB-EC83285111C1}" destId="{B9387C9B-E93D-448C-B57D-C16088254931}" srcOrd="0" destOrd="0" presId="urn:microsoft.com/office/officeart/2008/layout/VerticalCurvedList"/>
+    <dgm:cxn modelId="{95E563A8-0E6D-495E-96D8-69592AB9A5C1}" type="presOf" srcId="{9DA1D051-CD9B-49AC-842A-2E269F069342}" destId="{D414D4A0-6261-4871-936E-71210F3628BB}" srcOrd="0" destOrd="0" presId="urn:microsoft.com/office/officeart/2008/layout/VerticalCurvedList"/>
     <dgm:cxn modelId="{744BCEB5-F0BF-46CB-ABA5-7DCEA9EAD486}" type="presOf" srcId="{56F8773B-C60B-452D-814B-3C4964D4EBB7}" destId="{A2484AB9-2C5D-4FD3-A020-30CEDEDD4D37}" srcOrd="0" destOrd="0" presId="urn:microsoft.com/office/officeart/2008/layout/VerticalCurvedList"/>
-    <dgm:cxn modelId="{35BAE031-9322-4FE3-98FE-B090B1EB6DAF}" type="presOf" srcId="{F96296B4-8DA5-4D12-9048-BF4EF77FFB5E}" destId="{7CBD543A-3759-4AE2-963F-DA1A41DEFAB5}" srcOrd="0" destOrd="0" presId="urn:microsoft.com/office/officeart/2008/layout/VerticalCurvedList"/>
+    <dgm:cxn modelId="{9FF88AB7-210C-4C71-AD87-6110FC2FF38C}" type="presOf" srcId="{AE4B741E-42B9-4802-AB40-2D06E6C8E4A1}" destId="{6BCD1673-A403-42E9-A45E-9112A0CD1810}" srcOrd="0" destOrd="0" presId="urn:microsoft.com/office/officeart/2008/layout/VerticalCurvedList"/>
+    <dgm:cxn modelId="{01E3DFB7-805D-4873-AB53-EE8B2D2A2E9C}" type="presOf" srcId="{11CD6C49-1DB4-4928-BC53-855D2D994123}" destId="{E510B6F2-57AD-4920-9F00-797C8007C059}" srcOrd="0" destOrd="0" presId="urn:microsoft.com/office/officeart/2008/layout/VerticalCurvedList"/>
     <dgm:cxn modelId="{A862FCDF-48A4-40ED-BA18-58706108555E}" srcId="{9DA1D051-CD9B-49AC-842A-2E269F069342}" destId="{11CD6C49-1DB4-4928-BC53-855D2D994123}" srcOrd="2" destOrd="0" parTransId="{2ABCE4A1-3434-4694-BF67-A46A951DF63E}" sibTransId="{402C248B-E14C-45EA-8A3D-8F00FECC2582}"/>
-    <dgm:cxn modelId="{9FF88AB7-210C-4C71-AD87-6110FC2FF38C}" type="presOf" srcId="{AE4B741E-42B9-4802-AB40-2D06E6C8E4A1}" destId="{6BCD1673-A403-42E9-A45E-9112A0CD1810}" srcOrd="0" destOrd="0" presId="urn:microsoft.com/office/officeart/2008/layout/VerticalCurvedList"/>
-    <dgm:cxn modelId="{B6955A97-2BFC-477D-A1EA-CA57760E03D6}" type="presOf" srcId="{72ED61BE-F3C3-49C1-8FDB-EC83285111C1}" destId="{B9387C9B-E93D-448C-B57D-C16088254931}" srcOrd="0" destOrd="0" presId="urn:microsoft.com/office/officeart/2008/layout/VerticalCurvedList"/>
-    <dgm:cxn modelId="{1171DD10-9494-4E2A-A0C2-B8A7711896DB}" srcId="{9DA1D051-CD9B-49AC-842A-2E269F069342}" destId="{F96296B4-8DA5-4D12-9048-BF4EF77FFB5E}" srcOrd="1" destOrd="0" parTransId="{903879A0-8FA1-4D99-9005-5266CA213557}" sibTransId="{0A80869F-56AA-4044-A267-872671459367}"/>
-    <dgm:cxn modelId="{01E3DFB7-805D-4873-AB53-EE8B2D2A2E9C}" type="presOf" srcId="{11CD6C49-1DB4-4928-BC53-855D2D994123}" destId="{E510B6F2-57AD-4920-9F00-797C8007C059}" srcOrd="0" destOrd="0" presId="urn:microsoft.com/office/officeart/2008/layout/VerticalCurvedList"/>
-    <dgm:cxn modelId="{D727A44E-71A7-417B-8EBF-8ACEBA617373}" type="presOf" srcId="{D00BB42C-2E4A-4FD4-A71C-8152C2AB6099}" destId="{4E838CF3-9F64-42B7-9563-6E9BB2255DED}" srcOrd="0" destOrd="0" presId="urn:microsoft.com/office/officeart/2008/layout/VerticalCurvedList"/>
-    <dgm:cxn modelId="{DFD81C42-5589-4F67-B089-E040B826A6E5}" srcId="{9DA1D051-CD9B-49AC-842A-2E269F069342}" destId="{D00BB42C-2E4A-4FD4-A71C-8152C2AB6099}" srcOrd="0" destOrd="0" parTransId="{4AA19B5A-F97F-48B8-9A65-DE6C1F0AFC9B}" sibTransId="{56F8773B-C60B-452D-814B-3C4964D4EBB7}"/>
-    <dgm:cxn modelId="{A4B4A538-BBBD-4BA6-BCAF-818D56F393A1}" srcId="{9DA1D051-CD9B-49AC-842A-2E269F069342}" destId="{72ED61BE-F3C3-49C1-8FDB-EC83285111C1}" srcOrd="3" destOrd="0" parTransId="{6327192D-2DFC-457D-8F50-55ADEDD077A8}" sibTransId="{E2C8A6AC-4441-43C5-98A1-CE269DA02E46}"/>
-    <dgm:cxn modelId="{95E563A8-0E6D-495E-96D8-69592AB9A5C1}" type="presOf" srcId="{9DA1D051-CD9B-49AC-842A-2E269F069342}" destId="{D414D4A0-6261-4871-936E-71210F3628BB}" srcOrd="0" destOrd="0" presId="urn:microsoft.com/office/officeart/2008/layout/VerticalCurvedList"/>
-    <dgm:cxn modelId="{92EC402F-7636-485B-8F62-C17652C1F6A2}" srcId="{9DA1D051-CD9B-49AC-842A-2E269F069342}" destId="{AE4B741E-42B9-4802-AB40-2D06E6C8E4A1}" srcOrd="4" destOrd="0" parTransId="{6B324159-370D-4BEE-BD21-1E5EFBA67E30}" sibTransId="{99B1A064-44CF-48C5-92F8-5F1058A861F7}"/>
     <dgm:cxn modelId="{A9B29DB5-2F40-458F-B676-7E9FC7335EBA}" type="presParOf" srcId="{D414D4A0-6261-4871-936E-71210F3628BB}" destId="{AB4EA71F-B109-41C5-A6D4-3C66DDAEF71C}" srcOrd="0" destOrd="0" presId="urn:microsoft.com/office/officeart/2008/layout/VerticalCurvedList"/>
     <dgm:cxn modelId="{3A2F2B02-42D8-4893-8E19-CF6E2F79EE09}" type="presParOf" srcId="{AB4EA71F-B109-41C5-A6D4-3C66DDAEF71C}" destId="{9A695A11-4C08-4715-8139-A4AFDDF0320D}" srcOrd="0" destOrd="0" presId="urn:microsoft.com/office/officeart/2008/layout/VerticalCurvedList"/>
     <dgm:cxn modelId="{6FD71D21-936F-461E-8356-7FDC2C72B132}" type="presParOf" srcId="{9A695A11-4C08-4715-8139-A4AFDDF0320D}" destId="{D113B7A0-8714-431B-B006-03DAF8CAB0FB}" srcOrd="0" destOrd="0" presId="urn:microsoft.com/office/officeart/2008/layout/VerticalCurvedList"/>
@@ -7574,7 +7206,7 @@
         <a:lstStyle/>
         <a:p>
           <a:r>
-            <a:rPr lang="ru-RU" sz="1600" dirty="0" smtClean="0">
+            <a:rPr lang="ru-RU" sz="1600" dirty="0">
               <a:solidFill>
                 <a:schemeClr val="bg1"/>
               </a:solidFill>
@@ -7582,12 +7214,6 @@
             </a:rPr>
             <a:t>Вкладка «Карта»</a:t>
           </a:r>
-          <a:endParaRPr lang="ru-RU" sz="1600" dirty="0">
-            <a:solidFill>
-              <a:schemeClr val="bg1"/>
-            </a:solidFill>
-            <a:latin typeface="+mj-lt"/>
-          </a:endParaRPr>
         </a:p>
       </dgm:t>
     </dgm:pt>
@@ -7626,20 +7252,17 @@
         <a:p>
           <a:pPr algn="l"/>
           <a:r>
-            <a:rPr lang="ru-RU" sz="1600" dirty="0" smtClean="0">
+            <a:rPr lang="ru-RU" sz="1600" dirty="0">
               <a:latin typeface="+mj-lt"/>
             </a:rPr>
             <a:t>Отображение карты реальной местности с использованием </a:t>
           </a:r>
           <a:r>
-            <a:rPr lang="ru-RU" sz="1600" i="1" dirty="0" smtClean="0">
+            <a:rPr lang="ru-RU" sz="1600" i="1" dirty="0">
               <a:latin typeface="+mj-lt"/>
             </a:rPr>
             <a:t>JS APY Яндекс Карт</a:t>
           </a:r>
-          <a:endParaRPr lang="ru-RU" sz="1600" i="1" dirty="0">
-            <a:latin typeface="+mj-lt"/>
-          </a:endParaRPr>
         </a:p>
       </dgm:t>
     </dgm:pt>
@@ -7678,20 +7301,17 @@
         <a:p>
           <a:pPr algn="l"/>
           <a:r>
-            <a:rPr lang="ru-RU" sz="1600" b="1" dirty="0" smtClean="0">
+            <a:rPr lang="ru-RU" sz="1600" b="1" dirty="0">
               <a:latin typeface="+mj-lt"/>
             </a:rPr>
             <a:t>«Рисовать полигон»</a:t>
           </a:r>
           <a:r>
-            <a:rPr lang="ru-RU" sz="1600" dirty="0" smtClean="0">
+            <a:rPr lang="ru-RU" sz="1600" dirty="0">
               <a:latin typeface="+mj-lt"/>
             </a:rPr>
             <a:t>: рисование на карте области поиска через добавление вершин</a:t>
           </a:r>
-          <a:endParaRPr lang="ru-RU" sz="1600" dirty="0">
-            <a:latin typeface="+mj-lt"/>
-          </a:endParaRPr>
         </a:p>
       </dgm:t>
     </dgm:pt>
@@ -7730,38 +7350,35 @@
         <a:p>
           <a:pPr algn="l"/>
           <a:r>
-            <a:rPr lang="ru-RU" sz="1600" dirty="0" smtClean="0">
+            <a:rPr lang="ru-RU" sz="1600" dirty="0">
               <a:latin typeface="+mj-lt"/>
             </a:rPr>
             <a:t>Кнопки «</a:t>
           </a:r>
           <a:r>
-            <a:rPr lang="ru-RU" sz="1600" b="1" dirty="0" smtClean="0">
+            <a:rPr lang="ru-RU" sz="1600" b="1" dirty="0">
               <a:latin typeface="+mj-lt"/>
             </a:rPr>
             <a:t>отменить</a:t>
           </a:r>
           <a:r>
-            <a:rPr lang="ru-RU" sz="1600" dirty="0" smtClean="0">
+            <a:rPr lang="ru-RU" sz="1600" dirty="0">
               <a:latin typeface="+mj-lt"/>
             </a:rPr>
             <a:t>» и «</a:t>
           </a:r>
           <a:r>
-            <a:rPr lang="ru-RU" sz="1600" b="1" dirty="0" smtClean="0">
+            <a:rPr lang="ru-RU" sz="1600" b="1" dirty="0">
               <a:latin typeface="+mj-lt"/>
             </a:rPr>
             <a:t>восстановить</a:t>
           </a:r>
           <a:r>
-            <a:rPr lang="ru-RU" sz="1600" dirty="0" smtClean="0">
+            <a:rPr lang="ru-RU" sz="1600" dirty="0">
               <a:latin typeface="+mj-lt"/>
             </a:rPr>
             <a:t>» работают с историей команд создания полигона</a:t>
           </a:r>
-          <a:endParaRPr lang="ru-RU" sz="1600" dirty="0">
-            <a:latin typeface="+mj-lt"/>
-          </a:endParaRPr>
         </a:p>
       </dgm:t>
     </dgm:pt>
@@ -7796,26 +7413,23 @@
         <a:p>
           <a:pPr algn="l"/>
           <a:r>
-            <a:rPr lang="ru-RU" sz="1600" dirty="0" smtClean="0">
+            <a:rPr lang="ru-RU" sz="1600" dirty="0">
               <a:latin typeface="+mj-lt"/>
             </a:rPr>
             <a:t>Кнопка «</a:t>
           </a:r>
           <a:r>
-            <a:rPr lang="ru-RU" sz="1600" b="1" dirty="0" smtClean="0">
+            <a:rPr lang="ru-RU" sz="1600" b="1" dirty="0">
               <a:latin typeface="+mj-lt"/>
             </a:rPr>
             <a:t>удалить полигон</a:t>
           </a:r>
           <a:r>
-            <a:rPr lang="ru-RU" sz="1600" dirty="0" smtClean="0">
+            <a:rPr lang="ru-RU" sz="1600" dirty="0">
               <a:latin typeface="+mj-lt"/>
             </a:rPr>
             <a:t>» полностью удаляет созданную область</a:t>
           </a:r>
-          <a:endParaRPr lang="ru-RU" sz="1600" dirty="0">
-            <a:latin typeface="+mj-lt"/>
-          </a:endParaRPr>
         </a:p>
       </dgm:t>
     </dgm:pt>
@@ -7850,26 +7464,23 @@
         <a:p>
           <a:pPr algn="l"/>
           <a:r>
-            <a:rPr lang="ru-RU" sz="1600" dirty="0" smtClean="0">
+            <a:rPr lang="ru-RU" sz="1600" dirty="0">
               <a:latin typeface="+mj-lt"/>
             </a:rPr>
             <a:t>Задать точку </a:t>
           </a:r>
           <a:r>
-            <a:rPr lang="ru-RU" sz="1600" b="1" dirty="0" smtClean="0">
+            <a:rPr lang="ru-RU" sz="1600" b="1" dirty="0">
               <a:latin typeface="+mj-lt"/>
             </a:rPr>
             <a:t>«финиш»</a:t>
           </a:r>
           <a:r>
-            <a:rPr lang="ru-RU" sz="1600" dirty="0" smtClean="0">
+            <a:rPr lang="ru-RU" sz="1600" dirty="0">
               <a:latin typeface="+mj-lt"/>
             </a:rPr>
             <a:t> - место конечной остановки робота</a:t>
           </a:r>
-          <a:endParaRPr lang="ru-RU" sz="1600" dirty="0">
-            <a:latin typeface="+mj-lt"/>
-          </a:endParaRPr>
         </a:p>
       </dgm:t>
     </dgm:pt>
@@ -7910,79 +7521,30 @@
         </dgm:presLayoutVars>
       </dgm:prSet>
       <dgm:spPr/>
-      <dgm:t>
-        <a:bodyPr/>
-        <a:lstStyle/>
-        <a:p>
-          <a:endParaRPr lang="ru-RU"/>
-        </a:p>
-      </dgm:t>
     </dgm:pt>
     <dgm:pt modelId="{F46B08BF-CB8D-4EF0-8878-757AE4C78038}" type="pres">
       <dgm:prSet presAssocID="{1541EFDC-C611-4AC2-A1FD-56152CDEF0F8}" presName="root" presStyleCnt="0"/>
       <dgm:spPr/>
-      <dgm:t>
-        <a:bodyPr/>
-        <a:lstStyle/>
-        <a:p>
-          <a:endParaRPr lang="ru-RU"/>
-        </a:p>
-      </dgm:t>
     </dgm:pt>
     <dgm:pt modelId="{B0F025CD-1027-4698-8D14-D5EEE42F339D}" type="pres">
       <dgm:prSet presAssocID="{1541EFDC-C611-4AC2-A1FD-56152CDEF0F8}" presName="rootComposite" presStyleCnt="0"/>
       <dgm:spPr/>
-      <dgm:t>
-        <a:bodyPr/>
-        <a:lstStyle/>
-        <a:p>
-          <a:endParaRPr lang="ru-RU"/>
-        </a:p>
-      </dgm:t>
     </dgm:pt>
     <dgm:pt modelId="{44119F6D-007C-4223-AF07-678E9D68AA61}" type="pres">
       <dgm:prSet presAssocID="{1541EFDC-C611-4AC2-A1FD-56152CDEF0F8}" presName="rootText" presStyleLbl="node1" presStyleIdx="0" presStyleCnt="1" custScaleX="534523" custLinFactNeighborX="-70873"/>
       <dgm:spPr/>
-      <dgm:t>
-        <a:bodyPr/>
-        <a:lstStyle/>
-        <a:p>
-          <a:endParaRPr lang="ru-RU"/>
-        </a:p>
-      </dgm:t>
     </dgm:pt>
     <dgm:pt modelId="{812225CE-28B7-4D35-8E4E-D8FC9364D1F9}" type="pres">
       <dgm:prSet presAssocID="{1541EFDC-C611-4AC2-A1FD-56152CDEF0F8}" presName="rootConnector" presStyleLbl="node1" presStyleIdx="0" presStyleCnt="1"/>
       <dgm:spPr/>
-      <dgm:t>
-        <a:bodyPr/>
-        <a:lstStyle/>
-        <a:p>
-          <a:endParaRPr lang="ru-RU"/>
-        </a:p>
-      </dgm:t>
     </dgm:pt>
     <dgm:pt modelId="{DE29907D-B02C-4DC8-AB35-A32FAB9C50C8}" type="pres">
       <dgm:prSet presAssocID="{1541EFDC-C611-4AC2-A1FD-56152CDEF0F8}" presName="childShape" presStyleCnt="0"/>
       <dgm:spPr/>
-      <dgm:t>
-        <a:bodyPr/>
-        <a:lstStyle/>
-        <a:p>
-          <a:endParaRPr lang="ru-RU"/>
-        </a:p>
-      </dgm:t>
     </dgm:pt>
     <dgm:pt modelId="{AF5077CE-5C10-43B0-B87C-CAD71B997BD6}" type="pres">
       <dgm:prSet presAssocID="{27EAC9E4-5A91-4479-AFC0-B4E9BB2594B0}" presName="Name13" presStyleLbl="parChTrans1D2" presStyleIdx="0" presStyleCnt="5"/>
       <dgm:spPr/>
-      <dgm:t>
-        <a:bodyPr/>
-        <a:lstStyle/>
-        <a:p>
-          <a:endParaRPr lang="ru-RU"/>
-        </a:p>
-      </dgm:t>
     </dgm:pt>
     <dgm:pt modelId="{DA8A690F-E500-4DF0-9FDE-072145D073D2}" type="pres">
       <dgm:prSet presAssocID="{F820B708-5991-4728-9253-663D0A7597ED}" presName="childText" presStyleLbl="bgAcc1" presStyleIdx="0" presStyleCnt="5" custScaleX="556212" custScaleY="96819" custLinFactNeighborX="-56819" custLinFactNeighborY="3401">
@@ -7991,24 +7553,10 @@
         </dgm:presLayoutVars>
       </dgm:prSet>
       <dgm:spPr/>
-      <dgm:t>
-        <a:bodyPr/>
-        <a:lstStyle/>
-        <a:p>
-          <a:endParaRPr lang="ru-RU"/>
-        </a:p>
-      </dgm:t>
     </dgm:pt>
     <dgm:pt modelId="{E97F6A05-7D7E-42CF-A025-783C256FF1A4}" type="pres">
       <dgm:prSet presAssocID="{1DE56A76-4993-4887-8460-65FA8A5AA490}" presName="Name13" presStyleLbl="parChTrans1D2" presStyleIdx="1" presStyleCnt="5"/>
       <dgm:spPr/>
-      <dgm:t>
-        <a:bodyPr/>
-        <a:lstStyle/>
-        <a:p>
-          <a:endParaRPr lang="ru-RU"/>
-        </a:p>
-      </dgm:t>
     </dgm:pt>
     <dgm:pt modelId="{997AEA4A-0E44-40E5-A385-7D114752559D}" type="pres">
       <dgm:prSet presAssocID="{B0EF90B9-B7AC-41F4-A8E4-2C416D7BC666}" presName="childText" presStyleLbl="bgAcc1" presStyleIdx="1" presStyleCnt="5" custScaleX="556212" custScaleY="104193" custLinFactNeighborX="-56819" custLinFactNeighborY="981">
@@ -8017,24 +7565,10 @@
         </dgm:presLayoutVars>
       </dgm:prSet>
       <dgm:spPr/>
-      <dgm:t>
-        <a:bodyPr/>
-        <a:lstStyle/>
-        <a:p>
-          <a:endParaRPr lang="ru-RU"/>
-        </a:p>
-      </dgm:t>
     </dgm:pt>
     <dgm:pt modelId="{6BCDF554-0152-4C23-811D-A6805B9A61D1}" type="pres">
       <dgm:prSet presAssocID="{F80C2213-5E35-4A5E-A639-1985843B4620}" presName="Name13" presStyleLbl="parChTrans1D2" presStyleIdx="2" presStyleCnt="5"/>
       <dgm:spPr/>
-      <dgm:t>
-        <a:bodyPr/>
-        <a:lstStyle/>
-        <a:p>
-          <a:endParaRPr lang="ru-RU"/>
-        </a:p>
-      </dgm:t>
     </dgm:pt>
     <dgm:pt modelId="{B20D87AF-4F2B-4280-BC55-B6F24CE01CDA}" type="pres">
       <dgm:prSet presAssocID="{FD596EAD-5791-4489-9534-0C8D06D45B86}" presName="childText" presStyleLbl="bgAcc1" presStyleIdx="2" presStyleCnt="5" custScaleX="556212" custScaleY="104193" custLinFactNeighborX="-56819" custLinFactNeighborY="5200">
@@ -8043,24 +7577,10 @@
         </dgm:presLayoutVars>
       </dgm:prSet>
       <dgm:spPr/>
-      <dgm:t>
-        <a:bodyPr/>
-        <a:lstStyle/>
-        <a:p>
-          <a:endParaRPr lang="ru-RU"/>
-        </a:p>
-      </dgm:t>
     </dgm:pt>
     <dgm:pt modelId="{D54F1CAC-D3BF-4951-ACB6-92E2EA295FE9}" type="pres">
       <dgm:prSet presAssocID="{1603C9B5-0DC1-4C05-B1B4-4E489196500F}" presName="Name13" presStyleLbl="parChTrans1D2" presStyleIdx="3" presStyleCnt="5"/>
       <dgm:spPr/>
-      <dgm:t>
-        <a:bodyPr/>
-        <a:lstStyle/>
-        <a:p>
-          <a:endParaRPr lang="ru-RU"/>
-        </a:p>
-      </dgm:t>
     </dgm:pt>
     <dgm:pt modelId="{8F725618-161E-4D31-A831-7E0237EAAD42}" type="pres">
       <dgm:prSet presAssocID="{39725F31-9AD3-4C61-BEE1-BF9FE30A547F}" presName="childText" presStyleLbl="bgAcc1" presStyleIdx="3" presStyleCnt="5" custScaleX="556212" custScaleY="104193" custLinFactNeighborX="-56819" custLinFactNeighborY="5200">
@@ -8069,24 +7589,10 @@
         </dgm:presLayoutVars>
       </dgm:prSet>
       <dgm:spPr/>
-      <dgm:t>
-        <a:bodyPr/>
-        <a:lstStyle/>
-        <a:p>
-          <a:endParaRPr lang="ru-RU"/>
-        </a:p>
-      </dgm:t>
     </dgm:pt>
     <dgm:pt modelId="{A6F572CF-9B20-4230-B3F7-B98BC7C408E2}" type="pres">
       <dgm:prSet presAssocID="{F2C57F0F-7FC8-4DBE-98FC-82196FBEEBEA}" presName="Name13" presStyleLbl="parChTrans1D2" presStyleIdx="4" presStyleCnt="5"/>
       <dgm:spPr/>
-      <dgm:t>
-        <a:bodyPr/>
-        <a:lstStyle/>
-        <a:p>
-          <a:endParaRPr lang="ru-RU"/>
-        </a:p>
-      </dgm:t>
     </dgm:pt>
     <dgm:pt modelId="{47A3A3A7-D6F1-4009-8937-E003DD425D8B}" type="pres">
       <dgm:prSet presAssocID="{61CF21A6-9742-442A-90F2-294B7E271730}" presName="childText" presStyleLbl="bgAcc1" presStyleIdx="4" presStyleCnt="5" custScaleX="556212" custScaleY="104193" custLinFactNeighborX="-56819" custLinFactNeighborY="2817">
@@ -8095,35 +7601,28 @@
         </dgm:presLayoutVars>
       </dgm:prSet>
       <dgm:spPr/>
-      <dgm:t>
-        <a:bodyPr/>
-        <a:lstStyle/>
-        <a:p>
-          <a:endParaRPr lang="ru-RU"/>
-        </a:p>
-      </dgm:t>
     </dgm:pt>
   </dgm:ptLst>
   <dgm:cxnLst>
-    <dgm:cxn modelId="{42457FA5-9E0D-4576-A69E-436F53B032D6}" type="presOf" srcId="{B0EF90B9-B7AC-41F4-A8E4-2C416D7BC666}" destId="{997AEA4A-0E44-40E5-A385-7D114752559D}" srcOrd="0" destOrd="0" presId="urn:microsoft.com/office/officeart/2005/8/layout/hierarchy3"/>
-    <dgm:cxn modelId="{66C77582-992E-4612-89D3-CAAF08E2D92F}" srcId="{1FBAAE81-7E69-4AE2-B4B2-47511EA554A0}" destId="{1541EFDC-C611-4AC2-A1FD-56152CDEF0F8}" srcOrd="0" destOrd="0" parTransId="{8B0DF067-769D-4CC8-8423-3739B10A62D9}" sibTransId="{ABB71E48-6B30-4A1D-8EF9-A2791E953CCA}"/>
-    <dgm:cxn modelId="{8F9D7BD4-4B42-43FD-A9F2-2BC1DB8E9847}" type="presOf" srcId="{39725F31-9AD3-4C61-BEE1-BF9FE30A547F}" destId="{8F725618-161E-4D31-A831-7E0237EAAD42}" srcOrd="0" destOrd="0" presId="urn:microsoft.com/office/officeart/2005/8/layout/hierarchy3"/>
-    <dgm:cxn modelId="{F7F125C1-C9E8-4D2B-9EDC-CAF4DC418F76}" type="presOf" srcId="{1541EFDC-C611-4AC2-A1FD-56152CDEF0F8}" destId="{812225CE-28B7-4D35-8E4E-D8FC9364D1F9}" srcOrd="1" destOrd="0" presId="urn:microsoft.com/office/officeart/2005/8/layout/hierarchy3"/>
+    <dgm:cxn modelId="{603FAB10-98CA-4A39-91B6-AAEC696EE163}" type="presOf" srcId="{1603C9B5-0DC1-4C05-B1B4-4E489196500F}" destId="{D54F1CAC-D3BF-4951-ACB6-92E2EA295FE9}" srcOrd="0" destOrd="0" presId="urn:microsoft.com/office/officeart/2005/8/layout/hierarchy3"/>
+    <dgm:cxn modelId="{387C3E33-8339-4EBB-AA8B-A87A1532EA3F}" type="presOf" srcId="{1DE56A76-4993-4887-8460-65FA8A5AA490}" destId="{E97F6A05-7D7E-42CF-A025-783C256FF1A4}" srcOrd="0" destOrd="0" presId="urn:microsoft.com/office/officeart/2005/8/layout/hierarchy3"/>
+    <dgm:cxn modelId="{64DF5438-1D1C-4814-95AD-CA150E3365B7}" srcId="{1541EFDC-C611-4AC2-A1FD-56152CDEF0F8}" destId="{B0EF90B9-B7AC-41F4-A8E4-2C416D7BC666}" srcOrd="1" destOrd="0" parTransId="{1DE56A76-4993-4887-8460-65FA8A5AA490}" sibTransId="{63BC5514-881D-4F68-B769-8E8A73172FBF}"/>
     <dgm:cxn modelId="{6BA7D849-91E7-4615-8B2F-024BE7E4356D}" srcId="{1541EFDC-C611-4AC2-A1FD-56152CDEF0F8}" destId="{61CF21A6-9742-442A-90F2-294B7E271730}" srcOrd="4" destOrd="0" parTransId="{F2C57F0F-7FC8-4DBE-98FC-82196FBEEBEA}" sibTransId="{B09E81C1-AFB7-445E-84D2-D6C4529A3A47}"/>
-    <dgm:cxn modelId="{9D1AAF8A-21B7-4B7C-9D46-DA1153618683}" type="presOf" srcId="{F820B708-5991-4728-9253-663D0A7597ED}" destId="{DA8A690F-E500-4DF0-9FDE-072145D073D2}" srcOrd="0" destOrd="0" presId="urn:microsoft.com/office/officeart/2005/8/layout/hierarchy3"/>
-    <dgm:cxn modelId="{0687B288-DA8A-4CCC-ABF0-16104631F48F}" type="presOf" srcId="{FD596EAD-5791-4489-9534-0C8D06D45B86}" destId="{B20D87AF-4F2B-4280-BC55-B6F24CE01CDA}" srcOrd="0" destOrd="0" presId="urn:microsoft.com/office/officeart/2005/8/layout/hierarchy3"/>
-    <dgm:cxn modelId="{F0B764C6-2FCE-463D-9FC6-673FF7CD4624}" type="presOf" srcId="{F80C2213-5E35-4A5E-A639-1985843B4620}" destId="{6BCDF554-0152-4C23-811D-A6805B9A61D1}" srcOrd="0" destOrd="0" presId="urn:microsoft.com/office/officeart/2005/8/layout/hierarchy3"/>
     <dgm:cxn modelId="{36F8DE49-168A-470D-A3E5-9A27980089DB}" type="presOf" srcId="{27EAC9E4-5A91-4479-AFC0-B4E9BB2594B0}" destId="{AF5077CE-5C10-43B0-B87C-CAD71B997BD6}" srcOrd="0" destOrd="0" presId="urn:microsoft.com/office/officeart/2005/8/layout/hierarchy3"/>
-    <dgm:cxn modelId="{839CC5BF-0EB4-4AE5-B326-AFE0F70DCB23}" type="presOf" srcId="{61CF21A6-9742-442A-90F2-294B7E271730}" destId="{47A3A3A7-D6F1-4009-8937-E003DD425D8B}" srcOrd="0" destOrd="0" presId="urn:microsoft.com/office/officeart/2005/8/layout/hierarchy3"/>
-    <dgm:cxn modelId="{387C3E33-8339-4EBB-AA8B-A87A1532EA3F}" type="presOf" srcId="{1DE56A76-4993-4887-8460-65FA8A5AA490}" destId="{E97F6A05-7D7E-42CF-A025-783C256FF1A4}" srcOrd="0" destOrd="0" presId="urn:microsoft.com/office/officeart/2005/8/layout/hierarchy3"/>
-    <dgm:cxn modelId="{603FAB10-98CA-4A39-91B6-AAEC696EE163}" type="presOf" srcId="{1603C9B5-0DC1-4C05-B1B4-4E489196500F}" destId="{D54F1CAC-D3BF-4951-ACB6-92E2EA295FE9}" srcOrd="0" destOrd="0" presId="urn:microsoft.com/office/officeart/2005/8/layout/hierarchy3"/>
-    <dgm:cxn modelId="{926BF7DF-8C38-458C-97BB-3EBDFC39FD7D}" srcId="{1541EFDC-C611-4AC2-A1FD-56152CDEF0F8}" destId="{39725F31-9AD3-4C61-BEE1-BF9FE30A547F}" srcOrd="3" destOrd="0" parTransId="{1603C9B5-0DC1-4C05-B1B4-4E489196500F}" sibTransId="{AAC5D74A-3EA6-40E9-AE06-3BC83B810F44}"/>
-    <dgm:cxn modelId="{24E3209B-1201-434C-A08B-57801DFDE7B3}" type="presOf" srcId="{F2C57F0F-7FC8-4DBE-98FC-82196FBEEBEA}" destId="{A6F572CF-9B20-4230-B3F7-B98BC7C408E2}" srcOrd="0" destOrd="0" presId="urn:microsoft.com/office/officeart/2005/8/layout/hierarchy3"/>
-    <dgm:cxn modelId="{64DF5438-1D1C-4814-95AD-CA150E3365B7}" srcId="{1541EFDC-C611-4AC2-A1FD-56152CDEF0F8}" destId="{B0EF90B9-B7AC-41F4-A8E4-2C416D7BC666}" srcOrd="1" destOrd="0" parTransId="{1DE56A76-4993-4887-8460-65FA8A5AA490}" sibTransId="{63BC5514-881D-4F68-B769-8E8A73172FBF}"/>
-    <dgm:cxn modelId="{7EC327F5-DA58-4B28-AB44-CED1E18D09C1}" type="presOf" srcId="{1FBAAE81-7E69-4AE2-B4B2-47511EA554A0}" destId="{6D02269B-5E4A-4628-9EAD-36D338D56642}" srcOrd="0" destOrd="0" presId="urn:microsoft.com/office/officeart/2005/8/layout/hierarchy3"/>
-    <dgm:cxn modelId="{B8CDA9C8-D4B1-4130-BBA0-C60BF4C20921}" srcId="{1541EFDC-C611-4AC2-A1FD-56152CDEF0F8}" destId="{F820B708-5991-4728-9253-663D0A7597ED}" srcOrd="0" destOrd="0" parTransId="{27EAC9E4-5A91-4479-AFC0-B4E9BB2594B0}" sibTransId="{85C4EE9C-6DFE-4FAC-B275-F2CE8B7E3167}"/>
     <dgm:cxn modelId="{563DCD4A-701F-45CD-ABF4-BF0DE122D105}" type="presOf" srcId="{1541EFDC-C611-4AC2-A1FD-56152CDEF0F8}" destId="{44119F6D-007C-4223-AF07-678E9D68AA61}" srcOrd="0" destOrd="0" presId="urn:microsoft.com/office/officeart/2005/8/layout/hierarchy3"/>
     <dgm:cxn modelId="{4EC66674-117A-4B81-B8DE-C9159D842F02}" srcId="{1541EFDC-C611-4AC2-A1FD-56152CDEF0F8}" destId="{FD596EAD-5791-4489-9534-0C8D06D45B86}" srcOrd="2" destOrd="0" parTransId="{F80C2213-5E35-4A5E-A639-1985843B4620}" sibTransId="{385135A1-769B-4F5A-811C-FF8765AFAA2C}"/>
+    <dgm:cxn modelId="{66C77582-992E-4612-89D3-CAAF08E2D92F}" srcId="{1FBAAE81-7E69-4AE2-B4B2-47511EA554A0}" destId="{1541EFDC-C611-4AC2-A1FD-56152CDEF0F8}" srcOrd="0" destOrd="0" parTransId="{8B0DF067-769D-4CC8-8423-3739B10A62D9}" sibTransId="{ABB71E48-6B30-4A1D-8EF9-A2791E953CCA}"/>
+    <dgm:cxn modelId="{0687B288-DA8A-4CCC-ABF0-16104631F48F}" type="presOf" srcId="{FD596EAD-5791-4489-9534-0C8D06D45B86}" destId="{B20D87AF-4F2B-4280-BC55-B6F24CE01CDA}" srcOrd="0" destOrd="0" presId="urn:microsoft.com/office/officeart/2005/8/layout/hierarchy3"/>
+    <dgm:cxn modelId="{9D1AAF8A-21B7-4B7C-9D46-DA1153618683}" type="presOf" srcId="{F820B708-5991-4728-9253-663D0A7597ED}" destId="{DA8A690F-E500-4DF0-9FDE-072145D073D2}" srcOrd="0" destOrd="0" presId="urn:microsoft.com/office/officeart/2005/8/layout/hierarchy3"/>
+    <dgm:cxn modelId="{24E3209B-1201-434C-A08B-57801DFDE7B3}" type="presOf" srcId="{F2C57F0F-7FC8-4DBE-98FC-82196FBEEBEA}" destId="{A6F572CF-9B20-4230-B3F7-B98BC7C408E2}" srcOrd="0" destOrd="0" presId="urn:microsoft.com/office/officeart/2005/8/layout/hierarchy3"/>
+    <dgm:cxn modelId="{42457FA5-9E0D-4576-A69E-436F53B032D6}" type="presOf" srcId="{B0EF90B9-B7AC-41F4-A8E4-2C416D7BC666}" destId="{997AEA4A-0E44-40E5-A385-7D114752559D}" srcOrd="0" destOrd="0" presId="urn:microsoft.com/office/officeart/2005/8/layout/hierarchy3"/>
+    <dgm:cxn modelId="{839CC5BF-0EB4-4AE5-B326-AFE0F70DCB23}" type="presOf" srcId="{61CF21A6-9742-442A-90F2-294B7E271730}" destId="{47A3A3A7-D6F1-4009-8937-E003DD425D8B}" srcOrd="0" destOrd="0" presId="urn:microsoft.com/office/officeart/2005/8/layout/hierarchy3"/>
+    <dgm:cxn modelId="{F7F125C1-C9E8-4D2B-9EDC-CAF4DC418F76}" type="presOf" srcId="{1541EFDC-C611-4AC2-A1FD-56152CDEF0F8}" destId="{812225CE-28B7-4D35-8E4E-D8FC9364D1F9}" srcOrd="1" destOrd="0" presId="urn:microsoft.com/office/officeart/2005/8/layout/hierarchy3"/>
+    <dgm:cxn modelId="{F0B764C6-2FCE-463D-9FC6-673FF7CD4624}" type="presOf" srcId="{F80C2213-5E35-4A5E-A639-1985843B4620}" destId="{6BCDF554-0152-4C23-811D-A6805B9A61D1}" srcOrd="0" destOrd="0" presId="urn:microsoft.com/office/officeart/2005/8/layout/hierarchy3"/>
+    <dgm:cxn modelId="{B8CDA9C8-D4B1-4130-BBA0-C60BF4C20921}" srcId="{1541EFDC-C611-4AC2-A1FD-56152CDEF0F8}" destId="{F820B708-5991-4728-9253-663D0A7597ED}" srcOrd="0" destOrd="0" parTransId="{27EAC9E4-5A91-4479-AFC0-B4E9BB2594B0}" sibTransId="{85C4EE9C-6DFE-4FAC-B275-F2CE8B7E3167}"/>
+    <dgm:cxn modelId="{8F9D7BD4-4B42-43FD-A9F2-2BC1DB8E9847}" type="presOf" srcId="{39725F31-9AD3-4C61-BEE1-BF9FE30A547F}" destId="{8F725618-161E-4D31-A831-7E0237EAAD42}" srcOrd="0" destOrd="0" presId="urn:microsoft.com/office/officeart/2005/8/layout/hierarchy3"/>
+    <dgm:cxn modelId="{926BF7DF-8C38-458C-97BB-3EBDFC39FD7D}" srcId="{1541EFDC-C611-4AC2-A1FD-56152CDEF0F8}" destId="{39725F31-9AD3-4C61-BEE1-BF9FE30A547F}" srcOrd="3" destOrd="0" parTransId="{1603C9B5-0DC1-4C05-B1B4-4E489196500F}" sibTransId="{AAC5D74A-3EA6-40E9-AE06-3BC83B810F44}"/>
+    <dgm:cxn modelId="{7EC327F5-DA58-4B28-AB44-CED1E18D09C1}" type="presOf" srcId="{1FBAAE81-7E69-4AE2-B4B2-47511EA554A0}" destId="{6D02269B-5E4A-4628-9EAD-36D338D56642}" srcOrd="0" destOrd="0" presId="urn:microsoft.com/office/officeart/2005/8/layout/hierarchy3"/>
     <dgm:cxn modelId="{E311E061-64C7-49A8-A550-3B5A5A87240F}" type="presParOf" srcId="{6D02269B-5E4A-4628-9EAD-36D338D56642}" destId="{F46B08BF-CB8D-4EF0-8878-757AE4C78038}" srcOrd="0" destOrd="0" presId="urn:microsoft.com/office/officeart/2005/8/layout/hierarchy3"/>
     <dgm:cxn modelId="{32F8C7AF-8618-4CCD-9AC5-1C6A527789E7}" type="presParOf" srcId="{F46B08BF-CB8D-4EF0-8878-757AE4C78038}" destId="{B0F025CD-1027-4698-8D14-D5EEE42F339D}" srcOrd="0" destOrd="0" presId="urn:microsoft.com/office/officeart/2005/8/layout/hierarchy3"/>
     <dgm:cxn modelId="{6CE8152B-8F6A-469C-AFAE-9DC6AF3459E2}" type="presParOf" srcId="{B0F025CD-1027-4698-8D14-D5EEE42F339D}" destId="{44119F6D-007C-4223-AF07-678E9D68AA61}" srcOrd="0" destOrd="0" presId="urn:microsoft.com/office/officeart/2005/8/layout/hierarchy3"/>
@@ -8172,7 +7671,7 @@
         <a:lstStyle/>
         <a:p>
           <a:r>
-            <a:rPr lang="ru-RU" dirty="0" smtClean="0">
+            <a:rPr lang="ru-RU" dirty="0">
               <a:solidFill>
                 <a:schemeClr val="bg1"/>
               </a:solidFill>
@@ -8180,12 +7679,6 @@
             </a:rPr>
             <a:t>Вкладка «Робот»</a:t>
           </a:r>
-          <a:endParaRPr lang="ru-RU" dirty="0">
-            <a:solidFill>
-              <a:schemeClr val="bg1"/>
-            </a:solidFill>
-            <a:latin typeface="+mj-lt"/>
-          </a:endParaRPr>
         </a:p>
       </dgm:t>
     </dgm:pt>
@@ -8224,7 +7717,7 @@
         <a:p>
           <a:pPr algn="l"/>
           <a:r>
-            <a:rPr lang="ru-RU" sz="1600" dirty="0" smtClean="0">
+            <a:rPr lang="ru-RU" sz="1600" dirty="0">
               <a:latin typeface="+mj-lt"/>
             </a:rPr>
             <a:t>Просмотр доступных устройств и подключение к роботу для дальнейшей работы</a:t>
@@ -8272,79 +7765,30 @@
         </dgm:presLayoutVars>
       </dgm:prSet>
       <dgm:spPr/>
-      <dgm:t>
-        <a:bodyPr/>
-        <a:lstStyle/>
-        <a:p>
-          <a:endParaRPr lang="ru-RU"/>
-        </a:p>
-      </dgm:t>
     </dgm:pt>
     <dgm:pt modelId="{F46B08BF-CB8D-4EF0-8878-757AE4C78038}" type="pres">
       <dgm:prSet presAssocID="{1541EFDC-C611-4AC2-A1FD-56152CDEF0F8}" presName="root" presStyleCnt="0"/>
       <dgm:spPr/>
-      <dgm:t>
-        <a:bodyPr/>
-        <a:lstStyle/>
-        <a:p>
-          <a:endParaRPr lang="ru-RU"/>
-        </a:p>
-      </dgm:t>
     </dgm:pt>
     <dgm:pt modelId="{B0F025CD-1027-4698-8D14-D5EEE42F339D}" type="pres">
       <dgm:prSet presAssocID="{1541EFDC-C611-4AC2-A1FD-56152CDEF0F8}" presName="rootComposite" presStyleCnt="0"/>
       <dgm:spPr/>
-      <dgm:t>
-        <a:bodyPr/>
-        <a:lstStyle/>
-        <a:p>
-          <a:endParaRPr lang="ru-RU"/>
-        </a:p>
-      </dgm:t>
     </dgm:pt>
     <dgm:pt modelId="{44119F6D-007C-4223-AF07-678E9D68AA61}" type="pres">
       <dgm:prSet presAssocID="{1541EFDC-C611-4AC2-A1FD-56152CDEF0F8}" presName="rootText" presStyleLbl="node1" presStyleIdx="0" presStyleCnt="1" custScaleX="534523" custLinFactNeighborX="-70873"/>
       <dgm:spPr/>
-      <dgm:t>
-        <a:bodyPr/>
-        <a:lstStyle/>
-        <a:p>
-          <a:endParaRPr lang="ru-RU"/>
-        </a:p>
-      </dgm:t>
     </dgm:pt>
     <dgm:pt modelId="{812225CE-28B7-4D35-8E4E-D8FC9364D1F9}" type="pres">
       <dgm:prSet presAssocID="{1541EFDC-C611-4AC2-A1FD-56152CDEF0F8}" presName="rootConnector" presStyleLbl="node1" presStyleIdx="0" presStyleCnt="1"/>
       <dgm:spPr/>
-      <dgm:t>
-        <a:bodyPr/>
-        <a:lstStyle/>
-        <a:p>
-          <a:endParaRPr lang="ru-RU"/>
-        </a:p>
-      </dgm:t>
     </dgm:pt>
     <dgm:pt modelId="{DE29907D-B02C-4DC8-AB35-A32FAB9C50C8}" type="pres">
       <dgm:prSet presAssocID="{1541EFDC-C611-4AC2-A1FD-56152CDEF0F8}" presName="childShape" presStyleCnt="0"/>
       <dgm:spPr/>
-      <dgm:t>
-        <a:bodyPr/>
-        <a:lstStyle/>
-        <a:p>
-          <a:endParaRPr lang="ru-RU"/>
-        </a:p>
-      </dgm:t>
     </dgm:pt>
     <dgm:pt modelId="{AF5077CE-5C10-43B0-B87C-CAD71B997BD6}" type="pres">
       <dgm:prSet presAssocID="{27EAC9E4-5A91-4479-AFC0-B4E9BB2594B0}" presName="Name13" presStyleLbl="parChTrans1D2" presStyleIdx="0" presStyleCnt="1"/>
       <dgm:spPr/>
-      <dgm:t>
-        <a:bodyPr/>
-        <a:lstStyle/>
-        <a:p>
-          <a:endParaRPr lang="ru-RU"/>
-        </a:p>
-      </dgm:t>
     </dgm:pt>
     <dgm:pt modelId="{DA8A690F-E500-4DF0-9FDE-072145D073D2}" type="pres">
       <dgm:prSet presAssocID="{F820B708-5991-4728-9253-663D0A7597ED}" presName="childText" presStyleLbl="bgAcc1" presStyleIdx="0" presStyleCnt="1" custScaleX="556212" custScaleY="96819" custLinFactNeighborX="-36210" custLinFactNeighborY="6012">
@@ -8353,22 +7797,15 @@
         </dgm:presLayoutVars>
       </dgm:prSet>
       <dgm:spPr/>
-      <dgm:t>
-        <a:bodyPr/>
-        <a:lstStyle/>
-        <a:p>
-          <a:endParaRPr lang="ru-RU"/>
-        </a:p>
-      </dgm:t>
     </dgm:pt>
   </dgm:ptLst>
   <dgm:cxnLst>
+    <dgm:cxn modelId="{36F8DE49-168A-470D-A3E5-9A27980089DB}" type="presOf" srcId="{27EAC9E4-5A91-4479-AFC0-B4E9BB2594B0}" destId="{AF5077CE-5C10-43B0-B87C-CAD71B997BD6}" srcOrd="0" destOrd="0" presId="urn:microsoft.com/office/officeart/2005/8/layout/hierarchy3"/>
     <dgm:cxn modelId="{563DCD4A-701F-45CD-ABF4-BF0DE122D105}" type="presOf" srcId="{1541EFDC-C611-4AC2-A1FD-56152CDEF0F8}" destId="{44119F6D-007C-4223-AF07-678E9D68AA61}" srcOrd="0" destOrd="0" presId="urn:microsoft.com/office/officeart/2005/8/layout/hierarchy3"/>
     <dgm:cxn modelId="{66C77582-992E-4612-89D3-CAAF08E2D92F}" srcId="{1FBAAE81-7E69-4AE2-B4B2-47511EA554A0}" destId="{1541EFDC-C611-4AC2-A1FD-56152CDEF0F8}" srcOrd="0" destOrd="0" parTransId="{8B0DF067-769D-4CC8-8423-3739B10A62D9}" sibTransId="{ABB71E48-6B30-4A1D-8EF9-A2791E953CCA}"/>
     <dgm:cxn modelId="{9D1AAF8A-21B7-4B7C-9D46-DA1153618683}" type="presOf" srcId="{F820B708-5991-4728-9253-663D0A7597ED}" destId="{DA8A690F-E500-4DF0-9FDE-072145D073D2}" srcOrd="0" destOrd="0" presId="urn:microsoft.com/office/officeart/2005/8/layout/hierarchy3"/>
-    <dgm:cxn modelId="{36F8DE49-168A-470D-A3E5-9A27980089DB}" type="presOf" srcId="{27EAC9E4-5A91-4479-AFC0-B4E9BB2594B0}" destId="{AF5077CE-5C10-43B0-B87C-CAD71B997BD6}" srcOrd="0" destOrd="0" presId="urn:microsoft.com/office/officeart/2005/8/layout/hierarchy3"/>
+    <dgm:cxn modelId="{F7F125C1-C9E8-4D2B-9EDC-CAF4DC418F76}" type="presOf" srcId="{1541EFDC-C611-4AC2-A1FD-56152CDEF0F8}" destId="{812225CE-28B7-4D35-8E4E-D8FC9364D1F9}" srcOrd="1" destOrd="0" presId="urn:microsoft.com/office/officeart/2005/8/layout/hierarchy3"/>
     <dgm:cxn modelId="{B8CDA9C8-D4B1-4130-BBA0-C60BF4C20921}" srcId="{1541EFDC-C611-4AC2-A1FD-56152CDEF0F8}" destId="{F820B708-5991-4728-9253-663D0A7597ED}" srcOrd="0" destOrd="0" parTransId="{27EAC9E4-5A91-4479-AFC0-B4E9BB2594B0}" sibTransId="{85C4EE9C-6DFE-4FAC-B275-F2CE8B7E3167}"/>
-    <dgm:cxn modelId="{F7F125C1-C9E8-4D2B-9EDC-CAF4DC418F76}" type="presOf" srcId="{1541EFDC-C611-4AC2-A1FD-56152CDEF0F8}" destId="{812225CE-28B7-4D35-8E4E-D8FC9364D1F9}" srcOrd="1" destOrd="0" presId="urn:microsoft.com/office/officeart/2005/8/layout/hierarchy3"/>
     <dgm:cxn modelId="{7EC327F5-DA58-4B28-AB44-CED1E18D09C1}" type="presOf" srcId="{1FBAAE81-7E69-4AE2-B4B2-47511EA554A0}" destId="{6D02269B-5E4A-4628-9EAD-36D338D56642}" srcOrd="0" destOrd="0" presId="urn:microsoft.com/office/officeart/2005/8/layout/hierarchy3"/>
     <dgm:cxn modelId="{E311E061-64C7-49A8-A550-3B5A5A87240F}" type="presParOf" srcId="{6D02269B-5E4A-4628-9EAD-36D338D56642}" destId="{F46B08BF-CB8D-4EF0-8878-757AE4C78038}" srcOrd="0" destOrd="0" presId="urn:microsoft.com/office/officeart/2005/8/layout/hierarchy3"/>
     <dgm:cxn modelId="{32F8C7AF-8618-4CCD-9AC5-1C6A527789E7}" type="presParOf" srcId="{F46B08BF-CB8D-4EF0-8878-757AE4C78038}" destId="{B0F025CD-1027-4698-8D14-D5EEE42F339D}" srcOrd="0" destOrd="0" presId="urn:microsoft.com/office/officeart/2005/8/layout/hierarchy3"/>
@@ -8410,7 +7847,7 @@
         <a:lstStyle/>
         <a:p>
           <a:r>
-            <a:rPr lang="ru-RU" sz="3000" dirty="0" smtClean="0">
+            <a:rPr lang="ru-RU" sz="3000" dirty="0">
               <a:solidFill>
                 <a:schemeClr val="bg1"/>
               </a:solidFill>
@@ -8418,12 +7855,6 @@
             </a:rPr>
             <a:t>Окно работы с выбранным роботом</a:t>
           </a:r>
-          <a:endParaRPr lang="ru-RU" sz="3000" dirty="0">
-            <a:solidFill>
-              <a:schemeClr val="bg1"/>
-            </a:solidFill>
-            <a:latin typeface="+mj-lt"/>
-          </a:endParaRPr>
         </a:p>
       </dgm:t>
     </dgm:pt>
@@ -8462,7 +7893,7 @@
         <a:p>
           <a:pPr algn="l"/>
           <a:r>
-            <a:rPr lang="ru-RU" sz="1600" dirty="0" smtClean="0">
+            <a:rPr lang="ru-RU" sz="1600" dirty="0">
               <a:latin typeface="+mj-lt"/>
             </a:rPr>
             <a:t>Просмотр информации о роботе</a:t>
@@ -8508,26 +7939,23 @@
         <a:p>
           <a:pPr algn="l"/>
           <a:r>
-            <a:rPr lang="ru-RU" sz="1600" dirty="0" smtClean="0">
+            <a:rPr lang="ru-RU" sz="1600" dirty="0">
               <a:latin typeface="+mj-lt"/>
             </a:rPr>
             <a:t>«</a:t>
           </a:r>
           <a:r>
-            <a:rPr lang="ru-RU" sz="1600" b="1" dirty="0" smtClean="0">
+            <a:rPr lang="ru-RU" sz="1600" b="1" dirty="0">
               <a:latin typeface="+mj-lt"/>
             </a:rPr>
             <a:t>Получить данные»:</a:t>
           </a:r>
           <a:r>
-            <a:rPr lang="ru-RU" sz="1600" dirty="0" smtClean="0">
+            <a:rPr lang="ru-RU" sz="1600" dirty="0">
               <a:latin typeface="+mj-lt"/>
             </a:rPr>
             <a:t> загрузка в приложение найденных мест и отображение их на карте </a:t>
           </a:r>
-          <a:endParaRPr lang="ru-RU" sz="1600" dirty="0">
-            <a:latin typeface="+mj-lt"/>
-          </a:endParaRPr>
         </a:p>
       </dgm:t>
     </dgm:pt>
@@ -8566,26 +7994,23 @@
         <a:p>
           <a:pPr algn="l"/>
           <a:r>
-            <a:rPr lang="ru-RU" sz="1600" dirty="0" smtClean="0">
+            <a:rPr lang="ru-RU" sz="1600" dirty="0">
               <a:latin typeface="+mj-lt"/>
             </a:rPr>
             <a:t>«</a:t>
           </a:r>
           <a:r>
-            <a:rPr lang="ru-RU" sz="1600" b="1" dirty="0" smtClean="0">
+            <a:rPr lang="ru-RU" sz="1600" b="1" dirty="0">
               <a:latin typeface="+mj-lt"/>
             </a:rPr>
             <a:t>Загрузить карту</a:t>
           </a:r>
           <a:r>
-            <a:rPr lang="ru-RU" sz="1600" dirty="0" smtClean="0">
+            <a:rPr lang="ru-RU" sz="1600" dirty="0">
               <a:latin typeface="+mj-lt"/>
             </a:rPr>
             <a:t>»: загрузить область поиска (откроется новое диалоговое окно для выбора карты)</a:t>
           </a:r>
-          <a:endParaRPr lang="ru-RU" sz="1600" dirty="0">
-            <a:latin typeface="+mj-lt"/>
-          </a:endParaRPr>
         </a:p>
       </dgm:t>
     </dgm:pt>
@@ -8622,79 +8047,30 @@
         </dgm:presLayoutVars>
       </dgm:prSet>
       <dgm:spPr/>
-      <dgm:t>
-        <a:bodyPr/>
-        <a:lstStyle/>
-        <a:p>
-          <a:endParaRPr lang="ru-RU"/>
-        </a:p>
-      </dgm:t>
     </dgm:pt>
     <dgm:pt modelId="{F46B08BF-CB8D-4EF0-8878-757AE4C78038}" type="pres">
       <dgm:prSet presAssocID="{1541EFDC-C611-4AC2-A1FD-56152CDEF0F8}" presName="root" presStyleCnt="0"/>
       <dgm:spPr/>
-      <dgm:t>
-        <a:bodyPr/>
-        <a:lstStyle/>
-        <a:p>
-          <a:endParaRPr lang="ru-RU"/>
-        </a:p>
-      </dgm:t>
     </dgm:pt>
     <dgm:pt modelId="{B0F025CD-1027-4698-8D14-D5EEE42F339D}" type="pres">
       <dgm:prSet presAssocID="{1541EFDC-C611-4AC2-A1FD-56152CDEF0F8}" presName="rootComposite" presStyleCnt="0"/>
       <dgm:spPr/>
-      <dgm:t>
-        <a:bodyPr/>
-        <a:lstStyle/>
-        <a:p>
-          <a:endParaRPr lang="ru-RU"/>
-        </a:p>
-      </dgm:t>
     </dgm:pt>
     <dgm:pt modelId="{44119F6D-007C-4223-AF07-678E9D68AA61}" type="pres">
       <dgm:prSet presAssocID="{1541EFDC-C611-4AC2-A1FD-56152CDEF0F8}" presName="rootText" presStyleLbl="node1" presStyleIdx="0" presStyleCnt="1" custScaleX="396086" custScaleY="70585" custLinFactNeighborX="-56" custLinFactNeighborY="-13630"/>
       <dgm:spPr/>
-      <dgm:t>
-        <a:bodyPr/>
-        <a:lstStyle/>
-        <a:p>
-          <a:endParaRPr lang="ru-RU"/>
-        </a:p>
-      </dgm:t>
     </dgm:pt>
     <dgm:pt modelId="{812225CE-28B7-4D35-8E4E-D8FC9364D1F9}" type="pres">
       <dgm:prSet presAssocID="{1541EFDC-C611-4AC2-A1FD-56152CDEF0F8}" presName="rootConnector" presStyleLbl="node1" presStyleIdx="0" presStyleCnt="1"/>
       <dgm:spPr/>
-      <dgm:t>
-        <a:bodyPr/>
-        <a:lstStyle/>
-        <a:p>
-          <a:endParaRPr lang="ru-RU"/>
-        </a:p>
-      </dgm:t>
     </dgm:pt>
     <dgm:pt modelId="{DE29907D-B02C-4DC8-AB35-A32FAB9C50C8}" type="pres">
       <dgm:prSet presAssocID="{1541EFDC-C611-4AC2-A1FD-56152CDEF0F8}" presName="childShape" presStyleCnt="0"/>
       <dgm:spPr/>
-      <dgm:t>
-        <a:bodyPr/>
-        <a:lstStyle/>
-        <a:p>
-          <a:endParaRPr lang="ru-RU"/>
-        </a:p>
-      </dgm:t>
     </dgm:pt>
     <dgm:pt modelId="{AF5077CE-5C10-43B0-B87C-CAD71B997BD6}" type="pres">
       <dgm:prSet presAssocID="{27EAC9E4-5A91-4479-AFC0-B4E9BB2594B0}" presName="Name13" presStyleLbl="parChTrans1D2" presStyleIdx="0" presStyleCnt="3"/>
       <dgm:spPr/>
-      <dgm:t>
-        <a:bodyPr/>
-        <a:lstStyle/>
-        <a:p>
-          <a:endParaRPr lang="ru-RU"/>
-        </a:p>
-      </dgm:t>
     </dgm:pt>
     <dgm:pt modelId="{DA8A690F-E500-4DF0-9FDE-072145D073D2}" type="pres">
       <dgm:prSet presAssocID="{F820B708-5991-4728-9253-663D0A7597ED}" presName="childText" presStyleLbl="bgAcc1" presStyleIdx="0" presStyleCnt="3" custScaleX="410900" custScaleY="70435" custLinFactNeighborX="-42040" custLinFactNeighborY="-506">
@@ -8703,24 +8079,10 @@
         </dgm:presLayoutVars>
       </dgm:prSet>
       <dgm:spPr/>
-      <dgm:t>
-        <a:bodyPr/>
-        <a:lstStyle/>
-        <a:p>
-          <a:endParaRPr lang="ru-RU"/>
-        </a:p>
-      </dgm:t>
     </dgm:pt>
     <dgm:pt modelId="{6BCDF554-0152-4C23-811D-A6805B9A61D1}" type="pres">
       <dgm:prSet presAssocID="{F80C2213-5E35-4A5E-A639-1985843B4620}" presName="Name13" presStyleLbl="parChTrans1D2" presStyleIdx="1" presStyleCnt="3"/>
       <dgm:spPr/>
-      <dgm:t>
-        <a:bodyPr/>
-        <a:lstStyle/>
-        <a:p>
-          <a:endParaRPr lang="ru-RU"/>
-        </a:p>
-      </dgm:t>
     </dgm:pt>
     <dgm:pt modelId="{B20D87AF-4F2B-4280-BC55-B6F24CE01CDA}" type="pres">
       <dgm:prSet presAssocID="{FD596EAD-5791-4489-9534-0C8D06D45B86}" presName="childText" presStyleLbl="bgAcc1" presStyleIdx="1" presStyleCnt="3" custScaleX="410900" custScaleY="75800" custLinFactNeighborX="-42040" custLinFactNeighborY="1293">
@@ -8729,24 +8091,10 @@
         </dgm:presLayoutVars>
       </dgm:prSet>
       <dgm:spPr/>
-      <dgm:t>
-        <a:bodyPr/>
-        <a:lstStyle/>
-        <a:p>
-          <a:endParaRPr lang="ru-RU"/>
-        </a:p>
-      </dgm:t>
     </dgm:pt>
     <dgm:pt modelId="{D54F1CAC-D3BF-4951-ACB6-92E2EA295FE9}" type="pres">
       <dgm:prSet presAssocID="{1603C9B5-0DC1-4C05-B1B4-4E489196500F}" presName="Name13" presStyleLbl="parChTrans1D2" presStyleIdx="2" presStyleCnt="3"/>
       <dgm:spPr/>
-      <dgm:t>
-        <a:bodyPr/>
-        <a:lstStyle/>
-        <a:p>
-          <a:endParaRPr lang="ru-RU"/>
-        </a:p>
-      </dgm:t>
     </dgm:pt>
     <dgm:pt modelId="{8F725618-161E-4D31-A831-7E0237EAAD42}" type="pres">
       <dgm:prSet presAssocID="{39725F31-9AD3-4C61-BEE1-BF9FE30A547F}" presName="childText" presStyleLbl="bgAcc1" presStyleIdx="2" presStyleCnt="3" custScaleX="410900" custScaleY="75800" custLinFactNeighborX="-42040" custLinFactNeighborY="169">
@@ -8755,29 +8103,22 @@
         </dgm:presLayoutVars>
       </dgm:prSet>
       <dgm:spPr/>
-      <dgm:t>
-        <a:bodyPr/>
-        <a:lstStyle/>
-        <a:p>
-          <a:endParaRPr lang="ru-RU"/>
-        </a:p>
-      </dgm:t>
     </dgm:pt>
   </dgm:ptLst>
   <dgm:cxnLst>
+    <dgm:cxn modelId="{603FAB10-98CA-4A39-91B6-AAEC696EE163}" type="presOf" srcId="{1603C9B5-0DC1-4C05-B1B4-4E489196500F}" destId="{D54F1CAC-D3BF-4951-ACB6-92E2EA295FE9}" srcOrd="0" destOrd="0" presId="urn:microsoft.com/office/officeart/2005/8/layout/hierarchy3"/>
+    <dgm:cxn modelId="{36F8DE49-168A-470D-A3E5-9A27980089DB}" type="presOf" srcId="{27EAC9E4-5A91-4479-AFC0-B4E9BB2594B0}" destId="{AF5077CE-5C10-43B0-B87C-CAD71B997BD6}" srcOrd="0" destOrd="0" presId="urn:microsoft.com/office/officeart/2005/8/layout/hierarchy3"/>
+    <dgm:cxn modelId="{563DCD4A-701F-45CD-ABF4-BF0DE122D105}" type="presOf" srcId="{1541EFDC-C611-4AC2-A1FD-56152CDEF0F8}" destId="{44119F6D-007C-4223-AF07-678E9D68AA61}" srcOrd="0" destOrd="0" presId="urn:microsoft.com/office/officeart/2005/8/layout/hierarchy3"/>
+    <dgm:cxn modelId="{4EC66674-117A-4B81-B8DE-C9159D842F02}" srcId="{1541EFDC-C611-4AC2-A1FD-56152CDEF0F8}" destId="{FD596EAD-5791-4489-9534-0C8D06D45B86}" srcOrd="1" destOrd="0" parTransId="{F80C2213-5E35-4A5E-A639-1985843B4620}" sibTransId="{385135A1-769B-4F5A-811C-FF8765AFAA2C}"/>
     <dgm:cxn modelId="{66C77582-992E-4612-89D3-CAAF08E2D92F}" srcId="{1FBAAE81-7E69-4AE2-B4B2-47511EA554A0}" destId="{1541EFDC-C611-4AC2-A1FD-56152CDEF0F8}" srcOrd="0" destOrd="0" parTransId="{8B0DF067-769D-4CC8-8423-3739B10A62D9}" sibTransId="{ABB71E48-6B30-4A1D-8EF9-A2791E953CCA}"/>
+    <dgm:cxn modelId="{0687B288-DA8A-4CCC-ABF0-16104631F48F}" type="presOf" srcId="{FD596EAD-5791-4489-9534-0C8D06D45B86}" destId="{B20D87AF-4F2B-4280-BC55-B6F24CE01CDA}" srcOrd="0" destOrd="0" presId="urn:microsoft.com/office/officeart/2005/8/layout/hierarchy3"/>
+    <dgm:cxn modelId="{9D1AAF8A-21B7-4B7C-9D46-DA1153618683}" type="presOf" srcId="{F820B708-5991-4728-9253-663D0A7597ED}" destId="{DA8A690F-E500-4DF0-9FDE-072145D073D2}" srcOrd="0" destOrd="0" presId="urn:microsoft.com/office/officeart/2005/8/layout/hierarchy3"/>
+    <dgm:cxn modelId="{F7F125C1-C9E8-4D2B-9EDC-CAF4DC418F76}" type="presOf" srcId="{1541EFDC-C611-4AC2-A1FD-56152CDEF0F8}" destId="{812225CE-28B7-4D35-8E4E-D8FC9364D1F9}" srcOrd="1" destOrd="0" presId="urn:microsoft.com/office/officeart/2005/8/layout/hierarchy3"/>
+    <dgm:cxn modelId="{F0B764C6-2FCE-463D-9FC6-673FF7CD4624}" type="presOf" srcId="{F80C2213-5E35-4A5E-A639-1985843B4620}" destId="{6BCDF554-0152-4C23-811D-A6805B9A61D1}" srcOrd="0" destOrd="0" presId="urn:microsoft.com/office/officeart/2005/8/layout/hierarchy3"/>
+    <dgm:cxn modelId="{B8CDA9C8-D4B1-4130-BBA0-C60BF4C20921}" srcId="{1541EFDC-C611-4AC2-A1FD-56152CDEF0F8}" destId="{F820B708-5991-4728-9253-663D0A7597ED}" srcOrd="0" destOrd="0" parTransId="{27EAC9E4-5A91-4479-AFC0-B4E9BB2594B0}" sibTransId="{85C4EE9C-6DFE-4FAC-B275-F2CE8B7E3167}"/>
     <dgm:cxn modelId="{8F9D7BD4-4B42-43FD-A9F2-2BC1DB8E9847}" type="presOf" srcId="{39725F31-9AD3-4C61-BEE1-BF9FE30A547F}" destId="{8F725618-161E-4D31-A831-7E0237EAAD42}" srcOrd="0" destOrd="0" presId="urn:microsoft.com/office/officeart/2005/8/layout/hierarchy3"/>
-    <dgm:cxn modelId="{F7F125C1-C9E8-4D2B-9EDC-CAF4DC418F76}" type="presOf" srcId="{1541EFDC-C611-4AC2-A1FD-56152CDEF0F8}" destId="{812225CE-28B7-4D35-8E4E-D8FC9364D1F9}" srcOrd="1" destOrd="0" presId="urn:microsoft.com/office/officeart/2005/8/layout/hierarchy3"/>
-    <dgm:cxn modelId="{9D1AAF8A-21B7-4B7C-9D46-DA1153618683}" type="presOf" srcId="{F820B708-5991-4728-9253-663D0A7597ED}" destId="{DA8A690F-E500-4DF0-9FDE-072145D073D2}" srcOrd="0" destOrd="0" presId="urn:microsoft.com/office/officeart/2005/8/layout/hierarchy3"/>
-    <dgm:cxn modelId="{0687B288-DA8A-4CCC-ABF0-16104631F48F}" type="presOf" srcId="{FD596EAD-5791-4489-9534-0C8D06D45B86}" destId="{B20D87AF-4F2B-4280-BC55-B6F24CE01CDA}" srcOrd="0" destOrd="0" presId="urn:microsoft.com/office/officeart/2005/8/layout/hierarchy3"/>
-    <dgm:cxn modelId="{F0B764C6-2FCE-463D-9FC6-673FF7CD4624}" type="presOf" srcId="{F80C2213-5E35-4A5E-A639-1985843B4620}" destId="{6BCDF554-0152-4C23-811D-A6805B9A61D1}" srcOrd="0" destOrd="0" presId="urn:microsoft.com/office/officeart/2005/8/layout/hierarchy3"/>
-    <dgm:cxn modelId="{36F8DE49-168A-470D-A3E5-9A27980089DB}" type="presOf" srcId="{27EAC9E4-5A91-4479-AFC0-B4E9BB2594B0}" destId="{AF5077CE-5C10-43B0-B87C-CAD71B997BD6}" srcOrd="0" destOrd="0" presId="urn:microsoft.com/office/officeart/2005/8/layout/hierarchy3"/>
-    <dgm:cxn modelId="{603FAB10-98CA-4A39-91B6-AAEC696EE163}" type="presOf" srcId="{1603C9B5-0DC1-4C05-B1B4-4E489196500F}" destId="{D54F1CAC-D3BF-4951-ACB6-92E2EA295FE9}" srcOrd="0" destOrd="0" presId="urn:microsoft.com/office/officeart/2005/8/layout/hierarchy3"/>
     <dgm:cxn modelId="{926BF7DF-8C38-458C-97BB-3EBDFC39FD7D}" srcId="{1541EFDC-C611-4AC2-A1FD-56152CDEF0F8}" destId="{39725F31-9AD3-4C61-BEE1-BF9FE30A547F}" srcOrd="2" destOrd="0" parTransId="{1603C9B5-0DC1-4C05-B1B4-4E489196500F}" sibTransId="{AAC5D74A-3EA6-40E9-AE06-3BC83B810F44}"/>
     <dgm:cxn modelId="{7EC327F5-DA58-4B28-AB44-CED1E18D09C1}" type="presOf" srcId="{1FBAAE81-7E69-4AE2-B4B2-47511EA554A0}" destId="{6D02269B-5E4A-4628-9EAD-36D338D56642}" srcOrd="0" destOrd="0" presId="urn:microsoft.com/office/officeart/2005/8/layout/hierarchy3"/>
-    <dgm:cxn modelId="{B8CDA9C8-D4B1-4130-BBA0-C60BF4C20921}" srcId="{1541EFDC-C611-4AC2-A1FD-56152CDEF0F8}" destId="{F820B708-5991-4728-9253-663D0A7597ED}" srcOrd="0" destOrd="0" parTransId="{27EAC9E4-5A91-4479-AFC0-B4E9BB2594B0}" sibTransId="{85C4EE9C-6DFE-4FAC-B275-F2CE8B7E3167}"/>
-    <dgm:cxn modelId="{563DCD4A-701F-45CD-ABF4-BF0DE122D105}" type="presOf" srcId="{1541EFDC-C611-4AC2-A1FD-56152CDEF0F8}" destId="{44119F6D-007C-4223-AF07-678E9D68AA61}" srcOrd="0" destOrd="0" presId="urn:microsoft.com/office/officeart/2005/8/layout/hierarchy3"/>
-    <dgm:cxn modelId="{4EC66674-117A-4B81-B8DE-C9159D842F02}" srcId="{1541EFDC-C611-4AC2-A1FD-56152CDEF0F8}" destId="{FD596EAD-5791-4489-9534-0C8D06D45B86}" srcOrd="1" destOrd="0" parTransId="{F80C2213-5E35-4A5E-A639-1985843B4620}" sibTransId="{385135A1-769B-4F5A-811C-FF8765AFAA2C}"/>
     <dgm:cxn modelId="{E311E061-64C7-49A8-A550-3B5A5A87240F}" type="presParOf" srcId="{6D02269B-5E4A-4628-9EAD-36D338D56642}" destId="{F46B08BF-CB8D-4EF0-8878-757AE4C78038}" srcOrd="0" destOrd="0" presId="urn:microsoft.com/office/officeart/2005/8/layout/hierarchy3"/>
     <dgm:cxn modelId="{32F8C7AF-8618-4CCD-9AC5-1C6A527789E7}" type="presParOf" srcId="{F46B08BF-CB8D-4EF0-8878-757AE4C78038}" destId="{B0F025CD-1027-4698-8D14-D5EEE42F339D}" srcOrd="0" destOrd="0" presId="urn:microsoft.com/office/officeart/2005/8/layout/hierarchy3"/>
     <dgm:cxn modelId="{6CE8152B-8F6A-469C-AFAE-9DC6AF3459E2}" type="presParOf" srcId="{B0F025CD-1027-4698-8D14-D5EEE42F339D}" destId="{44119F6D-007C-4223-AF07-678E9D68AA61}" srcOrd="0" destOrd="0" presId="urn:microsoft.com/office/officeart/2005/8/layout/hierarchy3"/>
@@ -8822,7 +8163,7 @@
         <a:lstStyle/>
         <a:p>
           <a:r>
-            <a:rPr lang="ru-RU" dirty="0" smtClean="0">
+            <a:rPr lang="ru-RU" dirty="0">
               <a:solidFill>
                 <a:schemeClr val="bg1"/>
               </a:solidFill>
@@ -8830,12 +8171,6 @@
             </a:rPr>
             <a:t>Раздел «Файл»</a:t>
           </a:r>
-          <a:endParaRPr lang="ru-RU" dirty="0">
-            <a:solidFill>
-              <a:schemeClr val="bg1"/>
-            </a:solidFill>
-            <a:latin typeface="+mj-lt"/>
-          </a:endParaRPr>
         </a:p>
       </dgm:t>
     </dgm:pt>
@@ -8873,7 +8208,7 @@
         <a:lstStyle/>
         <a:p>
           <a:r>
-            <a:rPr lang="ru-RU" dirty="0" smtClean="0">
+            <a:rPr lang="ru-RU" dirty="0">
               <a:latin typeface="+mj-lt"/>
             </a:rPr>
             <a:t>Раздел «О программе»</a:t>
@@ -8922,7 +8257,7 @@
         <a:p>
           <a:pPr algn="l"/>
           <a:r>
-            <a:rPr lang="ru-RU" sz="1800" dirty="0" smtClean="0">
+            <a:rPr lang="ru-RU" sz="1800" dirty="0">
               <a:latin typeface="+mj-lt"/>
             </a:rPr>
             <a:t>Предназначен для открытия/сохранения области поиска</a:t>
@@ -8965,14 +8300,11 @@
         <a:p>
           <a:pPr algn="l"/>
           <a:r>
-            <a:rPr lang="ru-RU" sz="1800" dirty="0" smtClean="0">
+            <a:rPr lang="ru-RU" sz="1800" dirty="0">
               <a:latin typeface="+mj-lt"/>
             </a:rPr>
             <a:t>Имеет подменю: Открыть, Сохранить, Сохранить как и Загрузить в робота</a:t>
           </a:r>
-          <a:endParaRPr lang="ru-RU" sz="1800" dirty="0">
-            <a:latin typeface="+mj-lt"/>
-          </a:endParaRPr>
         </a:p>
       </dgm:t>
     </dgm:pt>
@@ -9007,56 +8339,53 @@
         <a:p>
           <a:pPr algn="l"/>
           <a:r>
-            <a:rPr lang="ru-RU" sz="1800" dirty="0" smtClean="0">
+            <a:rPr lang="ru-RU" sz="1800" dirty="0">
               <a:latin typeface="+mj-lt"/>
             </a:rPr>
             <a:t>Содержит подменю: </a:t>
           </a:r>
           <a:r>
-            <a:rPr lang="ru-RU" sz="1800" i="1" dirty="0" err="1" smtClean="0">
+            <a:rPr lang="ru-RU" sz="1800" i="1" dirty="0" err="1">
               <a:latin typeface="+mj-lt"/>
             </a:rPr>
             <a:t>GitHub</a:t>
           </a:r>
           <a:r>
-            <a:rPr lang="ru-RU" sz="1800" dirty="0" smtClean="0">
+            <a:rPr lang="ru-RU" sz="1800" dirty="0">
               <a:latin typeface="+mj-lt"/>
             </a:rPr>
             <a:t>, </a:t>
           </a:r>
           <a:r>
-            <a:rPr lang="ru-RU" sz="1800" i="1" dirty="0" err="1" smtClean="0">
+            <a:rPr lang="ru-RU" sz="1800" i="1" dirty="0" err="1">
               <a:latin typeface="+mj-lt"/>
             </a:rPr>
             <a:t>Yandex</a:t>
           </a:r>
           <a:r>
-            <a:rPr lang="ru-RU" sz="1800" i="1" dirty="0" smtClean="0">
+            <a:rPr lang="ru-RU" sz="1800" i="1" dirty="0">
               <a:latin typeface="+mj-lt"/>
             </a:rPr>
             <a:t> </a:t>
           </a:r>
           <a:r>
-            <a:rPr lang="ru-RU" sz="1800" i="1" dirty="0" err="1" smtClean="0">
+            <a:rPr lang="ru-RU" sz="1800" i="1" dirty="0" err="1">
               <a:latin typeface="+mj-lt"/>
             </a:rPr>
             <a:t>Map</a:t>
           </a:r>
           <a:r>
-            <a:rPr lang="ru-RU" sz="1800" i="1" dirty="0" smtClean="0">
+            <a:rPr lang="ru-RU" sz="1800" i="1" dirty="0">
               <a:latin typeface="+mj-lt"/>
             </a:rPr>
             <a:t> API</a:t>
           </a:r>
           <a:r>
-            <a:rPr lang="ru-RU" sz="1800" dirty="0" smtClean="0">
+            <a:rPr lang="ru-RU" sz="1800" dirty="0">
               <a:latin typeface="+mj-lt"/>
             </a:rPr>
             <a:t> и др.</a:t>
           </a:r>
-          <a:endParaRPr lang="ru-RU" sz="1800" dirty="0">
-            <a:latin typeface="+mj-lt"/>
-          </a:endParaRPr>
         </a:p>
       </dgm:t>
     </dgm:pt>
@@ -9095,14 +8424,11 @@
         <a:p>
           <a:pPr algn="l"/>
           <a:r>
-            <a:rPr lang="ru-RU" sz="1800" dirty="0" smtClean="0">
+            <a:rPr lang="ru-RU" sz="1800" dirty="0">
               <a:latin typeface="+mj-lt"/>
             </a:rPr>
             <a:t>Переводит пользователя в браузер на соответствующую страничку</a:t>
           </a:r>
-          <a:endParaRPr lang="ru-RU" sz="1800" dirty="0">
-            <a:latin typeface="+mj-lt"/>
-          </a:endParaRPr>
         </a:p>
       </dgm:t>
     </dgm:pt>
@@ -9143,79 +8469,30 @@
         </dgm:presLayoutVars>
       </dgm:prSet>
       <dgm:spPr/>
-      <dgm:t>
-        <a:bodyPr/>
-        <a:lstStyle/>
-        <a:p>
-          <a:endParaRPr lang="ru-RU"/>
-        </a:p>
-      </dgm:t>
     </dgm:pt>
     <dgm:pt modelId="{F46B08BF-CB8D-4EF0-8878-757AE4C78038}" type="pres">
       <dgm:prSet presAssocID="{1541EFDC-C611-4AC2-A1FD-56152CDEF0F8}" presName="root" presStyleCnt="0"/>
       <dgm:spPr/>
-      <dgm:t>
-        <a:bodyPr/>
-        <a:lstStyle/>
-        <a:p>
-          <a:endParaRPr lang="ru-RU"/>
-        </a:p>
-      </dgm:t>
     </dgm:pt>
     <dgm:pt modelId="{B0F025CD-1027-4698-8D14-D5EEE42F339D}" type="pres">
       <dgm:prSet presAssocID="{1541EFDC-C611-4AC2-A1FD-56152CDEF0F8}" presName="rootComposite" presStyleCnt="0"/>
       <dgm:spPr/>
-      <dgm:t>
-        <a:bodyPr/>
-        <a:lstStyle/>
-        <a:p>
-          <a:endParaRPr lang="ru-RU"/>
-        </a:p>
-      </dgm:t>
     </dgm:pt>
     <dgm:pt modelId="{44119F6D-007C-4223-AF07-678E9D68AA61}" type="pres">
       <dgm:prSet presAssocID="{1541EFDC-C611-4AC2-A1FD-56152CDEF0F8}" presName="rootText" presStyleLbl="node1" presStyleIdx="0" presStyleCnt="2" custScaleX="534523"/>
       <dgm:spPr/>
-      <dgm:t>
-        <a:bodyPr/>
-        <a:lstStyle/>
-        <a:p>
-          <a:endParaRPr lang="ru-RU"/>
-        </a:p>
-      </dgm:t>
     </dgm:pt>
     <dgm:pt modelId="{812225CE-28B7-4D35-8E4E-D8FC9364D1F9}" type="pres">
       <dgm:prSet presAssocID="{1541EFDC-C611-4AC2-A1FD-56152CDEF0F8}" presName="rootConnector" presStyleLbl="node1" presStyleIdx="0" presStyleCnt="2"/>
       <dgm:spPr/>
-      <dgm:t>
-        <a:bodyPr/>
-        <a:lstStyle/>
-        <a:p>
-          <a:endParaRPr lang="ru-RU"/>
-        </a:p>
-      </dgm:t>
     </dgm:pt>
     <dgm:pt modelId="{DE29907D-B02C-4DC8-AB35-A32FAB9C50C8}" type="pres">
       <dgm:prSet presAssocID="{1541EFDC-C611-4AC2-A1FD-56152CDEF0F8}" presName="childShape" presStyleCnt="0"/>
       <dgm:spPr/>
-      <dgm:t>
-        <a:bodyPr/>
-        <a:lstStyle/>
-        <a:p>
-          <a:endParaRPr lang="ru-RU"/>
-        </a:p>
-      </dgm:t>
     </dgm:pt>
     <dgm:pt modelId="{E97F6A05-7D7E-42CF-A025-783C256FF1A4}" type="pres">
       <dgm:prSet presAssocID="{1DE56A76-4993-4887-8460-65FA8A5AA490}" presName="Name13" presStyleLbl="parChTrans1D2" presStyleIdx="0" presStyleCnt="4"/>
       <dgm:spPr/>
-      <dgm:t>
-        <a:bodyPr/>
-        <a:lstStyle/>
-        <a:p>
-          <a:endParaRPr lang="ru-RU"/>
-        </a:p>
-      </dgm:t>
     </dgm:pt>
     <dgm:pt modelId="{997AEA4A-0E44-40E5-A385-7D114752559D}" type="pres">
       <dgm:prSet presAssocID="{B0EF90B9-B7AC-41F4-A8E4-2C416D7BC666}" presName="childText" presStyleLbl="bgAcc1" presStyleIdx="0" presStyleCnt="4" custScaleX="521924" custScaleY="123862">
@@ -9224,24 +8501,10 @@
         </dgm:presLayoutVars>
       </dgm:prSet>
       <dgm:spPr/>
-      <dgm:t>
-        <a:bodyPr/>
-        <a:lstStyle/>
-        <a:p>
-          <a:endParaRPr lang="ru-RU"/>
-        </a:p>
-      </dgm:t>
     </dgm:pt>
     <dgm:pt modelId="{A95987E4-1E09-47F4-818D-61FCF22EA304}" type="pres">
       <dgm:prSet presAssocID="{83C34117-5989-4AB6-9190-294A6E7CAFE6}" presName="Name13" presStyleLbl="parChTrans1D2" presStyleIdx="1" presStyleCnt="4"/>
       <dgm:spPr/>
-      <dgm:t>
-        <a:bodyPr/>
-        <a:lstStyle/>
-        <a:p>
-          <a:endParaRPr lang="ru-RU"/>
-        </a:p>
-      </dgm:t>
     </dgm:pt>
     <dgm:pt modelId="{AF7B4ADA-0B7F-410D-8FB4-FFABE0DAD0D7}" type="pres">
       <dgm:prSet presAssocID="{EE0DFAAC-5A62-4ED8-B612-3AA5DC383093}" presName="childText" presStyleLbl="bgAcc1" presStyleIdx="1" presStyleCnt="4" custScaleX="521924" custScaleY="123862">
@@ -9250,79 +8513,30 @@
         </dgm:presLayoutVars>
       </dgm:prSet>
       <dgm:spPr/>
-      <dgm:t>
-        <a:bodyPr/>
-        <a:lstStyle/>
-        <a:p>
-          <a:endParaRPr lang="ru-RU"/>
-        </a:p>
-      </dgm:t>
     </dgm:pt>
     <dgm:pt modelId="{E1B3FE26-C7F1-40F1-8C91-5637E1BFFE04}" type="pres">
       <dgm:prSet presAssocID="{0608BFA7-546A-4CF3-8009-3600A672D044}" presName="root" presStyleCnt="0"/>
       <dgm:spPr/>
-      <dgm:t>
-        <a:bodyPr/>
-        <a:lstStyle/>
-        <a:p>
-          <a:endParaRPr lang="ru-RU"/>
-        </a:p>
-      </dgm:t>
     </dgm:pt>
     <dgm:pt modelId="{9F62F3DF-6AD6-4194-A466-E7F4043FC817}" type="pres">
       <dgm:prSet presAssocID="{0608BFA7-546A-4CF3-8009-3600A672D044}" presName="rootComposite" presStyleCnt="0"/>
       <dgm:spPr/>
-      <dgm:t>
-        <a:bodyPr/>
-        <a:lstStyle/>
-        <a:p>
-          <a:endParaRPr lang="ru-RU"/>
-        </a:p>
-      </dgm:t>
     </dgm:pt>
     <dgm:pt modelId="{4C89AFA7-F26A-4743-AD14-61CA329241AC}" type="pres">
       <dgm:prSet presAssocID="{0608BFA7-546A-4CF3-8009-3600A672D044}" presName="rootText" presStyleLbl="node1" presStyleIdx="1" presStyleCnt="2" custScaleX="534523"/>
       <dgm:spPr/>
-      <dgm:t>
-        <a:bodyPr/>
-        <a:lstStyle/>
-        <a:p>
-          <a:endParaRPr lang="ru-RU"/>
-        </a:p>
-      </dgm:t>
     </dgm:pt>
     <dgm:pt modelId="{E20CD2B4-896C-49C9-999B-87A2063D2FD2}" type="pres">
       <dgm:prSet presAssocID="{0608BFA7-546A-4CF3-8009-3600A672D044}" presName="rootConnector" presStyleLbl="node1" presStyleIdx="1" presStyleCnt="2"/>
       <dgm:spPr/>
-      <dgm:t>
-        <a:bodyPr/>
-        <a:lstStyle/>
-        <a:p>
-          <a:endParaRPr lang="ru-RU"/>
-        </a:p>
-      </dgm:t>
     </dgm:pt>
     <dgm:pt modelId="{63A27C28-1034-4635-BD44-8CCE9E5421E2}" type="pres">
       <dgm:prSet presAssocID="{0608BFA7-546A-4CF3-8009-3600A672D044}" presName="childShape" presStyleCnt="0"/>
       <dgm:spPr/>
-      <dgm:t>
-        <a:bodyPr/>
-        <a:lstStyle/>
-        <a:p>
-          <a:endParaRPr lang="ru-RU"/>
-        </a:p>
-      </dgm:t>
     </dgm:pt>
     <dgm:pt modelId="{F4119F7C-9096-42B4-9EA4-97AAE22CF2C5}" type="pres">
       <dgm:prSet presAssocID="{CFDACBEE-4D40-45CC-8127-242B04675DB1}" presName="Name13" presStyleLbl="parChTrans1D2" presStyleIdx="2" presStyleCnt="4"/>
       <dgm:spPr/>
-      <dgm:t>
-        <a:bodyPr/>
-        <a:lstStyle/>
-        <a:p>
-          <a:endParaRPr lang="ru-RU"/>
-        </a:p>
-      </dgm:t>
     </dgm:pt>
     <dgm:pt modelId="{F9DB4D29-4244-435C-85B4-B866B31F1410}" type="pres">
       <dgm:prSet presAssocID="{7722B5AD-B946-4ED0-BA15-3D792EC09303}" presName="childText" presStyleLbl="bgAcc1" presStyleIdx="2" presStyleCnt="4" custScaleX="521924" custScaleY="123862">
@@ -9331,24 +8545,10 @@
         </dgm:presLayoutVars>
       </dgm:prSet>
       <dgm:spPr/>
-      <dgm:t>
-        <a:bodyPr/>
-        <a:lstStyle/>
-        <a:p>
-          <a:endParaRPr lang="ru-RU"/>
-        </a:p>
-      </dgm:t>
     </dgm:pt>
     <dgm:pt modelId="{6F8EC973-2E21-432C-9D2E-DA333D8DDB44}" type="pres">
       <dgm:prSet presAssocID="{1F265768-5D48-46A7-857A-4AECA5182E22}" presName="Name13" presStyleLbl="parChTrans1D2" presStyleIdx="3" presStyleCnt="4"/>
       <dgm:spPr/>
-      <dgm:t>
-        <a:bodyPr/>
-        <a:lstStyle/>
-        <a:p>
-          <a:endParaRPr lang="ru-RU"/>
-        </a:p>
-      </dgm:t>
     </dgm:pt>
     <dgm:pt modelId="{3D4DFE44-5669-4C29-8ADB-A6789EA566FF}" type="pres">
       <dgm:prSet presAssocID="{46A17209-CAC3-49E0-84E7-5B5553101876}" presName="childText" presStyleLbl="bgAcc1" presStyleIdx="3" presStyleCnt="4" custScaleX="521924" custScaleY="123862">
@@ -9357,34 +8557,27 @@
         </dgm:presLayoutVars>
       </dgm:prSet>
       <dgm:spPr/>
-      <dgm:t>
-        <a:bodyPr/>
-        <a:lstStyle/>
-        <a:p>
-          <a:endParaRPr lang="ru-RU"/>
-        </a:p>
-      </dgm:t>
     </dgm:pt>
   </dgm:ptLst>
   <dgm:cxnLst>
     <dgm:cxn modelId="{C228DF0B-6E52-43B3-B3F3-18DB4797E071}" type="presOf" srcId="{0608BFA7-546A-4CF3-8009-3600A672D044}" destId="{4C89AFA7-F26A-4743-AD14-61CA329241AC}" srcOrd="0" destOrd="0" presId="urn:microsoft.com/office/officeart/2005/8/layout/hierarchy3"/>
+    <dgm:cxn modelId="{58C65011-D78E-4120-8002-6288363B2F3F}" type="presOf" srcId="{CFDACBEE-4D40-45CC-8127-242B04675DB1}" destId="{F4119F7C-9096-42B4-9EA4-97AAE22CF2C5}" srcOrd="0" destOrd="0" presId="urn:microsoft.com/office/officeart/2005/8/layout/hierarchy3"/>
+    <dgm:cxn modelId="{77796425-4B9A-44F3-A470-1F9A9710903A}" type="presOf" srcId="{EE0DFAAC-5A62-4ED8-B612-3AA5DC383093}" destId="{AF7B4ADA-0B7F-410D-8FB4-FFABE0DAD0D7}" srcOrd="0" destOrd="0" presId="urn:microsoft.com/office/officeart/2005/8/layout/hierarchy3"/>
+    <dgm:cxn modelId="{387C3E33-8339-4EBB-AA8B-A87A1532EA3F}" type="presOf" srcId="{1DE56A76-4993-4887-8460-65FA8A5AA490}" destId="{E97F6A05-7D7E-42CF-A025-783C256FF1A4}" srcOrd="0" destOrd="0" presId="urn:microsoft.com/office/officeart/2005/8/layout/hierarchy3"/>
     <dgm:cxn modelId="{64DF5438-1D1C-4814-95AD-CA150E3365B7}" srcId="{1541EFDC-C611-4AC2-A1FD-56152CDEF0F8}" destId="{B0EF90B9-B7AC-41F4-A8E4-2C416D7BC666}" srcOrd="0" destOrd="0" parTransId="{1DE56A76-4993-4887-8460-65FA8A5AA490}" sibTransId="{63BC5514-881D-4F68-B769-8E8A73172FBF}"/>
+    <dgm:cxn modelId="{4CAF4C3F-0E94-4192-8C29-0BADADD6E744}" type="presOf" srcId="{1F265768-5D48-46A7-857A-4AECA5182E22}" destId="{6F8EC973-2E21-432C-9D2E-DA333D8DDB44}" srcOrd="0" destOrd="0" presId="urn:microsoft.com/office/officeart/2005/8/layout/hierarchy3"/>
+    <dgm:cxn modelId="{1FE07060-22DD-414B-8FD5-11F37EBCC88B}" type="presOf" srcId="{7722B5AD-B946-4ED0-BA15-3D792EC09303}" destId="{F9DB4D29-4244-435C-85B4-B866B31F1410}" srcOrd="0" destOrd="0" presId="urn:microsoft.com/office/officeart/2005/8/layout/hierarchy3"/>
+    <dgm:cxn modelId="{819A2D45-8D97-4FD4-97A0-91D248AB135D}" srcId="{1541EFDC-C611-4AC2-A1FD-56152CDEF0F8}" destId="{EE0DFAAC-5A62-4ED8-B612-3AA5DC383093}" srcOrd="1" destOrd="0" parTransId="{83C34117-5989-4AB6-9190-294A6E7CAFE6}" sibTransId="{7F513EC4-F831-48AD-B7D9-51BFDCA8999E}"/>
+    <dgm:cxn modelId="{B92B0A67-64E1-4E81-A4C7-B554261A2E6E}" type="presOf" srcId="{0608BFA7-546A-4CF3-8009-3600A672D044}" destId="{E20CD2B4-896C-49C9-999B-87A2063D2FD2}" srcOrd="1" destOrd="0" presId="urn:microsoft.com/office/officeart/2005/8/layout/hierarchy3"/>
+    <dgm:cxn modelId="{563DCD4A-701F-45CD-ABF4-BF0DE122D105}" type="presOf" srcId="{1541EFDC-C611-4AC2-A1FD-56152CDEF0F8}" destId="{44119F6D-007C-4223-AF07-678E9D68AA61}" srcOrd="0" destOrd="0" presId="urn:microsoft.com/office/officeart/2005/8/layout/hierarchy3"/>
+    <dgm:cxn modelId="{66C77582-992E-4612-89D3-CAAF08E2D92F}" srcId="{1FBAAE81-7E69-4AE2-B4B2-47511EA554A0}" destId="{1541EFDC-C611-4AC2-A1FD-56152CDEF0F8}" srcOrd="0" destOrd="0" parTransId="{8B0DF067-769D-4CC8-8423-3739B10A62D9}" sibTransId="{ABB71E48-6B30-4A1D-8EF9-A2791E953CCA}"/>
+    <dgm:cxn modelId="{68E6418B-2216-425F-8546-B8B27D86FD89}" srcId="{1FBAAE81-7E69-4AE2-B4B2-47511EA554A0}" destId="{0608BFA7-546A-4CF3-8009-3600A672D044}" srcOrd="1" destOrd="0" parTransId="{9D4E72F0-76A6-48A7-9FCA-4491CBECE334}" sibTransId="{396C8332-91F9-420D-B511-C3A9CA02F970}"/>
+    <dgm:cxn modelId="{D6D79C96-27B3-4940-B514-009D01ED28B9}" srcId="{0608BFA7-546A-4CF3-8009-3600A672D044}" destId="{7722B5AD-B946-4ED0-BA15-3D792EC09303}" srcOrd="0" destOrd="0" parTransId="{CFDACBEE-4D40-45CC-8127-242B04675DB1}" sibTransId="{ACC3B016-9AAE-4C02-991B-253EFCE7337D}"/>
+    <dgm:cxn modelId="{A8E3A996-4D8C-4884-A9E8-90A4A6460697}" type="presOf" srcId="{83C34117-5989-4AB6-9190-294A6E7CAFE6}" destId="{A95987E4-1E09-47F4-818D-61FCF22EA304}" srcOrd="0" destOrd="0" presId="urn:microsoft.com/office/officeart/2005/8/layout/hierarchy3"/>
+    <dgm:cxn modelId="{4273F398-5E04-4CAB-9EB6-9FEF1B0E9597}" type="presOf" srcId="{46A17209-CAC3-49E0-84E7-5B5553101876}" destId="{3D4DFE44-5669-4C29-8ADB-A6789EA566FF}" srcOrd="0" destOrd="0" presId="urn:microsoft.com/office/officeart/2005/8/layout/hierarchy3"/>
     <dgm:cxn modelId="{42457FA5-9E0D-4576-A69E-436F53B032D6}" type="presOf" srcId="{B0EF90B9-B7AC-41F4-A8E4-2C416D7BC666}" destId="{997AEA4A-0E44-40E5-A385-7D114752559D}" srcOrd="0" destOrd="0" presId="urn:microsoft.com/office/officeart/2005/8/layout/hierarchy3"/>
+    <dgm:cxn modelId="{F31815BE-BD06-4356-B6C6-475592D9F77B}" srcId="{0608BFA7-546A-4CF3-8009-3600A672D044}" destId="{46A17209-CAC3-49E0-84E7-5B5553101876}" srcOrd="1" destOrd="0" parTransId="{1F265768-5D48-46A7-857A-4AECA5182E22}" sibTransId="{045B69BB-E537-4AA1-80FB-96C4F06BF516}"/>
     <dgm:cxn modelId="{F7F125C1-C9E8-4D2B-9EDC-CAF4DC418F76}" type="presOf" srcId="{1541EFDC-C611-4AC2-A1FD-56152CDEF0F8}" destId="{812225CE-28B7-4D35-8E4E-D8FC9364D1F9}" srcOrd="1" destOrd="0" presId="urn:microsoft.com/office/officeart/2005/8/layout/hierarchy3"/>
-    <dgm:cxn modelId="{A8E3A996-4D8C-4884-A9E8-90A4A6460697}" type="presOf" srcId="{83C34117-5989-4AB6-9190-294A6E7CAFE6}" destId="{A95987E4-1E09-47F4-818D-61FCF22EA304}" srcOrd="0" destOrd="0" presId="urn:microsoft.com/office/officeart/2005/8/layout/hierarchy3"/>
-    <dgm:cxn modelId="{F31815BE-BD06-4356-B6C6-475592D9F77B}" srcId="{0608BFA7-546A-4CF3-8009-3600A672D044}" destId="{46A17209-CAC3-49E0-84E7-5B5553101876}" srcOrd="1" destOrd="0" parTransId="{1F265768-5D48-46A7-857A-4AECA5182E22}" sibTransId="{045B69BB-E537-4AA1-80FB-96C4F06BF516}"/>
-    <dgm:cxn modelId="{B92B0A67-64E1-4E81-A4C7-B554261A2E6E}" type="presOf" srcId="{0608BFA7-546A-4CF3-8009-3600A672D044}" destId="{E20CD2B4-896C-49C9-999B-87A2063D2FD2}" srcOrd="1" destOrd="0" presId="urn:microsoft.com/office/officeart/2005/8/layout/hierarchy3"/>
-    <dgm:cxn modelId="{4CAF4C3F-0E94-4192-8C29-0BADADD6E744}" type="presOf" srcId="{1F265768-5D48-46A7-857A-4AECA5182E22}" destId="{6F8EC973-2E21-432C-9D2E-DA333D8DDB44}" srcOrd="0" destOrd="0" presId="urn:microsoft.com/office/officeart/2005/8/layout/hierarchy3"/>
-    <dgm:cxn modelId="{D6D79C96-27B3-4940-B514-009D01ED28B9}" srcId="{0608BFA7-546A-4CF3-8009-3600A672D044}" destId="{7722B5AD-B946-4ED0-BA15-3D792EC09303}" srcOrd="0" destOrd="0" parTransId="{CFDACBEE-4D40-45CC-8127-242B04675DB1}" sibTransId="{ACC3B016-9AAE-4C02-991B-253EFCE7337D}"/>
-    <dgm:cxn modelId="{4273F398-5E04-4CAB-9EB6-9FEF1B0E9597}" type="presOf" srcId="{46A17209-CAC3-49E0-84E7-5B5553101876}" destId="{3D4DFE44-5669-4C29-8ADB-A6789EA566FF}" srcOrd="0" destOrd="0" presId="urn:microsoft.com/office/officeart/2005/8/layout/hierarchy3"/>
-    <dgm:cxn modelId="{68E6418B-2216-425F-8546-B8B27D86FD89}" srcId="{1FBAAE81-7E69-4AE2-B4B2-47511EA554A0}" destId="{0608BFA7-546A-4CF3-8009-3600A672D044}" srcOrd="1" destOrd="0" parTransId="{9D4E72F0-76A6-48A7-9FCA-4491CBECE334}" sibTransId="{396C8332-91F9-420D-B511-C3A9CA02F970}"/>
-    <dgm:cxn modelId="{819A2D45-8D97-4FD4-97A0-91D248AB135D}" srcId="{1541EFDC-C611-4AC2-A1FD-56152CDEF0F8}" destId="{EE0DFAAC-5A62-4ED8-B612-3AA5DC383093}" srcOrd="1" destOrd="0" parTransId="{83C34117-5989-4AB6-9190-294A6E7CAFE6}" sibTransId="{7F513EC4-F831-48AD-B7D9-51BFDCA8999E}"/>
-    <dgm:cxn modelId="{387C3E33-8339-4EBB-AA8B-A87A1532EA3F}" type="presOf" srcId="{1DE56A76-4993-4887-8460-65FA8A5AA490}" destId="{E97F6A05-7D7E-42CF-A025-783C256FF1A4}" srcOrd="0" destOrd="0" presId="urn:microsoft.com/office/officeart/2005/8/layout/hierarchy3"/>
-    <dgm:cxn modelId="{66C77582-992E-4612-89D3-CAAF08E2D92F}" srcId="{1FBAAE81-7E69-4AE2-B4B2-47511EA554A0}" destId="{1541EFDC-C611-4AC2-A1FD-56152CDEF0F8}" srcOrd="0" destOrd="0" parTransId="{8B0DF067-769D-4CC8-8423-3739B10A62D9}" sibTransId="{ABB71E48-6B30-4A1D-8EF9-A2791E953CCA}"/>
-    <dgm:cxn modelId="{1FE07060-22DD-414B-8FD5-11F37EBCC88B}" type="presOf" srcId="{7722B5AD-B946-4ED0-BA15-3D792EC09303}" destId="{F9DB4D29-4244-435C-85B4-B866B31F1410}" srcOrd="0" destOrd="0" presId="urn:microsoft.com/office/officeart/2005/8/layout/hierarchy3"/>
-    <dgm:cxn modelId="{77796425-4B9A-44F3-A470-1F9A9710903A}" type="presOf" srcId="{EE0DFAAC-5A62-4ED8-B612-3AA5DC383093}" destId="{AF7B4ADA-0B7F-410D-8FB4-FFABE0DAD0D7}" srcOrd="0" destOrd="0" presId="urn:microsoft.com/office/officeart/2005/8/layout/hierarchy3"/>
-    <dgm:cxn modelId="{563DCD4A-701F-45CD-ABF4-BF0DE122D105}" type="presOf" srcId="{1541EFDC-C611-4AC2-A1FD-56152CDEF0F8}" destId="{44119F6D-007C-4223-AF07-678E9D68AA61}" srcOrd="0" destOrd="0" presId="urn:microsoft.com/office/officeart/2005/8/layout/hierarchy3"/>
-    <dgm:cxn modelId="{58C65011-D78E-4120-8002-6288363B2F3F}" type="presOf" srcId="{CFDACBEE-4D40-45CC-8127-242B04675DB1}" destId="{F4119F7C-9096-42B4-9EA4-97AAE22CF2C5}" srcOrd="0" destOrd="0" presId="urn:microsoft.com/office/officeart/2005/8/layout/hierarchy3"/>
     <dgm:cxn modelId="{7EC327F5-DA58-4B28-AB44-CED1E18D09C1}" type="presOf" srcId="{1FBAAE81-7E69-4AE2-B4B2-47511EA554A0}" destId="{6D02269B-5E4A-4628-9EAD-36D338D56642}" srcOrd="0" destOrd="0" presId="urn:microsoft.com/office/officeart/2005/8/layout/hierarchy3"/>
     <dgm:cxn modelId="{E311E061-64C7-49A8-A550-3B5A5A87240F}" type="presParOf" srcId="{6D02269B-5E4A-4628-9EAD-36D338D56642}" destId="{F46B08BF-CB8D-4EF0-8878-757AE4C78038}" srcOrd="0" destOrd="0" presId="urn:microsoft.com/office/officeart/2005/8/layout/hierarchy3"/>
     <dgm:cxn modelId="{32F8C7AF-8618-4CCD-9AC5-1C6A527789E7}" type="presParOf" srcId="{F46B08BF-CB8D-4EF0-8878-757AE4C78038}" destId="{B0F025CD-1027-4698-8D14-D5EEE42F339D}" srcOrd="0" destOrd="0" presId="urn:microsoft.com/office/officeart/2005/8/layout/hierarchy3"/>
@@ -9519,7 +8712,7 @@
         </a:bodyPr>
         <a:lstStyle/>
         <a:p>
-          <a:pPr lvl="0" algn="ctr" defTabSz="2667000">
+          <a:pPr marL="0" lvl="0" indent="0" algn="ctr" defTabSz="2667000">
             <a:lnSpc>
               <a:spcPct val="90000"/>
             </a:lnSpc>
@@ -9529,9 +8722,10 @@
             <a:spcAft>
               <a:spcPct val="35000"/>
             </a:spcAft>
+            <a:buNone/>
           </a:pPr>
           <a:r>
-            <a:rPr lang="ru-RU" sz="6000" kern="1200" dirty="0" smtClean="0">
+            <a:rPr lang="ru-RU" sz="6000" kern="1200" dirty="0">
               <a:solidFill>
                 <a:schemeClr val="tx1"/>
               </a:solidFill>
@@ -9539,12 +8733,6 @@
             </a:rPr>
             <a:t>Цель</a:t>
           </a:r>
-          <a:endParaRPr lang="ru-RU" sz="6000" kern="1200" dirty="0">
-            <a:solidFill>
-              <a:schemeClr val="tx1"/>
-            </a:solidFill>
-            <a:latin typeface="+mj-lt"/>
-          </a:endParaRPr>
         </a:p>
       </dsp:txBody>
       <dsp:txXfrm>
@@ -9629,7 +8817,7 @@
         </a:bodyPr>
         <a:lstStyle/>
         <a:p>
-          <a:pPr lvl="0" algn="ctr" defTabSz="1600200">
+          <a:pPr marL="0" lvl="0" indent="0" algn="ctr" defTabSz="1600200">
             <a:lnSpc>
               <a:spcPct val="100000"/>
             </a:lnSpc>
@@ -9639,14 +8827,15 @@
             <a:spcAft>
               <a:spcPts val="0"/>
             </a:spcAft>
+            <a:buNone/>
           </a:pPr>
           <a:r>
-            <a:rPr lang="ru-RU" sz="3600" kern="1200" dirty="0" smtClean="0"/>
+            <a:rPr lang="ru-RU" sz="3600" kern="1200" dirty="0"/>
             <a:t>Разработать приложение </a:t>
           </a:r>
         </a:p>
         <a:p>
-          <a:pPr lvl="0" algn="ctr" defTabSz="1600200">
+          <a:pPr marL="0" lvl="0" indent="0" algn="ctr" defTabSz="1600200">
             <a:lnSpc>
               <a:spcPct val="90000"/>
             </a:lnSpc>
@@ -9656,9 +8845,10 @@
             <a:spcAft>
               <a:spcPct val="35000"/>
             </a:spcAft>
+            <a:buNone/>
           </a:pPr>
           <a:r>
-            <a:rPr lang="ru-RU" sz="3600" kern="1200" dirty="0" smtClean="0"/>
+            <a:rPr lang="ru-RU" sz="3600" kern="1200" dirty="0"/>
             <a:t>для обмена данными с роботом</a:t>
           </a:r>
           <a:endParaRPr lang="ru-RU" sz="3600" kern="1200" dirty="0">
@@ -9781,7 +8971,7 @@
         </a:bodyPr>
         <a:lstStyle/>
         <a:p>
-          <a:pPr lvl="0" algn="ctr" defTabSz="1333500">
+          <a:pPr marL="0" lvl="0" indent="0" algn="ctr" defTabSz="1333500">
             <a:lnSpc>
               <a:spcPct val="90000"/>
             </a:lnSpc>
@@ -9791,9 +8981,10 @@
             <a:spcAft>
               <a:spcPct val="35000"/>
             </a:spcAft>
+            <a:buNone/>
           </a:pPr>
           <a:r>
-            <a:rPr lang="ru-RU" sz="3000" kern="1200" dirty="0" smtClean="0">
+            <a:rPr lang="ru-RU" sz="3000" kern="1200" dirty="0">
               <a:solidFill>
                 <a:schemeClr val="bg1"/>
               </a:solidFill>
@@ -9801,12 +8992,6 @@
             </a:rPr>
             <a:t>Задачи</a:t>
           </a:r>
-          <a:endParaRPr lang="ru-RU" sz="3000" kern="1200" dirty="0">
-            <a:solidFill>
-              <a:schemeClr val="bg1"/>
-            </a:solidFill>
-            <a:latin typeface="+mj-lt"/>
-          </a:endParaRPr>
         </a:p>
       </dsp:txBody>
       <dsp:txXfrm>
@@ -9952,7 +9137,7 @@
         </a:bodyPr>
         <a:lstStyle/>
         <a:p>
-          <a:pPr lvl="0" algn="l" defTabSz="889000">
+          <a:pPr marL="0" lvl="0" indent="0" algn="l" defTabSz="889000">
             <a:lnSpc>
               <a:spcPct val="90000"/>
             </a:lnSpc>
@@ -9962,16 +9147,14 @@
             <a:spcAft>
               <a:spcPct val="35000"/>
             </a:spcAft>
+            <a:buNone/>
           </a:pPr>
           <a:r>
-            <a:rPr lang="ru-RU" sz="2000" kern="1200" dirty="0" smtClean="0">
+            <a:rPr lang="ru-RU" sz="2000" kern="1200" dirty="0">
               <a:latin typeface="+mj-lt"/>
             </a:rPr>
             <a:t>Определить необходимый функционал приложения</a:t>
           </a:r>
-          <a:endParaRPr lang="ru-RU" sz="2000" kern="1200" dirty="0">
-            <a:latin typeface="+mj-lt"/>
-          </a:endParaRPr>
         </a:p>
       </dsp:txBody>
       <dsp:txXfrm>
@@ -10117,7 +9300,7 @@
         </a:bodyPr>
         <a:lstStyle/>
         <a:p>
-          <a:pPr lvl="0" algn="l" defTabSz="889000">
+          <a:pPr marL="0" lvl="0" indent="0" algn="l" defTabSz="889000">
             <a:lnSpc>
               <a:spcPct val="90000"/>
             </a:lnSpc>
@@ -10127,15 +9310,16 @@
             <a:spcAft>
               <a:spcPct val="35000"/>
             </a:spcAft>
+            <a:buNone/>
           </a:pPr>
           <a:r>
-            <a:rPr lang="ru-RU" sz="2000" kern="1200" dirty="0" smtClean="0">
+            <a:rPr lang="ru-RU" sz="2000" kern="1200" dirty="0">
               <a:latin typeface="+mj-lt"/>
             </a:rPr>
             <a:t>Подготовить</a:t>
           </a:r>
           <a:r>
-            <a:rPr lang="ru-RU" sz="2000" kern="1200" baseline="0" dirty="0" smtClean="0">
+            <a:rPr lang="ru-RU" sz="2000" kern="1200" baseline="0" dirty="0">
               <a:latin typeface="+mj-lt"/>
             </a:rPr>
             <a:t> структуру приложения</a:t>
@@ -10288,7 +9472,7 @@
         </a:bodyPr>
         <a:lstStyle/>
         <a:p>
-          <a:pPr lvl="0" algn="l" defTabSz="889000">
+          <a:pPr marL="0" lvl="0" indent="0" algn="l" defTabSz="889000">
             <a:lnSpc>
               <a:spcPct val="90000"/>
             </a:lnSpc>
@@ -10298,9 +9482,10 @@
             <a:spcAft>
               <a:spcPct val="35000"/>
             </a:spcAft>
+            <a:buNone/>
           </a:pPr>
           <a:r>
-            <a:rPr lang="ru-RU" sz="2000" kern="1200" dirty="0" smtClean="0">
+            <a:rPr lang="ru-RU" sz="2000" kern="1200" dirty="0">
               <a:solidFill>
                 <a:schemeClr val="tx1"/>
               </a:solidFill>
@@ -10309,7 +9494,7 @@
             <a:t>Подготовить</a:t>
           </a:r>
           <a:r>
-            <a:rPr lang="en-US" sz="2000" kern="1200" dirty="0" smtClean="0">
+            <a:rPr lang="en-US" sz="2000" kern="1200" dirty="0">
               <a:solidFill>
                 <a:schemeClr val="tx1"/>
               </a:solidFill>
@@ -10318,7 +9503,7 @@
             <a:t> UI-</a:t>
           </a:r>
           <a:r>
-            <a:rPr lang="ru-RU" sz="2000" kern="1200" dirty="0" smtClean="0">
+            <a:rPr lang="ru-RU" sz="2000" kern="1200" dirty="0">
               <a:solidFill>
                 <a:schemeClr val="tx1"/>
               </a:solidFill>
@@ -10326,12 +9511,6 @@
             </a:rPr>
             <a:t>шаблоны окон</a:t>
           </a:r>
-          <a:endParaRPr lang="ru-RU" sz="2000" kern="1200" dirty="0">
-            <a:solidFill>
-              <a:schemeClr val="tx1"/>
-            </a:solidFill>
-            <a:latin typeface="+mj-lt"/>
-          </a:endParaRPr>
         </a:p>
       </dsp:txBody>
       <dsp:txXfrm>
@@ -10477,7 +9656,7 @@
         </a:bodyPr>
         <a:lstStyle/>
         <a:p>
-          <a:pPr lvl="0" algn="l" defTabSz="889000">
+          <a:pPr marL="0" lvl="0" indent="0" algn="l" defTabSz="889000">
             <a:lnSpc>
               <a:spcPct val="90000"/>
             </a:lnSpc>
@@ -10487,39 +9666,40 @@
             <a:spcAft>
               <a:spcPct val="35000"/>
             </a:spcAft>
+            <a:buNone/>
           </a:pPr>
           <a:r>
-            <a:rPr lang="ru-RU" sz="2000" kern="1200" dirty="0" smtClean="0">
+            <a:rPr lang="ru-RU" sz="2000" kern="1200" dirty="0">
               <a:latin typeface="+mj-lt"/>
             </a:rPr>
             <a:t>Создать классы для реализации окон</a:t>
           </a:r>
           <a:r>
-            <a:rPr lang="en-US" sz="2000" kern="1200" dirty="0" smtClean="0">
+            <a:rPr lang="en-US" sz="2000" kern="1200" dirty="0">
               <a:latin typeface="+mj-lt"/>
             </a:rPr>
             <a:t>,</a:t>
           </a:r>
           <a:r>
-            <a:rPr lang="ru-RU" sz="2000" kern="1200" dirty="0" smtClean="0">
+            <a:rPr lang="ru-RU" sz="2000" kern="1200" dirty="0">
               <a:latin typeface="+mj-lt"/>
             </a:rPr>
             <a:t> карты</a:t>
           </a:r>
           <a:r>
-            <a:rPr lang="en-US" sz="2000" kern="1200" dirty="0" smtClean="0">
+            <a:rPr lang="en-US" sz="2000" kern="1200" dirty="0">
               <a:latin typeface="+mj-lt"/>
             </a:rPr>
             <a:t> </a:t>
           </a:r>
           <a:r>
-            <a:rPr lang="ru-RU" sz="2000" kern="1200" dirty="0" smtClean="0">
+            <a:rPr lang="ru-RU" sz="2000" kern="1200" dirty="0">
               <a:latin typeface="+mj-lt"/>
             </a:rPr>
             <a:t>и </a:t>
           </a:r>
           <a:r>
-            <a:rPr lang="en-US" sz="2000" kern="1200" dirty="0" err="1" smtClean="0">
+            <a:rPr lang="en-US" sz="2000" kern="1200" dirty="0" err="1">
               <a:latin typeface="+mj-lt"/>
             </a:rPr>
             <a:t>bluetooth</a:t>
@@ -10672,7 +9852,7 @@
         </a:bodyPr>
         <a:lstStyle/>
         <a:p>
-          <a:pPr lvl="0" algn="l" defTabSz="889000">
+          <a:pPr marL="0" lvl="0" indent="0" algn="l" defTabSz="889000">
             <a:lnSpc>
               <a:spcPct val="90000"/>
             </a:lnSpc>
@@ -10682,40 +9862,38 @@
             <a:spcAft>
               <a:spcPct val="35000"/>
             </a:spcAft>
+            <a:buNone/>
           </a:pPr>
           <a:r>
-            <a:rPr lang="ru-RU" sz="2000" kern="1200" dirty="0" smtClean="0">
+            <a:rPr lang="ru-RU" sz="2000" kern="1200" dirty="0">
               <a:latin typeface="+mj-lt"/>
             </a:rPr>
             <a:t>Разработать код</a:t>
           </a:r>
           <a:r>
-            <a:rPr lang="en-US" sz="2000" kern="1200" dirty="0" smtClean="0">
+            <a:rPr lang="en-US" sz="2000" kern="1200" dirty="0">
               <a:latin typeface="+mj-lt"/>
             </a:rPr>
             <a:t> HTML</a:t>
           </a:r>
           <a:r>
-            <a:rPr lang="ru-RU" sz="2000" kern="1200" dirty="0" smtClean="0">
+            <a:rPr lang="ru-RU" sz="2000" kern="1200" dirty="0">
               <a:latin typeface="+mj-lt"/>
             </a:rPr>
             <a:t> и </a:t>
           </a:r>
           <a:r>
-            <a:rPr lang="en-US" sz="2000" kern="1200" dirty="0" smtClean="0">
+            <a:rPr lang="en-US" sz="2000" kern="1200" dirty="0">
               <a:latin typeface="+mj-lt"/>
             </a:rPr>
             <a:t>JavaScript </a:t>
           </a:r>
           <a:r>
-            <a:rPr lang="ru-RU" sz="2000" kern="1200" dirty="0" smtClean="0">
+            <a:rPr lang="ru-RU" sz="2000" kern="1200" dirty="0">
               <a:latin typeface="+mj-lt"/>
             </a:rPr>
             <a:t>для реализации Яндекс Карты </a:t>
           </a:r>
-          <a:endParaRPr lang="ru-RU" sz="2000" kern="1200" dirty="0">
-            <a:latin typeface="+mj-lt"/>
-          </a:endParaRPr>
         </a:p>
       </dsp:txBody>
       <dsp:txXfrm>
@@ -10861,7 +10039,7 @@
         </a:bodyPr>
         <a:lstStyle/>
         <a:p>
-          <a:pPr lvl="0" algn="l" defTabSz="889000">
+          <a:pPr marL="0" lvl="0" indent="0" algn="l" defTabSz="889000">
             <a:lnSpc>
               <a:spcPct val="90000"/>
             </a:lnSpc>
@@ -10871,15 +10049,16 @@
             <a:spcAft>
               <a:spcPct val="35000"/>
             </a:spcAft>
+            <a:buNone/>
           </a:pPr>
           <a:r>
-            <a:rPr lang="ru-RU" sz="2000" kern="1200" dirty="0" smtClean="0">
+            <a:rPr lang="ru-RU" sz="2000" kern="1200" dirty="0">
               <a:latin typeface="+mj-lt"/>
             </a:rPr>
             <a:t>Протестировать</a:t>
           </a:r>
           <a:r>
-            <a:rPr lang="ru-RU" sz="2000" kern="1200" baseline="0" dirty="0" smtClean="0">
+            <a:rPr lang="ru-RU" sz="2000" kern="1200" baseline="0" dirty="0">
               <a:latin typeface="+mj-lt"/>
             </a:rPr>
             <a:t> работу приложения</a:t>
@@ -10992,7 +10171,7 @@
         </a:bodyPr>
         <a:lstStyle/>
         <a:p>
-          <a:pPr lvl="0" algn="ctr" defTabSz="1333500">
+          <a:pPr marL="0" lvl="0" indent="0" algn="ctr" defTabSz="1333500">
             <a:lnSpc>
               <a:spcPct val="90000"/>
             </a:lnSpc>
@@ -11002,9 +10181,10 @@
             <a:spcAft>
               <a:spcPct val="35000"/>
             </a:spcAft>
+            <a:buNone/>
           </a:pPr>
           <a:r>
-            <a:rPr lang="ru-RU" sz="3000" kern="1200" dirty="0" smtClean="0">
+            <a:rPr lang="ru-RU" sz="3000" kern="1200" dirty="0">
               <a:solidFill>
                 <a:schemeClr val="bg1"/>
               </a:solidFill>
@@ -11012,12 +10192,6 @@
             </a:rPr>
             <a:t>Технологии</a:t>
           </a:r>
-          <a:endParaRPr lang="ru-RU" sz="3000" kern="1200" dirty="0">
-            <a:solidFill>
-              <a:schemeClr val="bg1"/>
-            </a:solidFill>
-            <a:latin typeface="+mj-lt"/>
-          </a:endParaRPr>
         </a:p>
       </dsp:txBody>
       <dsp:txXfrm>
@@ -11163,7 +10337,7 @@
         </a:bodyPr>
         <a:lstStyle/>
         <a:p>
-          <a:pPr lvl="0" algn="l" defTabSz="889000">
+          <a:pPr marL="0" lvl="0" indent="0" algn="l" defTabSz="889000">
             <a:lnSpc>
               <a:spcPct val="90000"/>
             </a:lnSpc>
@@ -11173,15 +10347,16 @@
             <a:spcAft>
               <a:spcPct val="35000"/>
             </a:spcAft>
+            <a:buNone/>
           </a:pPr>
           <a:r>
-            <a:rPr lang="ru-RU" sz="2000" kern="1200" dirty="0" smtClean="0">
+            <a:rPr lang="ru-RU" sz="2000" kern="1200" dirty="0">
               <a:latin typeface="+mj-lt"/>
             </a:rPr>
             <a:t>Язык программирования </a:t>
           </a:r>
           <a:r>
-            <a:rPr lang="en-US" sz="2000" kern="1200" dirty="0" smtClean="0">
+            <a:rPr lang="en-US" sz="2000" kern="1200" dirty="0">
               <a:latin typeface="+mj-lt"/>
             </a:rPr>
             <a:t>Python</a:t>
@@ -11334,7 +10509,7 @@
         </a:bodyPr>
         <a:lstStyle/>
         <a:p>
-          <a:pPr lvl="0" algn="l" defTabSz="889000">
+          <a:pPr marL="0" lvl="0" indent="0" algn="l" defTabSz="889000">
             <a:lnSpc>
               <a:spcPct val="90000"/>
             </a:lnSpc>
@@ -11344,69 +10519,58 @@
             <a:spcAft>
               <a:spcPct val="35000"/>
             </a:spcAft>
+            <a:buNone/>
           </a:pPr>
           <a:r>
-            <a:rPr lang="ru-RU" sz="2000" kern="1200" dirty="0" smtClean="0">
+            <a:rPr lang="ru-RU" sz="2000" kern="1200" dirty="0">
               <a:latin typeface="+mj-lt"/>
             </a:rPr>
             <a:t>Язык </a:t>
           </a:r>
           <a:r>
-            <a:rPr lang="en-US" sz="2000" kern="1200" dirty="0" smtClean="0">
+            <a:rPr lang="en-US" sz="2000" kern="1200" dirty="0">
               <a:latin typeface="+mj-lt"/>
             </a:rPr>
-            <a:t>HTML, </a:t>
+            <a:t>HTML, JavaScript </a:t>
           </a:r>
           <a:r>
-            <a:rPr lang="en-US" sz="2000" kern="1200" dirty="0" smtClean="0">
-              <a:latin typeface="+mj-lt"/>
-            </a:rPr>
-            <a:t>JavaScript </a:t>
-          </a:r>
-          <a:r>
-            <a:rPr lang="ru-RU" sz="2000" kern="1200" dirty="0" smtClean="0">
+            <a:rPr lang="ru-RU" sz="2000" kern="1200" dirty="0">
               <a:latin typeface="+mj-lt"/>
             </a:rPr>
             <a:t>и </a:t>
           </a:r>
           <a:r>
-            <a:rPr lang="en-US" sz="2000" kern="1200" dirty="0" smtClean="0">
+            <a:rPr lang="en-US" sz="2000" kern="1200" dirty="0">
               <a:latin typeface="+mj-lt"/>
             </a:rPr>
             <a:t>API </a:t>
           </a:r>
           <a:r>
-            <a:rPr lang="ru-RU" sz="2000" kern="1200" dirty="0" smtClean="0">
+            <a:rPr lang="ru-RU" sz="2000" kern="1200" dirty="0">
               <a:latin typeface="+mj-lt"/>
             </a:rPr>
-            <a:t>Яндекс </a:t>
+            <a:t>Яндекс Карт</a:t>
           </a:r>
           <a:r>
-            <a:rPr lang="ru-RU" sz="2000" kern="1200" dirty="0" smtClean="0">
-              <a:latin typeface="+mj-lt"/>
-            </a:rPr>
-            <a:t>Карт</a:t>
-          </a:r>
-          <a:r>
-            <a:rPr lang="en-US" sz="2000" kern="1200" dirty="0" smtClean="0">
+            <a:rPr lang="en-US" sz="2000" kern="1200" dirty="0">
               <a:latin typeface="+mj-lt"/>
             </a:rPr>
             <a:t>,</a:t>
           </a:r>
           <a:r>
-            <a:rPr lang="ru-RU" sz="2000" kern="1200" dirty="0" smtClean="0">
+            <a:rPr lang="ru-RU" sz="2000" kern="1200" dirty="0">
               <a:latin typeface="+mj-lt"/>
             </a:rPr>
             <a:t> библиотека </a:t>
           </a:r>
           <a:r>
-            <a:rPr lang="en-US" sz="2000" kern="1200" dirty="0" err="1" smtClean="0">
+            <a:rPr lang="en-US" sz="2000" kern="1200" dirty="0" err="1">
               <a:latin typeface="+mj-lt"/>
             </a:rPr>
             <a:t>Json</a:t>
           </a:r>
           <a:r>
-            <a:rPr lang="en-US" sz="2000" kern="1200" dirty="0" smtClean="0">
+            <a:rPr lang="en-US" sz="2000" kern="1200" dirty="0">
               <a:latin typeface="+mj-lt"/>
             </a:rPr>
             <a:t> </a:t>
@@ -11559,7 +10723,7 @@
         </a:bodyPr>
         <a:lstStyle/>
         <a:p>
-          <a:pPr lvl="0" algn="l" defTabSz="889000">
+          <a:pPr marL="0" lvl="0" indent="0" algn="l" defTabSz="889000">
             <a:lnSpc>
               <a:spcPct val="90000"/>
             </a:lnSpc>
@@ -11569,27 +10733,28 @@
             <a:spcAft>
               <a:spcPct val="35000"/>
             </a:spcAft>
+            <a:buNone/>
           </a:pPr>
           <a:r>
-            <a:rPr lang="ru-RU" sz="2000" kern="1200" dirty="0" smtClean="0">
+            <a:rPr lang="ru-RU" sz="2000" kern="1200" dirty="0">
               <a:latin typeface="+mj-lt"/>
             </a:rPr>
             <a:t>Библиотека </a:t>
           </a:r>
           <a:r>
-            <a:rPr lang="en-US" sz="2000" kern="1200" dirty="0" smtClean="0">
+            <a:rPr lang="en-US" sz="2000" kern="1200" dirty="0">
               <a:latin typeface="+mj-lt"/>
             </a:rPr>
             <a:t>PyQt6 </a:t>
           </a:r>
           <a:r>
-            <a:rPr lang="ru-RU" sz="2000" kern="1200" dirty="0" smtClean="0">
+            <a:rPr lang="ru-RU" sz="2000" kern="1200" dirty="0">
               <a:latin typeface="+mj-lt"/>
             </a:rPr>
             <a:t>и </a:t>
           </a:r>
           <a:r>
-            <a:rPr lang="en-US" sz="2000" kern="1200" dirty="0" err="1" smtClean="0">
+            <a:rPr lang="en-US" sz="2000" kern="1200" dirty="0" err="1">
               <a:latin typeface="+mj-lt"/>
             </a:rPr>
             <a:t>QtWebEngine</a:t>
@@ -11742,7 +10907,7 @@
         </a:bodyPr>
         <a:lstStyle/>
         <a:p>
-          <a:pPr lvl="0" algn="l" defTabSz="889000">
+          <a:pPr marL="0" lvl="0" indent="0" algn="l" defTabSz="889000">
             <a:lnSpc>
               <a:spcPct val="90000"/>
             </a:lnSpc>
@@ -11752,21 +10917,22 @@
             <a:spcAft>
               <a:spcPct val="35000"/>
             </a:spcAft>
+            <a:buNone/>
           </a:pPr>
           <a:r>
-            <a:rPr lang="ru-RU" sz="2000" kern="1200" dirty="0" smtClean="0">
+            <a:rPr lang="ru-RU" sz="2000" kern="1200" dirty="0">
               <a:latin typeface="+mj-lt"/>
             </a:rPr>
             <a:t>Библиотека</a:t>
           </a:r>
           <a:r>
-            <a:rPr lang="en-US" sz="2000" kern="1200" dirty="0" smtClean="0">
+            <a:rPr lang="en-US" sz="2000" kern="1200" dirty="0">
               <a:latin typeface="+mj-lt"/>
             </a:rPr>
             <a:t> </a:t>
           </a:r>
           <a:r>
-            <a:rPr lang="en-US" sz="2000" kern="1200" dirty="0" err="1" smtClean="0">
+            <a:rPr lang="en-US" sz="2000" kern="1200" dirty="0" err="1">
               <a:latin typeface="+mj-lt"/>
             </a:rPr>
             <a:t>QtBluetooth</a:t>
@@ -11919,7 +11085,7 @@
         </a:bodyPr>
         <a:lstStyle/>
         <a:p>
-          <a:pPr lvl="0" algn="l" defTabSz="889000">
+          <a:pPr marL="0" lvl="0" indent="0" algn="l" defTabSz="889000">
             <a:lnSpc>
               <a:spcPct val="90000"/>
             </a:lnSpc>
@@ -11929,15 +11095,16 @@
             <a:spcAft>
               <a:spcPct val="35000"/>
             </a:spcAft>
+            <a:buNone/>
           </a:pPr>
           <a:r>
-            <a:rPr lang="ru-RU" sz="2000" kern="1200" dirty="0" smtClean="0">
+            <a:rPr lang="ru-RU" sz="2000" kern="1200" dirty="0">
               <a:latin typeface="+mj-lt"/>
             </a:rPr>
             <a:t>Среда программирования </a:t>
           </a:r>
           <a:r>
-            <a:rPr lang="en-US" sz="2000" kern="1200" dirty="0" err="1" smtClean="0">
+            <a:rPr lang="en-US" sz="2000" kern="1200" dirty="0" err="1">
               <a:latin typeface="+mj-lt"/>
             </a:rPr>
             <a:t>PyCharm</a:t>
@@ -12090,7 +11257,7 @@
         </a:bodyPr>
         <a:lstStyle/>
         <a:p>
-          <a:pPr lvl="0" algn="l" defTabSz="889000">
+          <a:pPr marL="0" lvl="0" indent="0" algn="l" defTabSz="889000">
             <a:lnSpc>
               <a:spcPct val="90000"/>
             </a:lnSpc>
@@ -12100,28 +11267,26 @@
             <a:spcAft>
               <a:spcPct val="35000"/>
             </a:spcAft>
+            <a:buNone/>
           </a:pPr>
           <a:r>
-            <a:rPr lang="en-US" sz="2000" kern="1200" dirty="0" err="1" smtClean="0">
+            <a:rPr lang="en-US" sz="2000" kern="1200" dirty="0" err="1">
               <a:latin typeface="+mj-lt"/>
             </a:rPr>
             <a:t>QtDesigner</a:t>
           </a:r>
           <a:r>
-            <a:rPr lang="en-US" sz="2000" kern="1200" dirty="0" smtClean="0">
+            <a:rPr lang="en-US" sz="2000" kern="1200" dirty="0">
               <a:latin typeface="+mj-lt"/>
             </a:rPr>
             <a:t> </a:t>
           </a:r>
           <a:r>
-            <a:rPr lang="ru-RU" sz="2000" kern="1200" dirty="0" smtClean="0">
+            <a:rPr lang="ru-RU" sz="2000" kern="1200" dirty="0">
               <a:latin typeface="+mj-lt"/>
             </a:rPr>
             <a:t>для создания интерфейса</a:t>
           </a:r>
-          <a:endParaRPr lang="ru-RU" sz="2000" kern="1200" dirty="0">
-            <a:latin typeface="+mj-lt"/>
-          </a:endParaRPr>
         </a:p>
       </dsp:txBody>
       <dsp:txXfrm>
@@ -12267,7 +11432,7 @@
         </a:bodyPr>
         <a:lstStyle/>
         <a:p>
-          <a:pPr lvl="0" algn="l" defTabSz="889000">
+          <a:pPr marL="0" lvl="0" indent="0" algn="l" defTabSz="889000">
             <a:lnSpc>
               <a:spcPct val="90000"/>
             </a:lnSpc>
@@ -12277,15 +11442,16 @@
             <a:spcAft>
               <a:spcPct val="35000"/>
             </a:spcAft>
+            <a:buNone/>
           </a:pPr>
           <a:r>
-            <a:rPr lang="ru-RU" sz="2000" kern="1200" dirty="0" smtClean="0">
+            <a:rPr lang="ru-RU" sz="2000" kern="1200" dirty="0">
               <a:latin typeface="+mj-lt"/>
             </a:rPr>
             <a:t>Технологии </a:t>
           </a:r>
           <a:r>
-            <a:rPr lang="en-US" sz="2000" kern="1200" dirty="0" err="1" smtClean="0">
+            <a:rPr lang="en-US" sz="2000" kern="1200" dirty="0" err="1">
               <a:latin typeface="+mj-lt"/>
             </a:rPr>
             <a:t>Git</a:t>
@@ -12436,7 +11602,7 @@
         </a:bodyPr>
         <a:lstStyle/>
         <a:p>
-          <a:pPr lvl="0" algn="l" defTabSz="977900" rtl="0">
+          <a:pPr marL="0" lvl="0" indent="0" algn="l" defTabSz="977900" rtl="0">
             <a:lnSpc>
               <a:spcPct val="90000"/>
             </a:lnSpc>
@@ -12446,17 +11612,18 @@
             <a:spcAft>
               <a:spcPct val="35000"/>
             </a:spcAft>
+            <a:buNone/>
           </a:pPr>
           <a:r>
-            <a:rPr lang="ru-RU" sz="2200" b="0" i="0" kern="1200" dirty="0" smtClean="0"/>
+            <a:rPr lang="ru-RU" sz="2200" b="0" i="0" kern="1200" dirty="0"/>
             <a:t>Установка связи с роботом через </a:t>
           </a:r>
           <a:r>
-            <a:rPr lang="ru-RU" sz="2200" b="0" i="0" kern="1200" dirty="0" err="1" smtClean="0"/>
+            <a:rPr lang="ru-RU" sz="2200" b="0" i="0" kern="1200" dirty="0" err="1"/>
             <a:t>Bluetooth</a:t>
           </a:r>
           <a:r>
-            <a:rPr lang="ru-RU" sz="2200" b="0" i="0" kern="1200" dirty="0" smtClean="0"/>
+            <a:rPr lang="ru-RU" sz="2200" b="0" i="0" kern="1200" dirty="0"/>
             <a:t> для обмена данными</a:t>
           </a:r>
           <a:endParaRPr lang="ru-RU" sz="2200" kern="1200" dirty="0">
@@ -12590,7 +11757,7 @@
         </a:bodyPr>
         <a:lstStyle/>
         <a:p>
-          <a:pPr lvl="0" algn="l" defTabSz="977900" rtl="0">
+          <a:pPr marL="0" lvl="0" indent="0" algn="l" defTabSz="977900" rtl="0">
             <a:lnSpc>
               <a:spcPct val="90000"/>
             </a:lnSpc>
@@ -12600,9 +11767,10 @@
             <a:spcAft>
               <a:spcPct val="35000"/>
             </a:spcAft>
+            <a:buNone/>
           </a:pPr>
           <a:r>
-            <a:rPr lang="ru-RU" sz="2200" b="0" i="0" kern="1200" dirty="0" smtClean="0"/>
+            <a:rPr lang="ru-RU" sz="2200" b="0" i="0" kern="1200" dirty="0"/>
             <a:t>Отображение текущего состояние робота: заряд батареи, режим робота, информация о проделанной работе</a:t>
           </a:r>
           <a:endParaRPr lang="ru-RU" sz="2200" kern="1200" dirty="0">
@@ -12736,7 +11904,7 @@
         </a:bodyPr>
         <a:lstStyle/>
         <a:p>
-          <a:pPr lvl="0" algn="l" defTabSz="977900" rtl="0">
+          <a:pPr marL="0" lvl="0" indent="0" algn="l" defTabSz="977900" rtl="0">
             <a:lnSpc>
               <a:spcPct val="90000"/>
             </a:lnSpc>
@@ -12746,9 +11914,10 @@
             <a:spcAft>
               <a:spcPct val="35000"/>
             </a:spcAft>
+            <a:buNone/>
           </a:pPr>
           <a:r>
-            <a:rPr lang="ru-RU" sz="2200" b="0" i="0" kern="1200" dirty="0" smtClean="0"/>
+            <a:rPr lang="ru-RU" sz="2200" b="0" i="0" kern="1200" dirty="0"/>
             <a:t>Моделирование области поиска, отображение её на карте в удобном для человека формате и сохранение в компьютере</a:t>
           </a:r>
           <a:endParaRPr lang="ru-RU" sz="2200" kern="1200" dirty="0">
@@ -12882,7 +12051,7 @@
         </a:bodyPr>
         <a:lstStyle/>
         <a:p>
-          <a:pPr lvl="0" algn="l" defTabSz="977900" rtl="0">
+          <a:pPr marL="0" lvl="0" indent="0" algn="l" defTabSz="977900" rtl="0">
             <a:lnSpc>
               <a:spcPct val="90000"/>
             </a:lnSpc>
@@ -12892,20 +12061,20 @@
             <a:spcAft>
               <a:spcPct val="35000"/>
             </a:spcAft>
+            <a:buNone/>
           </a:pPr>
           <a:r>
-            <a:rPr lang="ru-RU" sz="2200" b="0" i="0" kern="1200" dirty="0" smtClean="0"/>
+            <a:rPr lang="ru-RU" sz="2200" b="0" i="0" kern="1200" dirty="0"/>
             <a:t>Отправка</a:t>
           </a:r>
           <a:r>
-            <a:rPr lang="ru-RU" sz="3600" b="0" i="0" kern="1200" dirty="0" smtClean="0"/>
+            <a:rPr lang="ru-RU" sz="3600" b="0" i="0" kern="1200" dirty="0"/>
             <a:t> </a:t>
           </a:r>
           <a:r>
-            <a:rPr lang="ru-RU" sz="2200" b="0" i="0" kern="1200" dirty="0" smtClean="0"/>
+            <a:rPr lang="ru-RU" sz="2200" b="0" i="0" kern="1200" dirty="0"/>
             <a:t>роботу области поиска</a:t>
           </a:r>
-          <a:endParaRPr lang="ru-RU" sz="2200" b="0" i="0" kern="1200" dirty="0"/>
         </a:p>
       </dsp:txBody>
       <dsp:txXfrm>
@@ -13034,7 +12203,7 @@
         </a:bodyPr>
         <a:lstStyle/>
         <a:p>
-          <a:pPr lvl="0" algn="l" defTabSz="977900" rtl="0">
+          <a:pPr marL="0" lvl="0" indent="0" algn="l" defTabSz="977900" rtl="0">
             <a:lnSpc>
               <a:spcPct val="90000"/>
             </a:lnSpc>
@@ -13044,9 +12213,10 @@
             <a:spcAft>
               <a:spcPct val="35000"/>
             </a:spcAft>
+            <a:buNone/>
           </a:pPr>
           <a:r>
-            <a:rPr lang="ru-RU" sz="2200" b="0" i="0" kern="1200" dirty="0" smtClean="0"/>
+            <a:rPr lang="ru-RU" sz="2200" b="0" i="0" kern="1200" dirty="0"/>
             <a:t>Получение от робота данных (точки с найденным металлом), отображение их на карте и сохранение</a:t>
           </a:r>
           <a:endParaRPr lang="ru-RU" sz="2200" kern="1200" dirty="0">
@@ -13220,7 +12390,7 @@
         </a:bodyPr>
         <a:lstStyle/>
         <a:p>
-          <a:pPr lvl="0" algn="ctr" defTabSz="711200">
+          <a:pPr marL="0" lvl="0" indent="0" algn="ctr" defTabSz="711200">
             <a:lnSpc>
               <a:spcPct val="90000"/>
             </a:lnSpc>
@@ -13230,9 +12400,10 @@
             <a:spcAft>
               <a:spcPct val="35000"/>
             </a:spcAft>
+            <a:buNone/>
           </a:pPr>
           <a:r>
-            <a:rPr lang="ru-RU" sz="1600" kern="1200" dirty="0" smtClean="0">
+            <a:rPr lang="ru-RU" sz="1600" kern="1200" dirty="0">
               <a:solidFill>
                 <a:schemeClr val="bg1"/>
               </a:solidFill>
@@ -13240,12 +12411,6 @@
             </a:rPr>
             <a:t>Вкладка «Карта»</a:t>
           </a:r>
-          <a:endParaRPr lang="ru-RU" sz="1600" kern="1200" dirty="0">
-            <a:solidFill>
-              <a:schemeClr val="bg1"/>
-            </a:solidFill>
-            <a:latin typeface="+mj-lt"/>
-          </a:endParaRPr>
         </a:p>
       </dsp:txBody>
       <dsp:txXfrm>
@@ -13391,7 +12556,7 @@
         </a:bodyPr>
         <a:lstStyle/>
         <a:p>
-          <a:pPr lvl="0" algn="l" defTabSz="711200">
+          <a:pPr marL="0" lvl="0" indent="0" algn="l" defTabSz="711200">
             <a:lnSpc>
               <a:spcPct val="90000"/>
             </a:lnSpc>
@@ -13401,22 +12566,20 @@
             <a:spcAft>
               <a:spcPct val="35000"/>
             </a:spcAft>
+            <a:buNone/>
           </a:pPr>
           <a:r>
-            <a:rPr lang="ru-RU" sz="1600" kern="1200" dirty="0" smtClean="0">
+            <a:rPr lang="ru-RU" sz="1600" kern="1200" dirty="0">
               <a:latin typeface="+mj-lt"/>
             </a:rPr>
             <a:t>Отображение карты реальной местности с использованием </a:t>
           </a:r>
           <a:r>
-            <a:rPr lang="ru-RU" sz="1600" i="1" kern="1200" dirty="0" smtClean="0">
+            <a:rPr lang="ru-RU" sz="1600" i="1" kern="1200" dirty="0">
               <a:latin typeface="+mj-lt"/>
             </a:rPr>
             <a:t>JS APY Яндекс Карт</a:t>
           </a:r>
-          <a:endParaRPr lang="ru-RU" sz="1600" i="1" kern="1200" dirty="0">
-            <a:latin typeface="+mj-lt"/>
-          </a:endParaRPr>
         </a:p>
       </dsp:txBody>
       <dsp:txXfrm>
@@ -13562,7 +12725,7 @@
         </a:bodyPr>
         <a:lstStyle/>
         <a:p>
-          <a:pPr lvl="0" algn="l" defTabSz="711200">
+          <a:pPr marL="0" lvl="0" indent="0" algn="l" defTabSz="711200">
             <a:lnSpc>
               <a:spcPct val="90000"/>
             </a:lnSpc>
@@ -13572,22 +12735,20 @@
             <a:spcAft>
               <a:spcPct val="35000"/>
             </a:spcAft>
+            <a:buNone/>
           </a:pPr>
           <a:r>
-            <a:rPr lang="ru-RU" sz="1600" b="1" kern="1200" dirty="0" smtClean="0">
+            <a:rPr lang="ru-RU" sz="1600" b="1" kern="1200" dirty="0">
               <a:latin typeface="+mj-lt"/>
             </a:rPr>
             <a:t>«Рисовать полигон»</a:t>
           </a:r>
           <a:r>
-            <a:rPr lang="ru-RU" sz="1600" kern="1200" dirty="0" smtClean="0">
+            <a:rPr lang="ru-RU" sz="1600" kern="1200" dirty="0">
               <a:latin typeface="+mj-lt"/>
             </a:rPr>
             <a:t>: рисование на карте области поиска через добавление вершин</a:t>
           </a:r>
-          <a:endParaRPr lang="ru-RU" sz="1600" kern="1200" dirty="0">
-            <a:latin typeface="+mj-lt"/>
-          </a:endParaRPr>
         </a:p>
       </dsp:txBody>
       <dsp:txXfrm>
@@ -13733,7 +12894,7 @@
         </a:bodyPr>
         <a:lstStyle/>
         <a:p>
-          <a:pPr lvl="0" algn="l" defTabSz="711200">
+          <a:pPr marL="0" lvl="0" indent="0" algn="l" defTabSz="711200">
             <a:lnSpc>
               <a:spcPct val="90000"/>
             </a:lnSpc>
@@ -13743,28 +12904,26 @@
             <a:spcAft>
               <a:spcPct val="35000"/>
             </a:spcAft>
+            <a:buNone/>
           </a:pPr>
           <a:r>
-            <a:rPr lang="ru-RU" sz="1600" kern="1200" dirty="0" smtClean="0">
+            <a:rPr lang="ru-RU" sz="1600" kern="1200" dirty="0">
               <a:latin typeface="+mj-lt"/>
             </a:rPr>
             <a:t>Задать точку </a:t>
           </a:r>
           <a:r>
-            <a:rPr lang="ru-RU" sz="1600" b="1" kern="1200" dirty="0" smtClean="0">
+            <a:rPr lang="ru-RU" sz="1600" b="1" kern="1200" dirty="0">
               <a:latin typeface="+mj-lt"/>
             </a:rPr>
             <a:t>«финиш»</a:t>
           </a:r>
           <a:r>
-            <a:rPr lang="ru-RU" sz="1600" kern="1200" dirty="0" smtClean="0">
+            <a:rPr lang="ru-RU" sz="1600" kern="1200" dirty="0">
               <a:latin typeface="+mj-lt"/>
             </a:rPr>
             <a:t> - место конечной остановки робота</a:t>
           </a:r>
-          <a:endParaRPr lang="ru-RU" sz="1600" kern="1200" dirty="0">
-            <a:latin typeface="+mj-lt"/>
-          </a:endParaRPr>
         </a:p>
       </dsp:txBody>
       <dsp:txXfrm>
@@ -13910,7 +13069,7 @@
         </a:bodyPr>
         <a:lstStyle/>
         <a:p>
-          <a:pPr lvl="0" algn="l" defTabSz="711200">
+          <a:pPr marL="0" lvl="0" indent="0" algn="l" defTabSz="711200">
             <a:lnSpc>
               <a:spcPct val="90000"/>
             </a:lnSpc>
@@ -13920,40 +13079,38 @@
             <a:spcAft>
               <a:spcPct val="35000"/>
             </a:spcAft>
+            <a:buNone/>
           </a:pPr>
           <a:r>
-            <a:rPr lang="ru-RU" sz="1600" kern="1200" dirty="0" smtClean="0">
+            <a:rPr lang="ru-RU" sz="1600" kern="1200" dirty="0">
               <a:latin typeface="+mj-lt"/>
             </a:rPr>
             <a:t>Кнопки «</a:t>
           </a:r>
           <a:r>
-            <a:rPr lang="ru-RU" sz="1600" b="1" kern="1200" dirty="0" smtClean="0">
+            <a:rPr lang="ru-RU" sz="1600" b="1" kern="1200" dirty="0">
               <a:latin typeface="+mj-lt"/>
             </a:rPr>
             <a:t>отменить</a:t>
           </a:r>
           <a:r>
-            <a:rPr lang="ru-RU" sz="1600" kern="1200" dirty="0" smtClean="0">
+            <a:rPr lang="ru-RU" sz="1600" kern="1200" dirty="0">
               <a:latin typeface="+mj-lt"/>
             </a:rPr>
             <a:t>» и «</a:t>
           </a:r>
           <a:r>
-            <a:rPr lang="ru-RU" sz="1600" b="1" kern="1200" dirty="0" smtClean="0">
+            <a:rPr lang="ru-RU" sz="1600" b="1" kern="1200" dirty="0">
               <a:latin typeface="+mj-lt"/>
             </a:rPr>
             <a:t>восстановить</a:t>
           </a:r>
           <a:r>
-            <a:rPr lang="ru-RU" sz="1600" kern="1200" dirty="0" smtClean="0">
+            <a:rPr lang="ru-RU" sz="1600" kern="1200" dirty="0">
               <a:latin typeface="+mj-lt"/>
             </a:rPr>
             <a:t>» работают с историей команд создания полигона</a:t>
           </a:r>
-          <a:endParaRPr lang="ru-RU" sz="1600" kern="1200" dirty="0">
-            <a:latin typeface="+mj-lt"/>
-          </a:endParaRPr>
         </a:p>
       </dsp:txBody>
       <dsp:txXfrm>
@@ -14099,7 +13256,7 @@
         </a:bodyPr>
         <a:lstStyle/>
         <a:p>
-          <a:pPr lvl="0" algn="l" defTabSz="711200">
+          <a:pPr marL="0" lvl="0" indent="0" algn="l" defTabSz="711200">
             <a:lnSpc>
               <a:spcPct val="90000"/>
             </a:lnSpc>
@@ -14109,28 +13266,26 @@
             <a:spcAft>
               <a:spcPct val="35000"/>
             </a:spcAft>
+            <a:buNone/>
           </a:pPr>
           <a:r>
-            <a:rPr lang="ru-RU" sz="1600" kern="1200" dirty="0" smtClean="0">
+            <a:rPr lang="ru-RU" sz="1600" kern="1200" dirty="0">
               <a:latin typeface="+mj-lt"/>
             </a:rPr>
             <a:t>Кнопка «</a:t>
           </a:r>
           <a:r>
-            <a:rPr lang="ru-RU" sz="1600" b="1" kern="1200" dirty="0" smtClean="0">
+            <a:rPr lang="ru-RU" sz="1600" b="1" kern="1200" dirty="0">
               <a:latin typeface="+mj-lt"/>
             </a:rPr>
             <a:t>удалить полигон</a:t>
           </a:r>
           <a:r>
-            <a:rPr lang="ru-RU" sz="1600" kern="1200" dirty="0" smtClean="0">
+            <a:rPr lang="ru-RU" sz="1600" kern="1200" dirty="0">
               <a:latin typeface="+mj-lt"/>
             </a:rPr>
             <a:t>» полностью удаляет созданную область</a:t>
           </a:r>
-          <a:endParaRPr lang="ru-RU" sz="1600" kern="1200" dirty="0">
-            <a:latin typeface="+mj-lt"/>
-          </a:endParaRPr>
         </a:p>
       </dsp:txBody>
       <dsp:txXfrm>
@@ -14248,7 +13403,7 @@
         </a:bodyPr>
         <a:lstStyle/>
         <a:p>
-          <a:pPr lvl="0" algn="ctr" defTabSz="1333500">
+          <a:pPr marL="0" lvl="0" indent="0" algn="ctr" defTabSz="1333500">
             <a:lnSpc>
               <a:spcPct val="90000"/>
             </a:lnSpc>
@@ -14258,9 +13413,10 @@
             <a:spcAft>
               <a:spcPct val="35000"/>
             </a:spcAft>
+            <a:buNone/>
           </a:pPr>
           <a:r>
-            <a:rPr lang="ru-RU" sz="3000" kern="1200" dirty="0" smtClean="0">
+            <a:rPr lang="ru-RU" sz="3000" kern="1200" dirty="0">
               <a:solidFill>
                 <a:schemeClr val="bg1"/>
               </a:solidFill>
@@ -14268,12 +13424,6 @@
             </a:rPr>
             <a:t>Вкладка «Робот»</a:t>
           </a:r>
-          <a:endParaRPr lang="ru-RU" sz="3000" kern="1200" dirty="0">
-            <a:solidFill>
-              <a:schemeClr val="bg1"/>
-            </a:solidFill>
-            <a:latin typeface="+mj-lt"/>
-          </a:endParaRPr>
         </a:p>
       </dsp:txBody>
       <dsp:txXfrm>
@@ -14419,7 +13569,7 @@
         </a:bodyPr>
         <a:lstStyle/>
         <a:p>
-          <a:pPr lvl="0" algn="l" defTabSz="711200">
+          <a:pPr marL="0" lvl="0" indent="0" algn="l" defTabSz="711200">
             <a:lnSpc>
               <a:spcPct val="90000"/>
             </a:lnSpc>
@@ -14429,9 +13579,10 @@
             <a:spcAft>
               <a:spcPct val="35000"/>
             </a:spcAft>
+            <a:buNone/>
           </a:pPr>
           <a:r>
-            <a:rPr lang="ru-RU" sz="1600" kern="1200" dirty="0" smtClean="0">
+            <a:rPr lang="ru-RU" sz="1600" kern="1200" dirty="0">
               <a:latin typeface="+mj-lt"/>
             </a:rPr>
             <a:t>Просмотр доступных устройств и подключение к роботу для дальнейшей работы</a:t>
@@ -14556,7 +13707,7 @@
         </a:bodyPr>
         <a:lstStyle/>
         <a:p>
-          <a:pPr lvl="0" algn="ctr" defTabSz="1333500">
+          <a:pPr marL="0" lvl="0" indent="0" algn="ctr" defTabSz="1333500">
             <a:lnSpc>
               <a:spcPct val="90000"/>
             </a:lnSpc>
@@ -14566,9 +13717,10 @@
             <a:spcAft>
               <a:spcPct val="35000"/>
             </a:spcAft>
+            <a:buNone/>
           </a:pPr>
           <a:r>
-            <a:rPr lang="ru-RU" sz="3000" kern="1200" dirty="0" smtClean="0">
+            <a:rPr lang="ru-RU" sz="3000" kern="1200" dirty="0">
               <a:solidFill>
                 <a:schemeClr val="bg1"/>
               </a:solidFill>
@@ -14576,12 +13728,6 @@
             </a:rPr>
             <a:t>Окно работы с выбранным роботом</a:t>
           </a:r>
-          <a:endParaRPr lang="ru-RU" sz="3000" kern="1200" dirty="0">
-            <a:solidFill>
-              <a:schemeClr val="bg1"/>
-            </a:solidFill>
-            <a:latin typeface="+mj-lt"/>
-          </a:endParaRPr>
         </a:p>
       </dsp:txBody>
       <dsp:txXfrm>
@@ -14727,7 +13873,7 @@
         </a:bodyPr>
         <a:lstStyle/>
         <a:p>
-          <a:pPr lvl="0" algn="l" defTabSz="711200">
+          <a:pPr marL="0" lvl="0" indent="0" algn="l" defTabSz="711200">
             <a:lnSpc>
               <a:spcPct val="90000"/>
             </a:lnSpc>
@@ -14737,9 +13883,10 @@
             <a:spcAft>
               <a:spcPct val="35000"/>
             </a:spcAft>
+            <a:buNone/>
           </a:pPr>
           <a:r>
-            <a:rPr lang="ru-RU" sz="1600" kern="1200" dirty="0" smtClean="0">
+            <a:rPr lang="ru-RU" sz="1600" kern="1200" dirty="0">
               <a:latin typeface="+mj-lt"/>
             </a:rPr>
             <a:t>Просмотр информации о роботе</a:t>
@@ -14892,7 +14039,7 @@
         </a:bodyPr>
         <a:lstStyle/>
         <a:p>
-          <a:pPr lvl="0" algn="l" defTabSz="711200">
+          <a:pPr marL="0" lvl="0" indent="0" algn="l" defTabSz="711200">
             <a:lnSpc>
               <a:spcPct val="90000"/>
             </a:lnSpc>
@@ -14902,28 +14049,26 @@
             <a:spcAft>
               <a:spcPct val="35000"/>
             </a:spcAft>
+            <a:buNone/>
           </a:pPr>
           <a:r>
-            <a:rPr lang="ru-RU" sz="1600" kern="1200" dirty="0" smtClean="0">
+            <a:rPr lang="ru-RU" sz="1600" kern="1200" dirty="0">
               <a:latin typeface="+mj-lt"/>
             </a:rPr>
             <a:t>«</a:t>
           </a:r>
           <a:r>
-            <a:rPr lang="ru-RU" sz="1600" b="1" kern="1200" dirty="0" smtClean="0">
+            <a:rPr lang="ru-RU" sz="1600" b="1" kern="1200" dirty="0">
               <a:latin typeface="+mj-lt"/>
             </a:rPr>
             <a:t>Получить данные»:</a:t>
           </a:r>
           <a:r>
-            <a:rPr lang="ru-RU" sz="1600" kern="1200" dirty="0" smtClean="0">
+            <a:rPr lang="ru-RU" sz="1600" kern="1200" dirty="0">
               <a:latin typeface="+mj-lt"/>
             </a:rPr>
             <a:t> загрузка в приложение найденных мест и отображение их на карте </a:t>
           </a:r>
-          <a:endParaRPr lang="ru-RU" sz="1600" kern="1200" dirty="0">
-            <a:latin typeface="+mj-lt"/>
-          </a:endParaRPr>
         </a:p>
       </dsp:txBody>
       <dsp:txXfrm>
@@ -15069,7 +14214,7 @@
         </a:bodyPr>
         <a:lstStyle/>
         <a:p>
-          <a:pPr lvl="0" algn="l" defTabSz="711200">
+          <a:pPr marL="0" lvl="0" indent="0" algn="l" defTabSz="711200">
             <a:lnSpc>
               <a:spcPct val="90000"/>
             </a:lnSpc>
@@ -15079,28 +14224,26 @@
             <a:spcAft>
               <a:spcPct val="35000"/>
             </a:spcAft>
+            <a:buNone/>
           </a:pPr>
           <a:r>
-            <a:rPr lang="ru-RU" sz="1600" kern="1200" dirty="0" smtClean="0">
+            <a:rPr lang="ru-RU" sz="1600" kern="1200" dirty="0">
               <a:latin typeface="+mj-lt"/>
             </a:rPr>
             <a:t>«</a:t>
           </a:r>
           <a:r>
-            <a:rPr lang="ru-RU" sz="1600" b="1" kern="1200" dirty="0" smtClean="0">
+            <a:rPr lang="ru-RU" sz="1600" b="1" kern="1200" dirty="0">
               <a:latin typeface="+mj-lt"/>
             </a:rPr>
             <a:t>Загрузить карту</a:t>
           </a:r>
           <a:r>
-            <a:rPr lang="ru-RU" sz="1600" kern="1200" dirty="0" smtClean="0">
+            <a:rPr lang="ru-RU" sz="1600" kern="1200" dirty="0">
               <a:latin typeface="+mj-lt"/>
             </a:rPr>
             <a:t>»: загрузить область поиска (откроется новое диалоговое окно для выбора карты)</a:t>
           </a:r>
-          <a:endParaRPr lang="ru-RU" sz="1600" kern="1200" dirty="0">
-            <a:latin typeface="+mj-lt"/>
-          </a:endParaRPr>
         </a:p>
       </dsp:txBody>
       <dsp:txXfrm>
@@ -15218,7 +14361,7 @@
         </a:bodyPr>
         <a:lstStyle/>
         <a:p>
-          <a:pPr lvl="0" algn="ctr" defTabSz="1333500">
+          <a:pPr marL="0" lvl="0" indent="0" algn="ctr" defTabSz="1333500">
             <a:lnSpc>
               <a:spcPct val="90000"/>
             </a:lnSpc>
@@ -15228,9 +14371,10 @@
             <a:spcAft>
               <a:spcPct val="35000"/>
             </a:spcAft>
+            <a:buNone/>
           </a:pPr>
           <a:r>
-            <a:rPr lang="ru-RU" sz="3000" kern="1200" dirty="0" smtClean="0">
+            <a:rPr lang="ru-RU" sz="3000" kern="1200" dirty="0">
               <a:solidFill>
                 <a:schemeClr val="bg1"/>
               </a:solidFill>
@@ -15238,12 +14382,6 @@
             </a:rPr>
             <a:t>Раздел «Файл»</a:t>
           </a:r>
-          <a:endParaRPr lang="ru-RU" sz="3000" kern="1200" dirty="0">
-            <a:solidFill>
-              <a:schemeClr val="bg1"/>
-            </a:solidFill>
-            <a:latin typeface="+mj-lt"/>
-          </a:endParaRPr>
         </a:p>
       </dsp:txBody>
       <dsp:txXfrm>
@@ -15389,7 +14527,7 @@
         </a:bodyPr>
         <a:lstStyle/>
         <a:p>
-          <a:pPr lvl="0" algn="l" defTabSz="800100">
+          <a:pPr marL="0" lvl="0" indent="0" algn="l" defTabSz="800100">
             <a:lnSpc>
               <a:spcPct val="90000"/>
             </a:lnSpc>
@@ -15399,9 +14537,10 @@
             <a:spcAft>
               <a:spcPct val="35000"/>
             </a:spcAft>
+            <a:buNone/>
           </a:pPr>
           <a:r>
-            <a:rPr lang="ru-RU" sz="1800" kern="1200" dirty="0" smtClean="0">
+            <a:rPr lang="ru-RU" sz="1800" kern="1200" dirty="0">
               <a:latin typeface="+mj-lt"/>
             </a:rPr>
             <a:t>Предназначен для открытия/сохранения области поиска</a:t>
@@ -15551,7 +14690,7 @@
         </a:bodyPr>
         <a:lstStyle/>
         <a:p>
-          <a:pPr lvl="0" algn="l" defTabSz="800100">
+          <a:pPr marL="0" lvl="0" indent="0" algn="l" defTabSz="800100">
             <a:lnSpc>
               <a:spcPct val="90000"/>
             </a:lnSpc>
@@ -15561,16 +14700,14 @@
             <a:spcAft>
               <a:spcPct val="35000"/>
             </a:spcAft>
+            <a:buNone/>
           </a:pPr>
           <a:r>
-            <a:rPr lang="ru-RU" sz="1800" kern="1200" dirty="0" smtClean="0">
+            <a:rPr lang="ru-RU" sz="1800" kern="1200" dirty="0">
               <a:latin typeface="+mj-lt"/>
             </a:rPr>
             <a:t>Имеет подменю: Открыть, Сохранить, Сохранить как и Загрузить в робота</a:t>
           </a:r>
-          <a:endParaRPr lang="ru-RU" sz="1800" kern="1200" dirty="0">
-            <a:latin typeface="+mj-lt"/>
-          </a:endParaRPr>
         </a:p>
       </dsp:txBody>
       <dsp:txXfrm>
@@ -15676,7 +14813,7 @@
         </a:bodyPr>
         <a:lstStyle/>
         <a:p>
-          <a:pPr lvl="0" algn="ctr" defTabSz="1333500">
+          <a:pPr marL="0" lvl="0" indent="0" algn="ctr" defTabSz="1333500">
             <a:lnSpc>
               <a:spcPct val="90000"/>
             </a:lnSpc>
@@ -15686,9 +14823,10 @@
             <a:spcAft>
               <a:spcPct val="35000"/>
             </a:spcAft>
+            <a:buNone/>
           </a:pPr>
           <a:r>
-            <a:rPr lang="ru-RU" sz="3000" kern="1200" dirty="0" smtClean="0">
+            <a:rPr lang="ru-RU" sz="3000" kern="1200" dirty="0">
               <a:latin typeface="+mj-lt"/>
             </a:rPr>
             <a:t>Раздел «О программе»</a:t>
@@ -15844,7 +14982,7 @@
         </a:bodyPr>
         <a:lstStyle/>
         <a:p>
-          <a:pPr lvl="0" algn="l" defTabSz="800100">
+          <a:pPr marL="0" lvl="0" indent="0" algn="l" defTabSz="800100">
             <a:lnSpc>
               <a:spcPct val="90000"/>
             </a:lnSpc>
@@ -15854,58 +14992,56 @@
             <a:spcAft>
               <a:spcPct val="35000"/>
             </a:spcAft>
+            <a:buNone/>
           </a:pPr>
           <a:r>
-            <a:rPr lang="ru-RU" sz="1800" kern="1200" dirty="0" smtClean="0">
+            <a:rPr lang="ru-RU" sz="1800" kern="1200" dirty="0">
               <a:latin typeface="+mj-lt"/>
             </a:rPr>
             <a:t>Содержит подменю: </a:t>
           </a:r>
           <a:r>
-            <a:rPr lang="ru-RU" sz="1800" i="1" kern="1200" dirty="0" err="1" smtClean="0">
+            <a:rPr lang="ru-RU" sz="1800" i="1" kern="1200" dirty="0" err="1">
               <a:latin typeface="+mj-lt"/>
             </a:rPr>
             <a:t>GitHub</a:t>
           </a:r>
           <a:r>
-            <a:rPr lang="ru-RU" sz="1800" kern="1200" dirty="0" smtClean="0">
+            <a:rPr lang="ru-RU" sz="1800" kern="1200" dirty="0">
               <a:latin typeface="+mj-lt"/>
             </a:rPr>
             <a:t>, </a:t>
           </a:r>
           <a:r>
-            <a:rPr lang="ru-RU" sz="1800" i="1" kern="1200" dirty="0" err="1" smtClean="0">
+            <a:rPr lang="ru-RU" sz="1800" i="1" kern="1200" dirty="0" err="1">
               <a:latin typeface="+mj-lt"/>
             </a:rPr>
             <a:t>Yandex</a:t>
           </a:r>
           <a:r>
-            <a:rPr lang="ru-RU" sz="1800" i="1" kern="1200" dirty="0" smtClean="0">
+            <a:rPr lang="ru-RU" sz="1800" i="1" kern="1200" dirty="0">
               <a:latin typeface="+mj-lt"/>
             </a:rPr>
             <a:t> </a:t>
           </a:r>
           <a:r>
-            <a:rPr lang="ru-RU" sz="1800" i="1" kern="1200" dirty="0" err="1" smtClean="0">
+            <a:rPr lang="ru-RU" sz="1800" i="1" kern="1200" dirty="0" err="1">
               <a:latin typeface="+mj-lt"/>
             </a:rPr>
             <a:t>Map</a:t>
           </a:r>
           <a:r>
-            <a:rPr lang="ru-RU" sz="1800" i="1" kern="1200" dirty="0" smtClean="0">
+            <a:rPr lang="ru-RU" sz="1800" i="1" kern="1200" dirty="0">
               <a:latin typeface="+mj-lt"/>
             </a:rPr>
             <a:t> API</a:t>
           </a:r>
           <a:r>
-            <a:rPr lang="ru-RU" sz="1800" kern="1200" dirty="0" smtClean="0">
+            <a:rPr lang="ru-RU" sz="1800" kern="1200" dirty="0">
               <a:latin typeface="+mj-lt"/>
             </a:rPr>
             <a:t> и др.</a:t>
           </a:r>
-          <a:endParaRPr lang="ru-RU" sz="1800" kern="1200" dirty="0">
-            <a:latin typeface="+mj-lt"/>
-          </a:endParaRPr>
         </a:p>
       </dsp:txBody>
       <dsp:txXfrm>
@@ -16051,7 +15187,7 @@
         </a:bodyPr>
         <a:lstStyle/>
         <a:p>
-          <a:pPr lvl="0" algn="l" defTabSz="800100">
+          <a:pPr marL="0" lvl="0" indent="0" algn="l" defTabSz="800100">
             <a:lnSpc>
               <a:spcPct val="90000"/>
             </a:lnSpc>
@@ -16061,16 +15197,14 @@
             <a:spcAft>
               <a:spcPct val="35000"/>
             </a:spcAft>
+            <a:buNone/>
           </a:pPr>
           <a:r>
-            <a:rPr lang="ru-RU" sz="1800" kern="1200" dirty="0" smtClean="0">
+            <a:rPr lang="ru-RU" sz="1800" kern="1200" dirty="0">
               <a:latin typeface="+mj-lt"/>
             </a:rPr>
             <a:t>Переводит пользователя в браузер на соответствующую страничку</a:t>
           </a:r>
-          <a:endParaRPr lang="ru-RU" sz="1800" kern="1200" dirty="0">
-            <a:latin typeface="+mj-lt"/>
-          </a:endParaRPr>
         </a:p>
       </dsp:txBody>
       <dsp:txXfrm>
@@ -27216,7 +26350,7 @@
           </a:lstStyle>
           <a:p>
             <a:r>
-              <a:rPr kumimoji="0" lang="ru-RU" smtClean="0"/>
+              <a:rPr kumimoji="0" lang="ru-RU"/>
               <a:t>Образец заголовка</a:t>
             </a:r>
             <a:endParaRPr kumimoji="0" lang="en-US"/>
@@ -27277,7 +26411,7 @@
           </a:lstStyle>
           <a:p>
             <a:r>
-              <a:rPr kumimoji="0" lang="ru-RU" smtClean="0"/>
+              <a:rPr kumimoji="0" lang="ru-RU"/>
               <a:t>Образец подзаголовка</a:t>
             </a:r>
             <a:endParaRPr kumimoji="0" lang="en-US"/>
@@ -27302,7 +26436,7 @@
             <a:fld id="{037AE53A-2FEC-4853-9084-09EBA881243A}" type="datetimeFigureOut">
               <a:rPr lang="ru-RU" smtClean="0"/>
               <a:pPr/>
-              <a:t>26.11.2025</a:t>
+              <a:t>28.11.2025</a:t>
             </a:fld>
             <a:endParaRPr lang="ru-RU"/>
           </a:p>
@@ -27404,7 +26538,7 @@
           <a:lstStyle/>
           <a:p>
             <a:r>
-              <a:rPr kumimoji="0" lang="ru-RU" smtClean="0"/>
+              <a:rPr kumimoji="0" lang="ru-RU"/>
               <a:t>Образец заголовка</a:t>
             </a:r>
             <a:endParaRPr kumimoji="0" lang="en-US"/>
@@ -27428,35 +26562,35 @@
           <a:p>
             <a:pPr lvl="0" eaLnBrk="1" latinLnBrk="0" hangingPunct="1"/>
             <a:r>
-              <a:rPr lang="ru-RU" smtClean="0"/>
+              <a:rPr lang="ru-RU"/>
               <a:t>Образец текста</a:t>
             </a:r>
           </a:p>
           <a:p>
             <a:pPr lvl="1" eaLnBrk="1" latinLnBrk="0" hangingPunct="1"/>
             <a:r>
-              <a:rPr lang="ru-RU" smtClean="0"/>
+              <a:rPr lang="ru-RU"/>
               <a:t>Второй уровень</a:t>
             </a:r>
           </a:p>
           <a:p>
             <a:pPr lvl="2" eaLnBrk="1" latinLnBrk="0" hangingPunct="1"/>
             <a:r>
-              <a:rPr lang="ru-RU" smtClean="0"/>
+              <a:rPr lang="ru-RU"/>
               <a:t>Третий уровень</a:t>
             </a:r>
           </a:p>
           <a:p>
             <a:pPr lvl="3" eaLnBrk="1" latinLnBrk="0" hangingPunct="1"/>
             <a:r>
-              <a:rPr lang="ru-RU" smtClean="0"/>
+              <a:rPr lang="ru-RU"/>
               <a:t>Четвертый уровень</a:t>
             </a:r>
           </a:p>
           <a:p>
             <a:pPr lvl="4" eaLnBrk="1" latinLnBrk="0" hangingPunct="1"/>
             <a:r>
-              <a:rPr lang="ru-RU" smtClean="0"/>
+              <a:rPr lang="ru-RU"/>
               <a:t>Пятый уровень</a:t>
             </a:r>
             <a:endParaRPr kumimoji="0" lang="en-US"/>
@@ -27481,7 +26615,7 @@
             <a:fld id="{037AE53A-2FEC-4853-9084-09EBA881243A}" type="datetimeFigureOut">
               <a:rPr lang="ru-RU" smtClean="0"/>
               <a:pPr/>
-              <a:t>26.11.2025</a:t>
+              <a:t>28.11.2025</a:t>
             </a:fld>
             <a:endParaRPr lang="ru-RU"/>
           </a:p>
@@ -27588,7 +26722,7 @@
           <a:lstStyle/>
           <a:p>
             <a:r>
-              <a:rPr kumimoji="0" lang="ru-RU" smtClean="0"/>
+              <a:rPr kumimoji="0" lang="ru-RU"/>
               <a:t>Образец заголовка</a:t>
             </a:r>
             <a:endParaRPr kumimoji="0" lang="en-US"/>
@@ -27617,35 +26751,35 @@
           <a:p>
             <a:pPr lvl="0" eaLnBrk="1" latinLnBrk="0" hangingPunct="1"/>
             <a:r>
-              <a:rPr lang="ru-RU" smtClean="0"/>
+              <a:rPr lang="ru-RU"/>
               <a:t>Образец текста</a:t>
             </a:r>
           </a:p>
           <a:p>
             <a:pPr lvl="1" eaLnBrk="1" latinLnBrk="0" hangingPunct="1"/>
             <a:r>
-              <a:rPr lang="ru-RU" smtClean="0"/>
+              <a:rPr lang="ru-RU"/>
               <a:t>Второй уровень</a:t>
             </a:r>
           </a:p>
           <a:p>
             <a:pPr lvl="2" eaLnBrk="1" latinLnBrk="0" hangingPunct="1"/>
             <a:r>
-              <a:rPr lang="ru-RU" smtClean="0"/>
+              <a:rPr lang="ru-RU"/>
               <a:t>Третий уровень</a:t>
             </a:r>
           </a:p>
           <a:p>
             <a:pPr lvl="3" eaLnBrk="1" latinLnBrk="0" hangingPunct="1"/>
             <a:r>
-              <a:rPr lang="ru-RU" smtClean="0"/>
+              <a:rPr lang="ru-RU"/>
               <a:t>Четвертый уровень</a:t>
             </a:r>
           </a:p>
           <a:p>
             <a:pPr lvl="4" eaLnBrk="1" latinLnBrk="0" hangingPunct="1"/>
             <a:r>
-              <a:rPr lang="ru-RU" smtClean="0"/>
+              <a:rPr lang="ru-RU"/>
               <a:t>Пятый уровень</a:t>
             </a:r>
             <a:endParaRPr kumimoji="0" lang="en-US"/>
@@ -27670,7 +26804,7 @@
             <a:fld id="{037AE53A-2FEC-4853-9084-09EBA881243A}" type="datetimeFigureOut">
               <a:rPr lang="ru-RU" smtClean="0"/>
               <a:pPr/>
-              <a:t>26.11.2025</a:t>
+              <a:t>28.11.2025</a:t>
             </a:fld>
             <a:endParaRPr lang="ru-RU"/>
           </a:p>
@@ -27772,7 +26906,7 @@
           <a:lstStyle/>
           <a:p>
             <a:r>
-              <a:rPr kumimoji="0" lang="ru-RU" smtClean="0"/>
+              <a:rPr kumimoji="0" lang="ru-RU"/>
               <a:t>Образец заголовка</a:t>
             </a:r>
             <a:endParaRPr kumimoji="0" lang="en-US"/>
@@ -27796,35 +26930,35 @@
           <a:p>
             <a:pPr lvl="0" eaLnBrk="1" latinLnBrk="0" hangingPunct="1"/>
             <a:r>
-              <a:rPr lang="ru-RU" smtClean="0"/>
+              <a:rPr lang="ru-RU"/>
               <a:t>Образец текста</a:t>
             </a:r>
           </a:p>
           <a:p>
             <a:pPr lvl="1" eaLnBrk="1" latinLnBrk="0" hangingPunct="1"/>
             <a:r>
-              <a:rPr lang="ru-RU" smtClean="0"/>
+              <a:rPr lang="ru-RU"/>
               <a:t>Второй уровень</a:t>
             </a:r>
           </a:p>
           <a:p>
             <a:pPr lvl="2" eaLnBrk="1" latinLnBrk="0" hangingPunct="1"/>
             <a:r>
-              <a:rPr lang="ru-RU" smtClean="0"/>
+              <a:rPr lang="ru-RU"/>
               <a:t>Третий уровень</a:t>
             </a:r>
           </a:p>
           <a:p>
             <a:pPr lvl="3" eaLnBrk="1" latinLnBrk="0" hangingPunct="1"/>
             <a:r>
-              <a:rPr lang="ru-RU" smtClean="0"/>
+              <a:rPr lang="ru-RU"/>
               <a:t>Четвертый уровень</a:t>
             </a:r>
           </a:p>
           <a:p>
             <a:pPr lvl="4" eaLnBrk="1" latinLnBrk="0" hangingPunct="1"/>
             <a:r>
-              <a:rPr lang="ru-RU" smtClean="0"/>
+              <a:rPr lang="ru-RU"/>
               <a:t>Пятый уровень</a:t>
             </a:r>
             <a:endParaRPr kumimoji="0" lang="en-US"/>
@@ -27849,7 +26983,7 @@
             <a:fld id="{037AE53A-2FEC-4853-9084-09EBA881243A}" type="datetimeFigureOut">
               <a:rPr lang="ru-RU" smtClean="0"/>
               <a:pPr/>
-              <a:t>26.11.2025</a:t>
+              <a:t>28.11.2025</a:t>
             </a:fld>
             <a:endParaRPr lang="ru-RU"/>
           </a:p>
@@ -27998,7 +27132,7 @@
           </a:lstStyle>
           <a:p>
             <a:r>
-              <a:rPr kumimoji="0" lang="ru-RU" smtClean="0"/>
+              <a:rPr kumimoji="0" lang="ru-RU"/>
               <a:t>Образец заголовка</a:t>
             </a:r>
             <a:endParaRPr kumimoji="0" lang="en-US"/>
@@ -28076,7 +27210,7 @@
           <a:p>
             <a:pPr lvl="0" eaLnBrk="1" latinLnBrk="0" hangingPunct="1"/>
             <a:r>
-              <a:rPr kumimoji="0" lang="ru-RU" smtClean="0"/>
+              <a:rPr kumimoji="0" lang="ru-RU"/>
               <a:t>Образец текста</a:t>
             </a:r>
           </a:p>
@@ -28100,7 +27234,7 @@
             <a:fld id="{037AE53A-2FEC-4853-9084-09EBA881243A}" type="datetimeFigureOut">
               <a:rPr lang="ru-RU" smtClean="0"/>
               <a:pPr/>
-              <a:t>26.11.2025</a:t>
+              <a:t>28.11.2025</a:t>
             </a:fld>
             <a:endParaRPr lang="ru-RU"/>
           </a:p>
@@ -28207,7 +27341,7 @@
           <a:lstStyle/>
           <a:p>
             <a:r>
-              <a:rPr kumimoji="0" lang="ru-RU" smtClean="0"/>
+              <a:rPr kumimoji="0" lang="ru-RU"/>
               <a:t>Образец заголовка</a:t>
             </a:r>
             <a:endParaRPr kumimoji="0" lang="en-US"/>
@@ -28252,35 +27386,35 @@
           <a:p>
             <a:pPr lvl="0" eaLnBrk="1" latinLnBrk="0" hangingPunct="1"/>
             <a:r>
-              <a:rPr lang="ru-RU" smtClean="0"/>
+              <a:rPr lang="ru-RU"/>
               <a:t>Образец текста</a:t>
             </a:r>
           </a:p>
           <a:p>
             <a:pPr lvl="1" eaLnBrk="1" latinLnBrk="0" hangingPunct="1"/>
             <a:r>
-              <a:rPr lang="ru-RU" smtClean="0"/>
+              <a:rPr lang="ru-RU"/>
               <a:t>Второй уровень</a:t>
             </a:r>
           </a:p>
           <a:p>
             <a:pPr lvl="2" eaLnBrk="1" latinLnBrk="0" hangingPunct="1"/>
             <a:r>
-              <a:rPr lang="ru-RU" smtClean="0"/>
+              <a:rPr lang="ru-RU"/>
               <a:t>Третий уровень</a:t>
             </a:r>
           </a:p>
           <a:p>
             <a:pPr lvl="3" eaLnBrk="1" latinLnBrk="0" hangingPunct="1"/>
             <a:r>
-              <a:rPr lang="ru-RU" smtClean="0"/>
+              <a:rPr lang="ru-RU"/>
               <a:t>Четвертый уровень</a:t>
             </a:r>
           </a:p>
           <a:p>
             <a:pPr lvl="4" eaLnBrk="1" latinLnBrk="0" hangingPunct="1"/>
             <a:r>
-              <a:rPr lang="ru-RU" smtClean="0"/>
+              <a:rPr lang="ru-RU"/>
               <a:t>Пятый уровень</a:t>
             </a:r>
             <a:endParaRPr kumimoji="0" lang="en-US"/>
@@ -28325,35 +27459,35 @@
           <a:p>
             <a:pPr lvl="0" eaLnBrk="1" latinLnBrk="0" hangingPunct="1"/>
             <a:r>
-              <a:rPr lang="ru-RU" smtClean="0"/>
+              <a:rPr lang="ru-RU"/>
               <a:t>Образец текста</a:t>
             </a:r>
           </a:p>
           <a:p>
             <a:pPr lvl="1" eaLnBrk="1" latinLnBrk="0" hangingPunct="1"/>
             <a:r>
-              <a:rPr lang="ru-RU" smtClean="0"/>
+              <a:rPr lang="ru-RU"/>
               <a:t>Второй уровень</a:t>
             </a:r>
           </a:p>
           <a:p>
             <a:pPr lvl="2" eaLnBrk="1" latinLnBrk="0" hangingPunct="1"/>
             <a:r>
-              <a:rPr lang="ru-RU" smtClean="0"/>
+              <a:rPr lang="ru-RU"/>
               <a:t>Третий уровень</a:t>
             </a:r>
           </a:p>
           <a:p>
             <a:pPr lvl="3" eaLnBrk="1" latinLnBrk="0" hangingPunct="1"/>
             <a:r>
-              <a:rPr lang="ru-RU" smtClean="0"/>
+              <a:rPr lang="ru-RU"/>
               <a:t>Четвертый уровень</a:t>
             </a:r>
           </a:p>
           <a:p>
             <a:pPr lvl="4" eaLnBrk="1" latinLnBrk="0" hangingPunct="1"/>
             <a:r>
-              <a:rPr lang="ru-RU" smtClean="0"/>
+              <a:rPr lang="ru-RU"/>
               <a:t>Пятый уровень</a:t>
             </a:r>
             <a:endParaRPr kumimoji="0" lang="en-US"/>
@@ -28378,7 +27512,7 @@
             <a:fld id="{037AE53A-2FEC-4853-9084-09EBA881243A}" type="datetimeFigureOut">
               <a:rPr lang="ru-RU" smtClean="0"/>
               <a:pPr/>
-              <a:t>26.11.2025</a:t>
+              <a:t>28.11.2025</a:t>
             </a:fld>
             <a:endParaRPr lang="ru-RU"/>
           </a:p>
@@ -28489,7 +27623,7 @@
           </a:lstStyle>
           <a:p>
             <a:r>
-              <a:rPr kumimoji="0" lang="ru-RU" smtClean="0"/>
+              <a:rPr kumimoji="0" lang="ru-RU"/>
               <a:t>Образец заголовка</a:t>
             </a:r>
             <a:endParaRPr kumimoji="0" lang="en-US"/>
@@ -28546,7 +27680,7 @@
           <a:p>
             <a:pPr lvl="0" eaLnBrk="1" latinLnBrk="0" hangingPunct="1"/>
             <a:r>
-              <a:rPr kumimoji="0" lang="ru-RU" smtClean="0"/>
+              <a:rPr kumimoji="0" lang="ru-RU"/>
               <a:t>Образец текста</a:t>
             </a:r>
           </a:p>
@@ -28600,7 +27734,7 @@
           <a:p>
             <a:pPr lvl="0" eaLnBrk="1" latinLnBrk="0" hangingPunct="1"/>
             <a:r>
-              <a:rPr kumimoji="0" lang="ru-RU" smtClean="0"/>
+              <a:rPr kumimoji="0" lang="ru-RU"/>
               <a:t>Образец текста</a:t>
             </a:r>
           </a:p>
@@ -28644,35 +27778,35 @@
           <a:p>
             <a:pPr lvl="0" eaLnBrk="1" latinLnBrk="0" hangingPunct="1"/>
             <a:r>
-              <a:rPr lang="ru-RU" smtClean="0"/>
+              <a:rPr lang="ru-RU"/>
               <a:t>Образец текста</a:t>
             </a:r>
           </a:p>
           <a:p>
             <a:pPr lvl="1" eaLnBrk="1" latinLnBrk="0" hangingPunct="1"/>
             <a:r>
-              <a:rPr lang="ru-RU" smtClean="0"/>
+              <a:rPr lang="ru-RU"/>
               <a:t>Второй уровень</a:t>
             </a:r>
           </a:p>
           <a:p>
             <a:pPr lvl="2" eaLnBrk="1" latinLnBrk="0" hangingPunct="1"/>
             <a:r>
-              <a:rPr lang="ru-RU" smtClean="0"/>
+              <a:rPr lang="ru-RU"/>
               <a:t>Третий уровень</a:t>
             </a:r>
           </a:p>
           <a:p>
             <a:pPr lvl="3" eaLnBrk="1" latinLnBrk="0" hangingPunct="1"/>
             <a:r>
-              <a:rPr lang="ru-RU" smtClean="0"/>
+              <a:rPr lang="ru-RU"/>
               <a:t>Четвертый уровень</a:t>
             </a:r>
           </a:p>
           <a:p>
             <a:pPr lvl="4" eaLnBrk="1" latinLnBrk="0" hangingPunct="1"/>
             <a:r>
-              <a:rPr lang="ru-RU" smtClean="0"/>
+              <a:rPr lang="ru-RU"/>
               <a:t>Пятый уровень</a:t>
             </a:r>
             <a:endParaRPr kumimoji="0" lang="en-US"/>
@@ -28717,35 +27851,35 @@
           <a:p>
             <a:pPr lvl="0" eaLnBrk="1" latinLnBrk="0" hangingPunct="1"/>
             <a:r>
-              <a:rPr lang="ru-RU" smtClean="0"/>
+              <a:rPr lang="ru-RU"/>
               <a:t>Образец текста</a:t>
             </a:r>
           </a:p>
           <a:p>
             <a:pPr lvl="1" eaLnBrk="1" latinLnBrk="0" hangingPunct="1"/>
             <a:r>
-              <a:rPr lang="ru-RU" smtClean="0"/>
+              <a:rPr lang="ru-RU"/>
               <a:t>Второй уровень</a:t>
             </a:r>
           </a:p>
           <a:p>
             <a:pPr lvl="2" eaLnBrk="1" latinLnBrk="0" hangingPunct="1"/>
             <a:r>
-              <a:rPr lang="ru-RU" smtClean="0"/>
+              <a:rPr lang="ru-RU"/>
               <a:t>Третий уровень</a:t>
             </a:r>
           </a:p>
           <a:p>
             <a:pPr lvl="3" eaLnBrk="1" latinLnBrk="0" hangingPunct="1"/>
             <a:r>
-              <a:rPr lang="ru-RU" smtClean="0"/>
+              <a:rPr lang="ru-RU"/>
               <a:t>Четвертый уровень</a:t>
             </a:r>
           </a:p>
           <a:p>
             <a:pPr lvl="4" eaLnBrk="1" latinLnBrk="0" hangingPunct="1"/>
             <a:r>
-              <a:rPr lang="ru-RU" smtClean="0"/>
+              <a:rPr lang="ru-RU"/>
               <a:t>Пятый уровень</a:t>
             </a:r>
             <a:endParaRPr kumimoji="0" lang="en-US"/>
@@ -28770,7 +27904,7 @@
             <a:fld id="{037AE53A-2FEC-4853-9084-09EBA881243A}" type="datetimeFigureOut">
               <a:rPr lang="ru-RU" smtClean="0"/>
               <a:pPr/>
-              <a:t>26.11.2025</a:t>
+              <a:t>28.11.2025</a:t>
             </a:fld>
             <a:endParaRPr lang="ru-RU"/>
           </a:p>
@@ -28909,7 +28043,7 @@
           </a:lstStyle>
           <a:p>
             <a:r>
-              <a:rPr kumimoji="0" lang="ru-RU" smtClean="0"/>
+              <a:rPr kumimoji="0" lang="ru-RU"/>
               <a:t>Образец заголовка</a:t>
             </a:r>
             <a:endParaRPr kumimoji="0" lang="en-US"/>
@@ -28934,7 +28068,7 @@
             <a:fld id="{037AE53A-2FEC-4853-9084-09EBA881243A}" type="datetimeFigureOut">
               <a:rPr lang="ru-RU" smtClean="0"/>
               <a:pPr/>
-              <a:t>26.11.2025</a:t>
+              <a:t>28.11.2025</a:t>
             </a:fld>
             <a:endParaRPr lang="ru-RU"/>
           </a:p>
@@ -29038,7 +28172,7 @@
             <a:fld id="{037AE53A-2FEC-4853-9084-09EBA881243A}" type="datetimeFigureOut">
               <a:rPr lang="ru-RU" smtClean="0"/>
               <a:pPr/>
-              <a:t>26.11.2025</a:t>
+              <a:t>28.11.2025</a:t>
             </a:fld>
             <a:endParaRPr lang="ru-RU"/>
           </a:p>
@@ -29166,7 +28300,7 @@
           </a:lstStyle>
           <a:p>
             <a:r>
-              <a:rPr kumimoji="0" lang="ru-RU" smtClean="0"/>
+              <a:rPr kumimoji="0" lang="ru-RU"/>
               <a:t>Образец заголовка</a:t>
             </a:r>
             <a:endParaRPr kumimoji="0" lang="en-US"/>
@@ -29216,7 +28350,7 @@
           <a:p>
             <a:pPr lvl="0" eaLnBrk="1" latinLnBrk="0" hangingPunct="1"/>
             <a:r>
-              <a:rPr kumimoji="0" lang="ru-RU" smtClean="0"/>
+              <a:rPr kumimoji="0" lang="ru-RU"/>
               <a:t>Образец текста</a:t>
             </a:r>
           </a:p>
@@ -29260,35 +28394,35 @@
           <a:p>
             <a:pPr lvl="0" eaLnBrk="1" latinLnBrk="0" hangingPunct="1"/>
             <a:r>
-              <a:rPr lang="ru-RU" smtClean="0"/>
+              <a:rPr lang="ru-RU"/>
               <a:t>Образец текста</a:t>
             </a:r>
           </a:p>
           <a:p>
             <a:pPr lvl="1" eaLnBrk="1" latinLnBrk="0" hangingPunct="1"/>
             <a:r>
-              <a:rPr lang="ru-RU" smtClean="0"/>
+              <a:rPr lang="ru-RU"/>
               <a:t>Второй уровень</a:t>
             </a:r>
           </a:p>
           <a:p>
             <a:pPr lvl="2" eaLnBrk="1" latinLnBrk="0" hangingPunct="1"/>
             <a:r>
-              <a:rPr lang="ru-RU" smtClean="0"/>
+              <a:rPr lang="ru-RU"/>
               <a:t>Третий уровень</a:t>
             </a:r>
           </a:p>
           <a:p>
             <a:pPr lvl="3" eaLnBrk="1" latinLnBrk="0" hangingPunct="1"/>
             <a:r>
-              <a:rPr lang="ru-RU" smtClean="0"/>
+              <a:rPr lang="ru-RU"/>
               <a:t>Четвертый уровень</a:t>
             </a:r>
           </a:p>
           <a:p>
             <a:pPr lvl="4" eaLnBrk="1" latinLnBrk="0" hangingPunct="1"/>
             <a:r>
-              <a:rPr lang="ru-RU" smtClean="0"/>
+              <a:rPr lang="ru-RU"/>
               <a:t>Пятый уровень</a:t>
             </a:r>
             <a:endParaRPr kumimoji="0" lang="en-US"/>
@@ -29313,7 +28447,7 @@
             <a:fld id="{037AE53A-2FEC-4853-9084-09EBA881243A}" type="datetimeFigureOut">
               <a:rPr lang="ru-RU" smtClean="0"/>
               <a:pPr/>
-              <a:t>26.11.2025</a:t>
+              <a:t>28.11.2025</a:t>
             </a:fld>
             <a:endParaRPr lang="ru-RU"/>
           </a:p>
@@ -29541,7 +28675,7 @@
           </a:lstStyle>
           <a:p>
             <a:r>
-              <a:rPr kumimoji="0" lang="ru-RU" smtClean="0"/>
+              <a:rPr kumimoji="0" lang="ru-RU"/>
               <a:t>Образец заголовка</a:t>
             </a:r>
             <a:endParaRPr kumimoji="0" lang="en-US"/>
@@ -29591,7 +28725,7 @@
           <a:p>
             <a:pPr lvl="0" eaLnBrk="1" latinLnBrk="0" hangingPunct="1"/>
             <a:r>
-              <a:rPr kumimoji="0" lang="ru-RU" smtClean="0"/>
+              <a:rPr kumimoji="0" lang="ru-RU"/>
               <a:t>Образец текста</a:t>
             </a:r>
           </a:p>
@@ -29615,7 +28749,7 @@
             <a:fld id="{037AE53A-2FEC-4853-9084-09EBA881243A}" type="datetimeFigureOut">
               <a:rPr lang="ru-RU" smtClean="0"/>
               <a:pPr/>
-              <a:t>26.11.2025</a:t>
+              <a:t>28.11.2025</a:t>
             </a:fld>
             <a:endParaRPr lang="ru-RU"/>
           </a:p>
@@ -29708,7 +28842,7 @@
           </a:lstStyle>
           <a:p>
             <a:r>
-              <a:rPr kumimoji="0" lang="ru-RU" smtClean="0"/>
+              <a:rPr kumimoji="0" lang="ru-RU"/>
               <a:t>Вставка рисунка</a:t>
             </a:r>
             <a:endParaRPr kumimoji="0" lang="en-US" dirty="0"/>
@@ -30305,7 +29439,7 @@
           <a:lstStyle/>
           <a:p>
             <a:r>
-              <a:rPr kumimoji="0" lang="ru-RU" smtClean="0"/>
+              <a:rPr kumimoji="0" lang="ru-RU"/>
               <a:t>Образец заголовка</a:t>
             </a:r>
             <a:endParaRPr kumimoji="0" lang="en-US"/>
@@ -30339,35 +29473,35 @@
           <a:p>
             <a:pPr lvl="0" eaLnBrk="1" latinLnBrk="0" hangingPunct="1"/>
             <a:r>
-              <a:rPr kumimoji="0" lang="ru-RU" smtClean="0"/>
+              <a:rPr kumimoji="0" lang="ru-RU"/>
               <a:t>Образец текста</a:t>
             </a:r>
           </a:p>
           <a:p>
             <a:pPr lvl="1" eaLnBrk="1" latinLnBrk="0" hangingPunct="1"/>
             <a:r>
-              <a:rPr kumimoji="0" lang="ru-RU" smtClean="0"/>
+              <a:rPr kumimoji="0" lang="ru-RU"/>
               <a:t>Второй уровень</a:t>
             </a:r>
           </a:p>
           <a:p>
             <a:pPr lvl="2" eaLnBrk="1" latinLnBrk="0" hangingPunct="1"/>
             <a:r>
-              <a:rPr kumimoji="0" lang="ru-RU" smtClean="0"/>
+              <a:rPr kumimoji="0" lang="ru-RU"/>
               <a:t>Третий уровень</a:t>
             </a:r>
           </a:p>
           <a:p>
             <a:pPr lvl="3" eaLnBrk="1" latinLnBrk="0" hangingPunct="1"/>
             <a:r>
-              <a:rPr kumimoji="0" lang="ru-RU" smtClean="0"/>
+              <a:rPr kumimoji="0" lang="ru-RU"/>
               <a:t>Четвертый уровень</a:t>
             </a:r>
           </a:p>
           <a:p>
             <a:pPr lvl="4" eaLnBrk="1" latinLnBrk="0" hangingPunct="1"/>
             <a:r>
-              <a:rPr kumimoji="0" lang="ru-RU" smtClean="0"/>
+              <a:rPr kumimoji="0" lang="ru-RU"/>
               <a:t>Пятый уровень</a:t>
             </a:r>
             <a:endParaRPr kumimoji="0" lang="en-US"/>
@@ -30410,7 +29544,7 @@
             <a:fld id="{037AE53A-2FEC-4853-9084-09EBA881243A}" type="datetimeFigureOut">
               <a:rPr lang="ru-RU" smtClean="0"/>
               <a:pPr/>
-              <a:t>26.11.2025</a:t>
+              <a:t>28.11.2025</a:t>
             </a:fld>
             <a:endParaRPr lang="ru-RU"/>
           </a:p>
@@ -31094,34 +30228,21 @@
               </a:rPr>
               <a:t>РАЗРАБОТКА ПРИЛОЖЕНИЯ </a:t>
             </a:r>
-            <a:r>
-              <a:rPr lang="ru-RU" sz="4400" dirty="0" smtClean="0">
-                <a:solidFill>
-                  <a:schemeClr val="accent1"/>
-                </a:solidFill>
-              </a:rPr>
-              <a:t/>
-            </a:r>
             <a:br>
-              <a:rPr lang="ru-RU" sz="4400" dirty="0" smtClean="0">
+              <a:rPr lang="ru-RU" sz="4400" dirty="0">
                 <a:solidFill>
                   <a:schemeClr val="accent1"/>
                 </a:solidFill>
               </a:rPr>
             </a:br>
             <a:r>
-              <a:rPr lang="ru-RU" sz="4400" dirty="0" smtClean="0">
+              <a:rPr lang="ru-RU" sz="4400" dirty="0">
                 <a:solidFill>
                   <a:schemeClr val="accent1"/>
                 </a:solidFill>
               </a:rPr>
               <a:t>ДЛЯ РОБОТА-МЕТАЛЛОИСКАТЕЛЯ</a:t>
             </a:r>
-            <a:endParaRPr lang="ru-RU" sz="4400" dirty="0">
-              <a:solidFill>
-                <a:schemeClr val="accent1"/>
-              </a:solidFill>
-            </a:endParaRPr>
           </a:p>
         </p:txBody>
       </p:sp>
@@ -31156,7 +30277,7 @@
               </a:spcBef>
             </a:pPr>
             <a:r>
-              <a:rPr lang="ru-RU" sz="2200" dirty="0" smtClean="0">
+              <a:rPr lang="ru-RU" sz="2200" dirty="0">
                 <a:latin typeface="+mj-lt"/>
                 <a:cs typeface="Calibri Light" panose="020F0302020204030204" pitchFamily="34" charset="0"/>
               </a:rPr>
@@ -31173,7 +30294,7 @@
               </a:spcBef>
             </a:pPr>
             <a:r>
-              <a:rPr lang="ru-RU" sz="2200" dirty="0" smtClean="0">
+              <a:rPr lang="ru-RU" sz="2200" dirty="0">
                 <a:latin typeface="+mj-lt"/>
                 <a:cs typeface="Calibri Light" panose="020F0302020204030204" pitchFamily="34" charset="0"/>
               </a:rPr>
@@ -31190,16 +30311,12 @@
               </a:spcBef>
             </a:pPr>
             <a:r>
-              <a:rPr lang="ru-RU" sz="2200" b="1" dirty="0" smtClean="0">
+              <a:rPr lang="ru-RU" sz="2200" b="1" dirty="0">
                 <a:latin typeface="+mj-lt"/>
                 <a:cs typeface="Calibri Light" panose="020F0302020204030204" pitchFamily="34" charset="0"/>
               </a:rPr>
-              <a:t>Сергеев Антон Борисович</a:t>
+              <a:t>Сергиенко Антон Борисович</a:t>
             </a:r>
-            <a:endParaRPr lang="ru-RU" sz="2200" b="1" dirty="0">
-              <a:latin typeface="+mj-lt"/>
-              <a:cs typeface="Calibri Light" panose="020F0302020204030204" pitchFamily="34" charset="0"/>
-            </a:endParaRPr>
           </a:p>
         </p:txBody>
       </p:sp>
@@ -31401,16 +30518,12 @@
               </a:spcBef>
             </a:pPr>
             <a:r>
-              <a:rPr lang="ru-RU" dirty="0" smtClean="0">
+              <a:rPr lang="ru-RU" dirty="0">
                 <a:latin typeface="+mj-lt"/>
                 <a:cs typeface="Calibri Light" panose="020F0302020204030204" pitchFamily="34" charset="0"/>
               </a:rPr>
               <a:t>г. Москва, 2025</a:t>
             </a:r>
-            <a:endParaRPr lang="ru-RU" dirty="0">
-              <a:latin typeface="+mj-lt"/>
-              <a:cs typeface="Calibri Light" panose="020F0302020204030204" pitchFamily="34" charset="0"/>
-            </a:endParaRPr>
           </a:p>
         </p:txBody>
       </p:sp>
@@ -31845,7 +30958,7 @@
               </a:spcBef>
             </a:pPr>
             <a:r>
-              <a:rPr lang="ru-RU" sz="2200" dirty="0" smtClean="0">
+              <a:rPr lang="ru-RU" sz="2200" dirty="0">
                 <a:latin typeface="+mj-lt"/>
                 <a:cs typeface="Calibri Light" panose="020F0302020204030204" pitchFamily="34" charset="0"/>
               </a:rPr>
@@ -31862,7 +30975,7 @@
               </a:spcBef>
             </a:pPr>
             <a:r>
-              <a:rPr lang="ru-RU" sz="2200" dirty="0" smtClean="0">
+              <a:rPr lang="ru-RU" sz="2200" dirty="0">
                 <a:latin typeface="+mj-lt"/>
                 <a:cs typeface="Calibri Light" panose="020F0302020204030204" pitchFamily="34" charset="0"/>
               </a:rPr>
@@ -31879,7 +30992,7 @@
               </a:spcBef>
             </a:pPr>
             <a:r>
-              <a:rPr lang="ru-RU" sz="2200" b="1" dirty="0" smtClean="0">
+              <a:rPr lang="ru-RU" sz="2200" b="1" dirty="0">
                 <a:latin typeface="+mj-lt"/>
                 <a:cs typeface="Calibri Light" panose="020F0302020204030204" pitchFamily="34" charset="0"/>
               </a:rPr>
@@ -31910,13 +31023,6 @@
       </p:transition>
     </mc:Fallback>
   </mc:AlternateContent>
-  <p:timing>
-    <p:tnLst>
-      <p:par>
-        <p:cTn id="1" dur="indefinite" restart="never" nodeType="tmRoot"/>
-      </p:par>
-    </p:tnLst>
-  </p:timing>
 </p:sld>
 </file>
 
@@ -31972,10 +31078,9 @@
           <a:lstStyle/>
           <a:p>
             <a:r>
-              <a:rPr lang="ru-RU" sz="4000" dirty="0" smtClean="0"/>
+              <a:rPr lang="ru-RU" sz="4000" dirty="0"/>
               <a:t>Реализация карты</a:t>
             </a:r>
-            <a:endParaRPr lang="ru-RU" sz="4000" dirty="0"/>
           </a:p>
         </p:txBody>
       </p:sp>
@@ -32009,27 +31114,19 @@
               <a:buChar char="•"/>
             </a:pPr>
             <a:r>
-              <a:rPr lang="en-US" dirty="0" err="1" smtClean="0"/>
-              <a:t>QWeb</a:t>
+              <a:rPr lang="en-US" dirty="0" err="1"/>
+              <a:t>QWebEngineView</a:t>
             </a:r>
             <a:r>
-              <a:rPr lang="en-US" dirty="0" err="1" smtClean="0"/>
-              <a:t>Engine</a:t>
-            </a:r>
-            <a:r>
-              <a:rPr lang="en-US" dirty="0" err="1" smtClean="0"/>
-              <a:t>View</a:t>
-            </a:r>
-            <a:r>
-              <a:rPr lang="en-US" dirty="0" smtClean="0"/>
+              <a:rPr lang="en-US" dirty="0"/>
               <a:t> – </a:t>
             </a:r>
             <a:r>
-              <a:rPr lang="ru-RU" dirty="0" smtClean="0"/>
+              <a:rPr lang="ru-RU" dirty="0"/>
               <a:t>запускает браузер с установленным </a:t>
             </a:r>
             <a:r>
-              <a:rPr lang="en-US" dirty="0" smtClean="0"/>
+              <a:rPr lang="en-US" dirty="0"/>
               <a:t>HTML</a:t>
             </a:r>
           </a:p>
@@ -32042,26 +31139,26 @@
               <a:buChar char="•"/>
             </a:pPr>
             <a:r>
-              <a:rPr lang="en-US" dirty="0" smtClean="0"/>
+              <a:rPr lang="en-US" dirty="0"/>
               <a:t>HTML </a:t>
             </a:r>
             <a:r>
-              <a:rPr lang="ru-RU" dirty="0" smtClean="0"/>
+              <a:rPr lang="ru-RU" dirty="0"/>
               <a:t>загружает </a:t>
             </a:r>
             <a:r>
-              <a:rPr lang="en-US" dirty="0" smtClean="0"/>
+              <a:rPr lang="en-US" dirty="0"/>
               <a:t>API </a:t>
             </a:r>
             <a:r>
-              <a:rPr lang="ru-RU" dirty="0" smtClean="0"/>
+              <a:rPr lang="ru-RU" dirty="0"/>
               <a:t>Яндекс Карт для дальнейшего использования в </a:t>
             </a:r>
             <a:r>
-              <a:rPr lang="en-US" dirty="0" smtClean="0"/>
+              <a:rPr lang="en-US" dirty="0"/>
               <a:t>JavaScript</a:t>
             </a:r>
-            <a:endParaRPr lang="ru-RU" dirty="0" smtClean="0"/>
+            <a:endParaRPr lang="ru-RU" dirty="0"/>
           </a:p>
           <a:p>
             <a:pPr algn="just">
@@ -32072,32 +31169,28 @@
               <a:buChar char="•"/>
             </a:pPr>
             <a:r>
-              <a:rPr lang="en-US" dirty="0" err="1" smtClean="0"/>
+              <a:rPr lang="en-US" dirty="0" err="1"/>
               <a:t>QWebEngineChannal</a:t>
             </a:r>
             <a:r>
-              <a:rPr lang="en-US" dirty="0" smtClean="0"/>
+              <a:rPr lang="en-US" dirty="0"/>
               <a:t> – </a:t>
             </a:r>
             <a:r>
-              <a:rPr lang="ru-RU" dirty="0" smtClean="0"/>
+              <a:rPr lang="ru-RU" dirty="0"/>
               <a:t>устанавливает связь между сервером </a:t>
             </a:r>
             <a:r>
-              <a:rPr lang="en-US" dirty="0" smtClean="0"/>
+              <a:rPr lang="en-US" dirty="0"/>
               <a:t>Python </a:t>
             </a:r>
             <a:r>
-              <a:rPr lang="ru-RU" dirty="0" smtClean="0"/>
+              <a:rPr lang="ru-RU" dirty="0"/>
               <a:t>и клиентом </a:t>
             </a:r>
             <a:r>
               <a:rPr lang="en-US" dirty="0"/>
-              <a:t> </a:t>
-            </a:r>
-            <a:r>
-              <a:rPr lang="en-US" dirty="0" smtClean="0"/>
-              <a:t>JavaScript</a:t>
+              <a:t> JavaScript</a:t>
             </a:r>
           </a:p>
           <a:p>
@@ -32109,18 +31202,18 @@
               <a:buChar char="•"/>
             </a:pPr>
             <a:r>
-              <a:rPr lang="ru-RU" dirty="0" smtClean="0"/>
+              <a:rPr lang="ru-RU" dirty="0"/>
               <a:t>Класс </a:t>
             </a:r>
             <a:r>
-              <a:rPr lang="en-US" dirty="0" smtClean="0"/>
+              <a:rPr lang="en-US" dirty="0"/>
               <a:t>Map </a:t>
             </a:r>
             <a:r>
-              <a:rPr lang="ru-RU" dirty="0" smtClean="0"/>
+              <a:rPr lang="ru-RU" dirty="0"/>
               <a:t>на сервере дублирует координаты объектов для их сохранения и передачи</a:t>
             </a:r>
-            <a:endParaRPr lang="en-US" dirty="0" smtClean="0"/>
+            <a:endParaRPr lang="en-US" dirty="0"/>
           </a:p>
         </p:txBody>
       </p:sp>
@@ -32146,13 +31239,6 @@
       </p:transition>
     </mc:Fallback>
   </mc:AlternateContent>
-  <p:timing>
-    <p:tnLst>
-      <p:par>
-        <p:cTn id="1" dur="indefinite" restart="never" nodeType="tmRoot"/>
-      </p:par>
-    </p:tnLst>
-  </p:timing>
 </p:sld>
 </file>
 
@@ -32249,7 +31335,7 @@
               <a:buNone/>
             </a:pPr>
             <a:r>
-              <a:rPr lang="ru-RU" sz="2200" b="1" dirty="0" smtClean="0">
+              <a:rPr lang="ru-RU" sz="2200" b="1" dirty="0">
                 <a:latin typeface="+mj-lt"/>
               </a:rPr>
               <a:t>Итог:</a:t>
@@ -32258,31 +31344,7 @@
               <a:rPr lang="ru-RU" sz="2200" dirty="0">
                 <a:latin typeface="+mj-lt"/>
               </a:rPr>
-              <a:t> </a:t>
-            </a:r>
-            <a:r>
-              <a:rPr lang="ru-RU" sz="2200" dirty="0" smtClean="0">
-                <a:latin typeface="+mj-lt"/>
-              </a:rPr>
-              <a:t>было </a:t>
-            </a:r>
-            <a:r>
-              <a:rPr lang="ru-RU" sz="2200" dirty="0" smtClean="0">
-                <a:latin typeface="+mj-lt"/>
-              </a:rPr>
-              <a:t>разработано приложение, позволяющее пользователю на карте указывать роботу-металлоискателю область для поиска в автоматическом режиме, а также просматривать на карте полученные </a:t>
-            </a:r>
-            <a:r>
-              <a:rPr lang="ru-RU" sz="2200" dirty="0">
-                <a:latin typeface="+mj-lt"/>
-              </a:rPr>
-              <a:t>от робота</a:t>
-            </a:r>
-            <a:r>
-              <a:rPr lang="ru-RU" sz="2200" dirty="0" smtClean="0">
-                <a:latin typeface="+mj-lt"/>
-              </a:rPr>
-              <a:t> координаты точек, в которых был обнаружен металл. </a:t>
+              <a:t> было разработано приложение, позволяющее пользователю на карте указывать роботу-металлоискателю область для поиска в автоматическом режиме, а также просматривать на карте полученные от робота координаты точек, в которых был обнаружен металл. </a:t>
             </a:r>
           </a:p>
           <a:p>
@@ -32296,7 +31358,7 @@
               <a:buNone/>
             </a:pPr>
             <a:r>
-              <a:rPr lang="ru-RU" sz="2200" b="1" dirty="0" smtClean="0">
+              <a:rPr lang="ru-RU" sz="2200" b="1" dirty="0">
                 <a:latin typeface="+mj-lt"/>
               </a:rPr>
               <a:t>Дальнейшее развитие приложения и в целом проекта: </a:t>
@@ -32307,9 +31369,6 @@
               </a:rPr>
               <a:t>	</a:t>
             </a:r>
-            <a:endParaRPr lang="ru-RU" sz="2200" dirty="0" smtClean="0">
-              <a:latin typeface="+mj-lt"/>
-            </a:endParaRPr>
           </a:p>
           <a:p>
             <a:pPr marL="0" indent="355600" algn="just">
@@ -32321,7 +31380,7 @@
               </a:spcBef>
             </a:pPr>
             <a:r>
-              <a:rPr lang="ru-RU" sz="2200" dirty="0" smtClean="0">
+              <a:rPr lang="ru-RU" sz="2200" dirty="0">
                 <a:latin typeface="+mj-lt"/>
               </a:rPr>
               <a:t>Добавить приложению возможность задавать поиск по нескольким областям;</a:t>
@@ -32340,19 +31399,7 @@
               <a:rPr lang="ru-RU" sz="2200" dirty="0">
                 <a:latin typeface="+mj-lt"/>
               </a:rPr>
-              <a:t>Добавить приложению функцию </a:t>
-            </a:r>
-            <a:r>
-              <a:rPr lang="ru-RU" sz="2200" dirty="0" smtClean="0">
-                <a:latin typeface="+mj-lt"/>
-              </a:rPr>
-              <a:t>отслеживания местоположения </a:t>
-            </a:r>
-            <a:r>
-              <a:rPr lang="ru-RU" sz="2200" dirty="0">
-                <a:latin typeface="+mj-lt"/>
-              </a:rPr>
-              <a:t>робота в режиме реального времени; </a:t>
+              <a:t>Добавить приложению функцию отслеживания местоположения робота в режиме реального времени; </a:t>
             </a:r>
           </a:p>
           <a:p>
@@ -32365,16 +31412,10 @@
               </a:spcBef>
             </a:pPr>
             <a:r>
-              <a:rPr lang="ru-RU" sz="2200" dirty="0" smtClean="0">
-                <a:latin typeface="+mj-lt"/>
-              </a:rPr>
-              <a:t>Подключить к роботу </a:t>
-            </a:r>
-            <a:r>
               <a:rPr lang="ru-RU" sz="2200" dirty="0">
                 <a:latin typeface="+mj-lt"/>
               </a:rPr>
-              <a:t>плату </a:t>
+              <a:t>Подключить к роботу плату </a:t>
             </a:r>
             <a:r>
               <a:rPr lang="en-US" sz="2200" dirty="0">
@@ -32417,50 +31458,20 @@
               <a:t>Подключить к роботу </a:t>
             </a:r>
             <a:r>
-              <a:rPr lang="ru-RU" sz="2200" dirty="0" smtClean="0">
+              <a:rPr lang="ru-RU" sz="2200" dirty="0">
                 <a:solidFill>
                   <a:prstClr val="black"/>
                 </a:solidFill>
                 <a:latin typeface="+mj-lt"/>
               </a:rPr>
-              <a:t>GPS-модуль</a:t>
-            </a:r>
-            <a:r>
-              <a:rPr lang="ru-RU" sz="2200" dirty="0" smtClean="0">
-                <a:solidFill>
-                  <a:prstClr val="black"/>
-                </a:solidFill>
-                <a:latin typeface="+mj-lt"/>
-              </a:rPr>
-              <a:t>, прописать алгоритм поиска в указанной области, </a:t>
-            </a:r>
-            <a:r>
-              <a:rPr lang="ru-RU" sz="2200" dirty="0" smtClean="0">
-                <a:latin typeface="+mj-lt"/>
-              </a:rPr>
-              <a:t>сделав </a:t>
-            </a:r>
-            <a:r>
-              <a:rPr lang="ru-RU" sz="2200" dirty="0" smtClean="0">
-                <a:latin typeface="+mj-lt"/>
-              </a:rPr>
-              <a:t>робота </a:t>
+              <a:t>GPS-модуль, прописать алгоритм поиска в указанной области, </a:t>
             </a:r>
             <a:r>
               <a:rPr lang="ru-RU" sz="2200" dirty="0">
                 <a:latin typeface="+mj-lt"/>
               </a:rPr>
-              <a:t>полностью </a:t>
+              <a:t>сделав робота полностью автономным.</a:t>
             </a:r>
-            <a:r>
-              <a:rPr lang="ru-RU" sz="2200" dirty="0" smtClean="0">
-                <a:latin typeface="+mj-lt"/>
-              </a:rPr>
-              <a:t>автономным.</a:t>
-            </a:r>
-            <a:endParaRPr lang="ru-RU" sz="2200" dirty="0">
-              <a:latin typeface="+mj-lt"/>
-            </a:endParaRPr>
           </a:p>
         </p:txBody>
       </p:sp>
@@ -32486,13 +31497,6 @@
       </p:transition>
     </mc:Fallback>
   </mc:AlternateContent>
-  <p:timing>
-    <p:tnLst>
-      <p:par>
-        <p:cTn id="1" dur="indefinite" restart="never" nodeType="tmRoot"/>
-      </p:par>
-    </p:tnLst>
-  </p:timing>
 </p:sld>
 </file>
 
@@ -32574,7 +31578,7 @@
               <a:defRPr/>
             </a:pPr>
             <a:r>
-              <a:rPr lang="ru-RU" sz="5400" b="1" dirty="0" smtClean="0">
+              <a:rPr lang="ru-RU" sz="5400" b="1" dirty="0">
                 <a:solidFill>
                   <a:schemeClr val="accent1"/>
                 </a:solidFill>
@@ -32636,13 +31640,6 @@
       </p:transition>
     </mc:Fallback>
   </mc:AlternateContent>
-  <p:timing>
-    <p:tnLst>
-      <p:par>
-        <p:cTn id="1" dur="indefinite" restart="never" nodeType="tmRoot"/>
-      </p:par>
-    </p:tnLst>
-  </p:timing>
 </p:sld>
 </file>
 
@@ -32733,7 +31730,7 @@
               </a:spcBef>
             </a:pPr>
             <a:r>
-              <a:rPr lang="ru-RU" sz="2200" b="0" dirty="0" smtClean="0">
+              <a:rPr lang="ru-RU" sz="2200" b="0" dirty="0">
                 <a:solidFill>
                   <a:schemeClr val="tx1"/>
                 </a:solidFill>
@@ -32752,7 +31749,7 @@
               </a:spcBef>
             </a:pPr>
             <a:r>
-              <a:rPr lang="ru-RU" sz="2200" b="0" dirty="0" smtClean="0">
+              <a:rPr lang="ru-RU" sz="2200" b="0" dirty="0">
                 <a:solidFill>
                   <a:schemeClr val="tx1"/>
                 </a:solidFill>
@@ -32771,7 +31768,7 @@
               </a:spcBef>
             </a:pPr>
             <a:r>
-              <a:rPr lang="ru-RU" sz="2200" b="0" dirty="0" smtClean="0">
+              <a:rPr lang="ru-RU" sz="2200" b="0" dirty="0">
                 <a:solidFill>
                   <a:schemeClr val="tx1"/>
                 </a:solidFill>
@@ -32780,7 +31777,7 @@
               <a:t>Автор хочет создать автономный 6-тиколесный робот-металлоискатель с </a:t>
             </a:r>
             <a:r>
-              <a:rPr lang="en-US" sz="2200" b="0" dirty="0" smtClean="0">
+              <a:rPr lang="en-US" sz="2200" b="0" dirty="0">
                 <a:solidFill>
                   <a:schemeClr val="tx1"/>
                 </a:solidFill>
@@ -32789,25 +31786,16 @@
               <a:t>GPS</a:t>
             </a:r>
             <a:r>
-              <a:rPr lang="ru-RU" sz="2200" b="0" dirty="0" smtClean="0">
-                <a:solidFill>
-                  <a:schemeClr val="tx1"/>
-                </a:solidFill>
-                <a:latin typeface="+mj-lt"/>
-              </a:rPr>
-              <a:t>-модулем, управляемый с помощью приложения </a:t>
-            </a:r>
-            <a:r>
               <a:rPr lang="ru-RU" sz="2200" b="0" dirty="0">
                 <a:solidFill>
                   <a:schemeClr val="tx1"/>
                 </a:solidFill>
                 <a:latin typeface="+mj-lt"/>
               </a:rPr>
-              <a:t>через </a:t>
+              <a:t>-модулем, управляемый с помощью приложения через </a:t>
             </a:r>
             <a:r>
-              <a:rPr lang="en-US" sz="2200" b="0" dirty="0" smtClean="0">
+              <a:rPr lang="en-US" sz="2200" b="0" dirty="0">
                 <a:solidFill>
                   <a:schemeClr val="tx1"/>
                 </a:solidFill>
@@ -32816,7 +31804,7 @@
               <a:t>Bluetooth</a:t>
             </a:r>
             <a:r>
-              <a:rPr lang="ru-RU" sz="2200" b="0" dirty="0" smtClean="0">
+              <a:rPr lang="ru-RU" sz="2200" b="0" dirty="0">
                 <a:solidFill>
                   <a:schemeClr val="tx1"/>
                 </a:solidFill>
@@ -32904,19 +31892,8 @@
                 <a:latin typeface="Arial Narrow" panose="020B0606020202030204" pitchFamily="34" charset="0"/>
                 <a:cs typeface="Arial" panose="020B0604020202020204" pitchFamily="34" charset="0"/>
               </a:rPr>
-              <a:t>Рис. 1. </a:t>
+              <a:t>Рис. 1.  Поиск ручным металлоискателем</a:t>
             </a:r>
-            <a:r>
-              <a:rPr lang="ru-RU" sz="2000" dirty="0" smtClean="0">
-                <a:latin typeface="Arial Narrow" panose="020B0606020202030204" pitchFamily="34" charset="0"/>
-                <a:cs typeface="Arial" panose="020B0604020202020204" pitchFamily="34" charset="0"/>
-              </a:rPr>
-              <a:t> Поиск ручным металлоискателем</a:t>
-            </a:r>
-            <a:endParaRPr lang="ru-RU" sz="2000" dirty="0">
-              <a:latin typeface="Arial Narrow" panose="020B0606020202030204" pitchFamily="34" charset="0"/>
-              <a:cs typeface="Arial" panose="020B0604020202020204" pitchFamily="34" charset="0"/>
-            </a:endParaRPr>
           </a:p>
         </p:txBody>
       </p:sp>
@@ -32942,13 +31919,6 @@
       </p:transition>
     </mc:Fallback>
   </mc:AlternateContent>
-  <p:timing>
-    <p:tnLst>
-      <p:par>
-        <p:cTn id="1" dur="indefinite" restart="never" nodeType="tmRoot"/>
-      </p:par>
-    </p:tnLst>
-  </p:timing>
 </p:sld>
 </file>
 
@@ -33039,7 +32009,7 @@
               </a:spcBef>
             </a:pPr>
             <a:r>
-              <a:rPr lang="ru-RU" sz="2200" b="0" dirty="0" smtClean="0">
+              <a:rPr lang="ru-RU" sz="2200" b="0" dirty="0">
                 <a:solidFill>
                   <a:schemeClr val="tx1"/>
                 </a:solidFill>
@@ -33064,61 +32034,7 @@
                 </a:solidFill>
                 <a:latin typeface="+mj-lt"/>
               </a:rPr>
-              <a:t>На данном этапе цель автора</a:t>
-            </a:r>
-            <a:r>
-              <a:rPr lang="ru-RU" sz="2200" b="0" dirty="0" smtClean="0">
-                <a:solidFill>
-                  <a:schemeClr val="tx1"/>
-                </a:solidFill>
-                <a:latin typeface="+mj-lt"/>
-              </a:rPr>
-              <a:t>: разработать </a:t>
-            </a:r>
-            <a:r>
-              <a:rPr lang="ru-RU" sz="2200" b="0" dirty="0">
-                <a:solidFill>
-                  <a:schemeClr val="tx1"/>
-                </a:solidFill>
-                <a:latin typeface="+mj-lt"/>
-              </a:rPr>
-              <a:t>приложение для </a:t>
-            </a:r>
-            <a:r>
-              <a:rPr lang="ru-RU" sz="2200" b="0" dirty="0" smtClean="0">
-                <a:solidFill>
-                  <a:schemeClr val="tx1"/>
-                </a:solidFill>
-                <a:latin typeface="+mj-lt"/>
-              </a:rPr>
-              <a:t>указания </a:t>
-            </a:r>
-            <a:r>
-              <a:rPr lang="ru-RU" sz="2200" b="0" dirty="0">
-                <a:solidFill>
-                  <a:schemeClr val="tx1"/>
-                </a:solidFill>
-                <a:latin typeface="+mj-lt"/>
-              </a:rPr>
-              <a:t>роботу области поиска на </a:t>
-            </a:r>
-            <a:r>
-              <a:rPr lang="ru-RU" sz="2200" b="0" dirty="0" smtClean="0">
-                <a:solidFill>
-                  <a:schemeClr val="tx1"/>
-                </a:solidFill>
-                <a:latin typeface="+mj-lt"/>
-              </a:rPr>
-              <a:t>карте в автоматическом режиме и </a:t>
-            </a:r>
-            <a:r>
-              <a:rPr lang="ru-RU" sz="2200" b="0" dirty="0">
-                <a:solidFill>
-                  <a:schemeClr val="tx1"/>
-                </a:solidFill>
-                <a:latin typeface="+mj-lt"/>
-              </a:rPr>
-              <a:t>получения от робота координат, в которых он обнаружил металл.</a:t>
+              <a:t>На данном этапе цель автора: разработать приложение для указания роботу области поиска на карте в автоматическом режиме и получения от робота координат, в которых он обнаружил металл.</a:t>
             </a:r>
           </a:p>
           <a:p>
@@ -33245,19 +32161,8 @@
                 <a:latin typeface="Arial Narrow" panose="020B0606020202030204" pitchFamily="34" charset="0"/>
                 <a:cs typeface="Arial" panose="020B0604020202020204" pitchFamily="34" charset="0"/>
               </a:rPr>
-              <a:t>Рис. </a:t>
+              <a:t>Рис. 2.  Робот-металлоискатель</a:t>
             </a:r>
-            <a:r>
-              <a:rPr lang="ru-RU" sz="2000" dirty="0" smtClean="0">
-                <a:latin typeface="Arial Narrow" panose="020B0606020202030204" pitchFamily="34" charset="0"/>
-                <a:cs typeface="Arial" panose="020B0604020202020204" pitchFamily="34" charset="0"/>
-              </a:rPr>
-              <a:t>2.  Робот-металлоискатель</a:t>
-            </a:r>
-            <a:endParaRPr lang="ru-RU" sz="2000" dirty="0">
-              <a:latin typeface="Arial Narrow" panose="020B0606020202030204" pitchFamily="34" charset="0"/>
-              <a:cs typeface="Arial" panose="020B0604020202020204" pitchFamily="34" charset="0"/>
-            </a:endParaRPr>
           </a:p>
         </p:txBody>
       </p:sp>
@@ -33283,13 +32188,6 @@
       </p:transition>
     </mc:Fallback>
   </mc:AlternateContent>
-  <p:timing>
-    <p:tnLst>
-      <p:par>
-        <p:cTn id="1" dur="indefinite" restart="never" nodeType="tmRoot"/>
-      </p:par>
-    </p:tnLst>
-  </p:timing>
 </p:sld>
 </file>
 
@@ -33395,13 +32293,6 @@
       </p:transition>
     </mc:Fallback>
   </mc:AlternateContent>
-  <p:timing>
-    <p:tnLst>
-      <p:par>
-        <p:cTn id="1" dur="indefinite" restart="never" nodeType="tmRoot"/>
-      </p:par>
-    </p:tnLst>
-  </p:timing>
 </p:sld>
 </file>
 
@@ -33509,13 +32400,6 @@
       </p:transition>
     </mc:Fallback>
   </mc:AlternateContent>
-  <p:timing>
-    <p:tnLst>
-      <p:par>
-        <p:cTn id="1" dur="indefinite" restart="never" nodeType="tmRoot"/>
-      </p:par>
-    </p:tnLst>
-  </p:timing>
 </p:sld>
 </file>
 
@@ -33669,19 +32553,8 @@
                 <a:latin typeface="Arial Narrow" panose="020B0606020202030204" pitchFamily="34" charset="0"/>
                 <a:cs typeface="Arial" panose="020B0604020202020204" pitchFamily="34" charset="0"/>
               </a:rPr>
-              <a:t>Рис. 3</a:t>
+              <a:t>Рис. 3.  Вкладка «карта»</a:t>
             </a:r>
-            <a:r>
-              <a:rPr lang="ru-RU" sz="2000" dirty="0" smtClean="0">
-                <a:latin typeface="Arial Narrow" panose="020B0606020202030204" pitchFamily="34" charset="0"/>
-                <a:cs typeface="Arial" panose="020B0604020202020204" pitchFamily="34" charset="0"/>
-              </a:rPr>
-              <a:t>.  Вкладка «карта»</a:t>
-            </a:r>
-            <a:endParaRPr lang="ru-RU" sz="2000" dirty="0">
-              <a:latin typeface="Arial Narrow" panose="020B0606020202030204" pitchFamily="34" charset="0"/>
-              <a:cs typeface="Arial" panose="020B0604020202020204" pitchFamily="34" charset="0"/>
-            </a:endParaRPr>
           </a:p>
         </p:txBody>
       </p:sp>
@@ -33707,13 +32580,6 @@
       </p:transition>
     </mc:Fallback>
   </mc:AlternateContent>
-  <p:timing>
-    <p:tnLst>
-      <p:par>
-        <p:cTn id="1" dur="indefinite" restart="never" nodeType="tmRoot"/>
-      </p:par>
-    </p:tnLst>
-  </p:timing>
 </p:sld>
 </file>
 
@@ -33932,28 +32798,17 @@
                 <a:latin typeface="Arial Narrow" panose="020B0606020202030204" pitchFamily="34" charset="0"/>
                 <a:cs typeface="Arial" panose="020B0604020202020204" pitchFamily="34" charset="0"/>
               </a:rPr>
-              <a:t>Рис. </a:t>
-            </a:r>
-            <a:r>
-              <a:rPr lang="ru-RU" sz="2000" dirty="0" smtClean="0">
-                <a:latin typeface="Arial Narrow" panose="020B0606020202030204" pitchFamily="34" charset="0"/>
-                <a:cs typeface="Arial" panose="020B0604020202020204" pitchFamily="34" charset="0"/>
-              </a:rPr>
-              <a:t>4.  Вкладка </a:t>
+              <a:t>Рис. 4.  Вкладка </a:t>
             </a:r>
           </a:p>
           <a:p>
             <a:r>
-              <a:rPr lang="ru-RU" sz="2000" dirty="0" smtClean="0">
+              <a:rPr lang="ru-RU" sz="2000" dirty="0">
                 <a:latin typeface="Arial Narrow" panose="020B0606020202030204" pitchFamily="34" charset="0"/>
                 <a:cs typeface="Arial" panose="020B0604020202020204" pitchFamily="34" charset="0"/>
               </a:rPr>
               <a:t>«Робот»</a:t>
             </a:r>
-            <a:endParaRPr lang="ru-RU" sz="2000" dirty="0">
-              <a:latin typeface="Arial Narrow" panose="020B0606020202030204" pitchFamily="34" charset="0"/>
-              <a:cs typeface="Arial" panose="020B0604020202020204" pitchFamily="34" charset="0"/>
-            </a:endParaRPr>
           </a:p>
         </p:txBody>
       </p:sp>
@@ -33984,19 +32839,8 @@
                 <a:latin typeface="Arial Narrow" panose="020B0606020202030204" pitchFamily="34" charset="0"/>
                 <a:cs typeface="Arial" panose="020B0604020202020204" pitchFamily="34" charset="0"/>
               </a:rPr>
-              <a:t>Рис. 5</a:t>
+              <a:t>Рис. 5.  Окно работы с роботом</a:t>
             </a:r>
-            <a:r>
-              <a:rPr lang="ru-RU" sz="2000" dirty="0" smtClean="0">
-                <a:latin typeface="Arial Narrow" panose="020B0606020202030204" pitchFamily="34" charset="0"/>
-                <a:cs typeface="Arial" panose="020B0604020202020204" pitchFamily="34" charset="0"/>
-              </a:rPr>
-              <a:t>.  Окно работы с роботом</a:t>
-            </a:r>
-            <a:endParaRPr lang="ru-RU" sz="2000" dirty="0">
-              <a:latin typeface="Arial Narrow" panose="020B0606020202030204" pitchFamily="34" charset="0"/>
-              <a:cs typeface="Arial" panose="020B0604020202020204" pitchFamily="34" charset="0"/>
-            </a:endParaRPr>
           </a:p>
         </p:txBody>
       </p:sp>
@@ -34022,13 +32866,6 @@
       </p:transition>
     </mc:Fallback>
   </mc:AlternateContent>
-  <p:timing>
-    <p:tnLst>
-      <p:par>
-        <p:cTn id="1" dur="indefinite" restart="never" nodeType="tmRoot"/>
-      </p:par>
-    </p:tnLst>
-  </p:timing>
 </p:sld>
 </file>
 
@@ -34182,19 +33019,8 @@
                 <a:latin typeface="Arial Narrow" panose="020B0606020202030204" pitchFamily="34" charset="0"/>
                 <a:cs typeface="Arial" panose="020B0604020202020204" pitchFamily="34" charset="0"/>
               </a:rPr>
-              <a:t>Рис. </a:t>
+              <a:t>Рис. 6.  Окно «Загрузить карту»</a:t>
             </a:r>
-            <a:r>
-              <a:rPr lang="ru-RU" sz="2000" dirty="0" smtClean="0">
-                <a:latin typeface="Arial Narrow" panose="020B0606020202030204" pitchFamily="34" charset="0"/>
-                <a:cs typeface="Arial" panose="020B0604020202020204" pitchFamily="34" charset="0"/>
-              </a:rPr>
-              <a:t>6.  Окно «Загрузить карту»</a:t>
-            </a:r>
-            <a:endParaRPr lang="ru-RU" sz="2000" dirty="0">
-              <a:latin typeface="Arial Narrow" panose="020B0606020202030204" pitchFamily="34" charset="0"/>
-              <a:cs typeface="Arial" panose="020B0604020202020204" pitchFamily="34" charset="0"/>
-            </a:endParaRPr>
           </a:p>
         </p:txBody>
       </p:sp>
@@ -34220,13 +33046,6 @@
       </p:transition>
     </mc:Fallback>
   </mc:AlternateContent>
-  <p:timing>
-    <p:tnLst>
-      <p:par>
-        <p:cTn id="1" dur="indefinite" restart="never" nodeType="tmRoot"/>
-      </p:par>
-    </p:tnLst>
-  </p:timing>
 </p:sld>
 </file>
 
@@ -34315,19 +33134,8 @@
                 <a:latin typeface="Arial Narrow" panose="020B0606020202030204" pitchFamily="34" charset="0"/>
                 <a:cs typeface="Arial" panose="020B0604020202020204" pitchFamily="34" charset="0"/>
               </a:rPr>
-              <a:t>Рис. </a:t>
+              <a:t>Рис. 7.  Файловая структура</a:t>
             </a:r>
-            <a:r>
-              <a:rPr lang="ru-RU" sz="2000" dirty="0" smtClean="0">
-                <a:latin typeface="Arial Narrow" panose="020B0606020202030204" pitchFamily="34" charset="0"/>
-                <a:cs typeface="Arial" panose="020B0604020202020204" pitchFamily="34" charset="0"/>
-              </a:rPr>
-              <a:t>7.  Файловая структура</a:t>
-            </a:r>
-            <a:endParaRPr lang="ru-RU" sz="2000" dirty="0">
-              <a:latin typeface="Arial Narrow" panose="020B0606020202030204" pitchFamily="34" charset="0"/>
-              <a:cs typeface="Arial" panose="020B0604020202020204" pitchFamily="34" charset="0"/>
-            </a:endParaRPr>
           </a:p>
         </p:txBody>
       </p:sp>
@@ -34393,13 +33201,6 @@
       </p:transition>
     </mc:Fallback>
   </mc:AlternateContent>
-  <p:timing>
-    <p:tnLst>
-      <p:par>
-        <p:cTn id="1" dur="indefinite" restart="never" nodeType="tmRoot"/>
-      </p:par>
-    </p:tnLst>
-  </p:timing>
 </p:sld>
 </file>
 
